--- a/workshop/07_Performance_as_a_Self_Service/ACMWorkshop_Performance_as_a_Self_Service.pptx
+++ b/workshop/07_Performance_as_a_Self_Service/ACMWorkshop_Performance_as_a_Self_Service.pptx
@@ -28867,30 +28867,6 @@
 </file>
 
 <file path=customXml/item1.xml><?xml version="1.0" encoding="utf-8"?>
-<p:properties xmlns:p="http://schemas.microsoft.com/office/2006/metadata/properties" xmlns:xsi="http://www.w3.org/2001/XMLSchema-instance" xmlns:pc="http://schemas.microsoft.com/office/infopath/2007/PartnerControls">
-  <documentManagement>
-    <SharedWithUsers xmlns="fb8203b4-fe31-4bd3-bf6e-7d3582ff5478">
-      <UserInfo>
-        <DisplayName>Anderson, Dave (Marketing)</DisplayName>
-        <AccountId>14</AccountId>
-        <AccountType/>
-      </UserInfo>
-      <UserInfo>
-        <DisplayName>Sims, Josh</DisplayName>
-        <AccountId>473</AccountId>
-        <AccountType/>
-      </UserInfo>
-      <UserInfo>
-        <DisplayName>Ward, Frances</DisplayName>
-        <AccountId>6</AccountId>
-        <AccountType/>
-      </UserInfo>
-    </SharedWithUsers>
-  </documentManagement>
-</p:properties>
-</file>
-
-<file path=customXml/item2.xml><?xml version="1.0" encoding="utf-8"?>
 <ct:contentTypeSchema xmlns:ct="http://schemas.microsoft.com/office/2006/metadata/contentType" xmlns:ma="http://schemas.microsoft.com/office/2006/metadata/properties/metaAttributes" ct:_="" ma:_="" ma:contentTypeName="Document" ma:contentTypeID="0x01010052F8FE65E80A8C4791DDD83E290982FE" ma:contentTypeVersion="7" ma:contentTypeDescription="Create a new document." ma:contentTypeScope="" ma:versionID="b30853a293787791d003978af993c376">
   <xsd:schema xmlns:xsd="http://www.w3.org/2001/XMLSchema" xmlns:xs="http://www.w3.org/2001/XMLSchema" xmlns:p="http://schemas.microsoft.com/office/2006/metadata/properties" xmlns:ns2="975ecbaa-750d-4684-9d6f-dde56c91f74c" xmlns:ns3="fb8203b4-fe31-4bd3-bf6e-7d3582ff5478" targetNamespace="http://schemas.microsoft.com/office/2006/metadata/properties" ma:root="true" ma:fieldsID="5e40e46a27d0028b3013f1b95e4bf97f" ns2:_="" ns3:_="">
     <xsd:import namespace="975ecbaa-750d-4684-9d6f-dde56c91f74c"/>
@@ -29073,6 +29049,30 @@
 </ct:contentTypeSchema>
 </file>
 
+<file path=customXml/item2.xml><?xml version="1.0" encoding="utf-8"?>
+<p:properties xmlns:p="http://schemas.microsoft.com/office/2006/metadata/properties" xmlns:xsi="http://www.w3.org/2001/XMLSchema-instance" xmlns:pc="http://schemas.microsoft.com/office/infopath/2007/PartnerControls">
+  <documentManagement>
+    <SharedWithUsers xmlns="fb8203b4-fe31-4bd3-bf6e-7d3582ff5478">
+      <UserInfo>
+        <DisplayName>Anderson, Dave (Marketing)</DisplayName>
+        <AccountId>14</AccountId>
+        <AccountType/>
+      </UserInfo>
+      <UserInfo>
+        <DisplayName>Sims, Josh</DisplayName>
+        <AccountId>473</AccountId>
+        <AccountType/>
+      </UserInfo>
+      <UserInfo>
+        <DisplayName>Ward, Frances</DisplayName>
+        <AccountId>6</AccountId>
+        <AccountType/>
+      </UserInfo>
+    </SharedWithUsers>
+  </documentManagement>
+</p:properties>
+</file>
+
 <file path=customXml/item3.xml><?xml version="1.0" encoding="utf-8"?>
 <?mso-contentType ?>
 <FormTemplates xmlns="http://schemas.microsoft.com/sharepoint/v3/contenttype/forms">
@@ -29083,24 +29083,6 @@
 </file>
 
 <file path=customXml/itemProps1.xml><?xml version="1.0" encoding="utf-8"?>
-<ds:datastoreItem xmlns:ds="http://schemas.openxmlformats.org/officeDocument/2006/customXml" ds:itemID="{363305D2-0ECB-44A0-862C-949F259D46BE}">
-  <ds:schemaRefs>
-    <ds:schemaRef ds:uri="http://schemas.openxmlformats.org/package/2006/metadata/core-properties"/>
-    <ds:schemaRef ds:uri="http://schemas.microsoft.com/office/2006/documentManagement/types"/>
-    <ds:schemaRef ds:uri="http://purl.org/dc/elements/1.1/"/>
-    <ds:schemaRef ds:uri="3e98d6c4-0a6a-4101-aaef-7401c2c41272"/>
-    <ds:schemaRef ds:uri="http://purl.org/dc/terms/"/>
-    <ds:schemaRef ds:uri="http://schemas.microsoft.com/office/infopath/2007/PartnerControls"/>
-    <ds:schemaRef ds:uri="http://www.w3.org/XML/1998/namespace"/>
-    <ds:schemaRef ds:uri="http://purl.org/dc/dcmitype/"/>
-    <ds:schemaRef ds:uri="dd1d8f26-fb76-4973-95d8-1c00742ea3ca"/>
-    <ds:schemaRef ds:uri="http://schemas.microsoft.com/office/2006/metadata/properties"/>
-    <ds:schemaRef ds:uri="fb8203b4-fe31-4bd3-bf6e-7d3582ff5478"/>
-  </ds:schemaRefs>
-</ds:datastoreItem>
-</file>
-
-<file path=customXml/itemProps2.xml><?xml version="1.0" encoding="utf-8"?>
 <ds:datastoreItem xmlns:ds="http://schemas.openxmlformats.org/officeDocument/2006/customXml" ds:itemID="{1EE47AD0-FCDF-4085-9910-14F462509153}">
   <ds:schemaRefs>
     <ds:schemaRef ds:uri="http://schemas.microsoft.com/office/2006/metadata/contentType"/>
@@ -29119,6 +29101,24 @@
 </ds:datastoreItem>
 </file>
 
+<file path=customXml/itemProps2.xml><?xml version="1.0" encoding="utf-8"?>
+<ds:datastoreItem xmlns:ds="http://schemas.openxmlformats.org/officeDocument/2006/customXml" ds:itemID="{363305D2-0ECB-44A0-862C-949F259D46BE}">
+  <ds:schemaRefs>
+    <ds:schemaRef ds:uri="http://schemas.openxmlformats.org/package/2006/metadata/core-properties"/>
+    <ds:schemaRef ds:uri="http://schemas.microsoft.com/office/2006/documentManagement/types"/>
+    <ds:schemaRef ds:uri="http://purl.org/dc/elements/1.1/"/>
+    <ds:schemaRef ds:uri="3e98d6c4-0a6a-4101-aaef-7401c2c41272"/>
+    <ds:schemaRef ds:uri="http://purl.org/dc/terms/"/>
+    <ds:schemaRef ds:uri="http://schemas.microsoft.com/office/infopath/2007/PartnerControls"/>
+    <ds:schemaRef ds:uri="http://www.w3.org/XML/1998/namespace"/>
+    <ds:schemaRef ds:uri="http://purl.org/dc/dcmitype/"/>
+    <ds:schemaRef ds:uri="dd1d8f26-fb76-4973-95d8-1c00742ea3ca"/>
+    <ds:schemaRef ds:uri="http://schemas.microsoft.com/office/2006/metadata/properties"/>
+    <ds:schemaRef ds:uri="fb8203b4-fe31-4bd3-bf6e-7d3582ff5478"/>
+  </ds:schemaRefs>
+</ds:datastoreItem>
+</file>
+
 <file path=customXml/itemProps3.xml><?xml version="1.0" encoding="utf-8"?>
 <ds:datastoreItem xmlns:ds="http://schemas.openxmlformats.org/officeDocument/2006/customXml" ds:itemID="{6075389F-D212-4F19-AFAD-C1BB4FFFE93B}">
   <ds:schemaRefs>

--- a/workshop/07_Performance_as_a_Self_Service/ACMWorkshop_Performance_as_a_Self_Service.pptx
+++ b/workshop/07_Performance_as_a_Self_Service/ACMWorkshop_Performance_as_a_Self_Service.pptx
@@ -23354,7 +23354,7 @@
             <a:pPr algn="ctr"/>
             <a:r>
               <a:rPr lang="en-US" dirty="0"/>
-              <a:t>#1 Performance Signature View</a:t>
+              <a:t>Performance Signature View</a:t>
             </a:r>
           </a:p>
         </p:txBody>
@@ -28867,6 +28867,30 @@
 </file>
 
 <file path=customXml/item1.xml><?xml version="1.0" encoding="utf-8"?>
+<p:properties xmlns:p="http://schemas.microsoft.com/office/2006/metadata/properties" xmlns:xsi="http://www.w3.org/2001/XMLSchema-instance" xmlns:pc="http://schemas.microsoft.com/office/infopath/2007/PartnerControls">
+  <documentManagement>
+    <SharedWithUsers xmlns="fb8203b4-fe31-4bd3-bf6e-7d3582ff5478">
+      <UserInfo>
+        <DisplayName>Anderson, Dave (Marketing)</DisplayName>
+        <AccountId>14</AccountId>
+        <AccountType/>
+      </UserInfo>
+      <UserInfo>
+        <DisplayName>Sims, Josh</DisplayName>
+        <AccountId>473</AccountId>
+        <AccountType/>
+      </UserInfo>
+      <UserInfo>
+        <DisplayName>Ward, Frances</DisplayName>
+        <AccountId>6</AccountId>
+        <AccountType/>
+      </UserInfo>
+    </SharedWithUsers>
+  </documentManagement>
+</p:properties>
+</file>
+
+<file path=customXml/item2.xml><?xml version="1.0" encoding="utf-8"?>
 <ct:contentTypeSchema xmlns:ct="http://schemas.microsoft.com/office/2006/metadata/contentType" xmlns:ma="http://schemas.microsoft.com/office/2006/metadata/properties/metaAttributes" ct:_="" ma:_="" ma:contentTypeName="Document" ma:contentTypeID="0x01010052F8FE65E80A8C4791DDD83E290982FE" ma:contentTypeVersion="7" ma:contentTypeDescription="Create a new document." ma:contentTypeScope="" ma:versionID="b30853a293787791d003978af993c376">
   <xsd:schema xmlns:xsd="http://www.w3.org/2001/XMLSchema" xmlns:xs="http://www.w3.org/2001/XMLSchema" xmlns:p="http://schemas.microsoft.com/office/2006/metadata/properties" xmlns:ns2="975ecbaa-750d-4684-9d6f-dde56c91f74c" xmlns:ns3="fb8203b4-fe31-4bd3-bf6e-7d3582ff5478" targetNamespace="http://schemas.microsoft.com/office/2006/metadata/properties" ma:root="true" ma:fieldsID="5e40e46a27d0028b3013f1b95e4bf97f" ns2:_="" ns3:_="">
     <xsd:import namespace="975ecbaa-750d-4684-9d6f-dde56c91f74c"/>
@@ -29049,30 +29073,6 @@
 </ct:contentTypeSchema>
 </file>
 
-<file path=customXml/item2.xml><?xml version="1.0" encoding="utf-8"?>
-<p:properties xmlns:p="http://schemas.microsoft.com/office/2006/metadata/properties" xmlns:xsi="http://www.w3.org/2001/XMLSchema-instance" xmlns:pc="http://schemas.microsoft.com/office/infopath/2007/PartnerControls">
-  <documentManagement>
-    <SharedWithUsers xmlns="fb8203b4-fe31-4bd3-bf6e-7d3582ff5478">
-      <UserInfo>
-        <DisplayName>Anderson, Dave (Marketing)</DisplayName>
-        <AccountId>14</AccountId>
-        <AccountType/>
-      </UserInfo>
-      <UserInfo>
-        <DisplayName>Sims, Josh</DisplayName>
-        <AccountId>473</AccountId>
-        <AccountType/>
-      </UserInfo>
-      <UserInfo>
-        <DisplayName>Ward, Frances</DisplayName>
-        <AccountId>6</AccountId>
-        <AccountType/>
-      </UserInfo>
-    </SharedWithUsers>
-  </documentManagement>
-</p:properties>
-</file>
-
 <file path=customXml/item3.xml><?xml version="1.0" encoding="utf-8"?>
 <?mso-contentType ?>
 <FormTemplates xmlns="http://schemas.microsoft.com/sharepoint/v3/contenttype/forms">
@@ -29083,6 +29083,24 @@
 </file>
 
 <file path=customXml/itemProps1.xml><?xml version="1.0" encoding="utf-8"?>
+<ds:datastoreItem xmlns:ds="http://schemas.openxmlformats.org/officeDocument/2006/customXml" ds:itemID="{363305D2-0ECB-44A0-862C-949F259D46BE}">
+  <ds:schemaRefs>
+    <ds:schemaRef ds:uri="http://schemas.openxmlformats.org/package/2006/metadata/core-properties"/>
+    <ds:schemaRef ds:uri="http://schemas.microsoft.com/office/2006/documentManagement/types"/>
+    <ds:schemaRef ds:uri="http://purl.org/dc/elements/1.1/"/>
+    <ds:schemaRef ds:uri="3e98d6c4-0a6a-4101-aaef-7401c2c41272"/>
+    <ds:schemaRef ds:uri="http://purl.org/dc/terms/"/>
+    <ds:schemaRef ds:uri="http://schemas.microsoft.com/office/infopath/2007/PartnerControls"/>
+    <ds:schemaRef ds:uri="http://www.w3.org/XML/1998/namespace"/>
+    <ds:schemaRef ds:uri="http://purl.org/dc/dcmitype/"/>
+    <ds:schemaRef ds:uri="dd1d8f26-fb76-4973-95d8-1c00742ea3ca"/>
+    <ds:schemaRef ds:uri="http://schemas.microsoft.com/office/2006/metadata/properties"/>
+    <ds:schemaRef ds:uri="fb8203b4-fe31-4bd3-bf6e-7d3582ff5478"/>
+  </ds:schemaRefs>
+</ds:datastoreItem>
+</file>
+
+<file path=customXml/itemProps2.xml><?xml version="1.0" encoding="utf-8"?>
 <ds:datastoreItem xmlns:ds="http://schemas.openxmlformats.org/officeDocument/2006/customXml" ds:itemID="{1EE47AD0-FCDF-4085-9910-14F462509153}">
   <ds:schemaRefs>
     <ds:schemaRef ds:uri="http://schemas.microsoft.com/office/2006/metadata/contentType"/>
@@ -29101,24 +29119,6 @@
 </ds:datastoreItem>
 </file>
 
-<file path=customXml/itemProps2.xml><?xml version="1.0" encoding="utf-8"?>
-<ds:datastoreItem xmlns:ds="http://schemas.openxmlformats.org/officeDocument/2006/customXml" ds:itemID="{363305D2-0ECB-44A0-862C-949F259D46BE}">
-  <ds:schemaRefs>
-    <ds:schemaRef ds:uri="http://schemas.openxmlformats.org/package/2006/metadata/core-properties"/>
-    <ds:schemaRef ds:uri="http://schemas.microsoft.com/office/2006/documentManagement/types"/>
-    <ds:schemaRef ds:uri="http://purl.org/dc/elements/1.1/"/>
-    <ds:schemaRef ds:uri="3e98d6c4-0a6a-4101-aaef-7401c2c41272"/>
-    <ds:schemaRef ds:uri="http://purl.org/dc/terms/"/>
-    <ds:schemaRef ds:uri="http://schemas.microsoft.com/office/infopath/2007/PartnerControls"/>
-    <ds:schemaRef ds:uri="http://www.w3.org/XML/1998/namespace"/>
-    <ds:schemaRef ds:uri="http://purl.org/dc/dcmitype/"/>
-    <ds:schemaRef ds:uri="dd1d8f26-fb76-4973-95d8-1c00742ea3ca"/>
-    <ds:schemaRef ds:uri="http://schemas.microsoft.com/office/2006/metadata/properties"/>
-    <ds:schemaRef ds:uri="fb8203b4-fe31-4bd3-bf6e-7d3582ff5478"/>
-  </ds:schemaRefs>
-</ds:datastoreItem>
-</file>
-
 <file path=customXml/itemProps3.xml><?xml version="1.0" encoding="utf-8"?>
 <ds:datastoreItem xmlns:ds="http://schemas.openxmlformats.org/officeDocument/2006/customXml" ds:itemID="{6075389F-D212-4F19-AFAD-C1BB4FFFE93B}">
   <ds:schemaRefs>

--- a/workshop/07_Performance_as_a_Self_Service/ACMWorkshop_Performance_as_a_Self_Service.pptx
+++ b/workshop/07_Performance_as_a_Self_Service/ACMWorkshop_Performance_as_a_Self_Service.pptx
@@ -8,43 +8,44 @@
     <p:sldMasterId id="2147483792" r:id="rId7"/>
   </p:sldMasterIdLst>
   <p:notesMasterIdLst>
-    <p:notesMasterId r:id="rId39"/>
+    <p:notesMasterId r:id="rId40"/>
   </p:notesMasterIdLst>
   <p:handoutMasterIdLst>
-    <p:handoutMasterId r:id="rId40"/>
+    <p:handoutMasterId r:id="rId41"/>
   </p:handoutMasterIdLst>
   <p:sldIdLst>
     <p:sldId id="256" r:id="rId8"/>
     <p:sldId id="400" r:id="rId9"/>
     <p:sldId id="262" r:id="rId10"/>
-    <p:sldId id="401" r:id="rId11"/>
-    <p:sldId id="410" r:id="rId12"/>
-    <p:sldId id="387" r:id="rId13"/>
-    <p:sldId id="395" r:id="rId14"/>
-    <p:sldId id="402" r:id="rId15"/>
-    <p:sldId id="403" r:id="rId16"/>
-    <p:sldId id="404" r:id="rId17"/>
-    <p:sldId id="405" r:id="rId18"/>
-    <p:sldId id="406" r:id="rId19"/>
-    <p:sldId id="409" r:id="rId20"/>
-    <p:sldId id="407" r:id="rId21"/>
-    <p:sldId id="388" r:id="rId22"/>
-    <p:sldId id="413" r:id="rId23"/>
-    <p:sldId id="414" r:id="rId24"/>
-    <p:sldId id="412" r:id="rId25"/>
-    <p:sldId id="415" r:id="rId26"/>
-    <p:sldId id="411" r:id="rId27"/>
-    <p:sldId id="408" r:id="rId28"/>
-    <p:sldId id="416" r:id="rId29"/>
-    <p:sldId id="419" r:id="rId30"/>
-    <p:sldId id="420" r:id="rId31"/>
-    <p:sldId id="417" r:id="rId32"/>
-    <p:sldId id="421" r:id="rId33"/>
-    <p:sldId id="422" r:id="rId34"/>
-    <p:sldId id="423" r:id="rId35"/>
-    <p:sldId id="424" r:id="rId36"/>
-    <p:sldId id="425" r:id="rId37"/>
-    <p:sldId id="418" r:id="rId38"/>
+    <p:sldId id="426" r:id="rId11"/>
+    <p:sldId id="401" r:id="rId12"/>
+    <p:sldId id="410" r:id="rId13"/>
+    <p:sldId id="387" r:id="rId14"/>
+    <p:sldId id="395" r:id="rId15"/>
+    <p:sldId id="402" r:id="rId16"/>
+    <p:sldId id="403" r:id="rId17"/>
+    <p:sldId id="404" r:id="rId18"/>
+    <p:sldId id="405" r:id="rId19"/>
+    <p:sldId id="406" r:id="rId20"/>
+    <p:sldId id="409" r:id="rId21"/>
+    <p:sldId id="407" r:id="rId22"/>
+    <p:sldId id="388" r:id="rId23"/>
+    <p:sldId id="413" r:id="rId24"/>
+    <p:sldId id="414" r:id="rId25"/>
+    <p:sldId id="412" r:id="rId26"/>
+    <p:sldId id="415" r:id="rId27"/>
+    <p:sldId id="411" r:id="rId28"/>
+    <p:sldId id="408" r:id="rId29"/>
+    <p:sldId id="416" r:id="rId30"/>
+    <p:sldId id="419" r:id="rId31"/>
+    <p:sldId id="420" r:id="rId32"/>
+    <p:sldId id="417" r:id="rId33"/>
+    <p:sldId id="421" r:id="rId34"/>
+    <p:sldId id="422" r:id="rId35"/>
+    <p:sldId id="423" r:id="rId36"/>
+    <p:sldId id="424" r:id="rId37"/>
+    <p:sldId id="425" r:id="rId38"/>
+    <p:sldId id="418" r:id="rId39"/>
   </p:sldIdLst>
   <p:sldSz cx="12192000" cy="6858000"/>
   <p:notesSz cx="6858000" cy="9144000"/>
@@ -155,6 +156,7 @@
           <p14:sldIdLst>
             <p14:sldId id="400"/>
             <p14:sldId id="262"/>
+            <p14:sldId id="426"/>
             <p14:sldId id="401"/>
             <p14:sldId id="410"/>
             <p14:sldId id="387"/>
@@ -318,7 +320,7 @@
           <a:p>
             <a:fld id="{92955B36-A5B0-104D-B8CD-F883848663BE}" type="datetimeFigureOut">
               <a:rPr lang="en-US" smtClean="0"/>
-              <a:t>11/2/2018</a:t>
+              <a:t>11/8/2018</a:t>
             </a:fld>
             <a:endParaRPr lang="en-US"/>
           </a:p>
@@ -495,7 +497,7 @@
           <a:p>
             <a:fld id="{17C5C96F-C94A-4B4F-99A7-E5756576ABC1}" type="datetimeFigureOut">
               <a:rPr lang="en-US" smtClean="0"/>
-              <a:t>11/2/2018</a:t>
+              <a:t>11/8/2018</a:t>
             </a:fld>
             <a:endParaRPr lang="en-US"/>
           </a:p>
@@ -19542,6 +19544,210 @@
           <a:p>
             <a:r>
               <a:rPr lang="en-US" dirty="0"/>
+              <a:t>Automate Analysis: Compare Builds</a:t>
+            </a:r>
+          </a:p>
+        </p:txBody>
+      </p:sp>
+      <p:pic>
+        <p:nvPicPr>
+          <p:cNvPr id="7" name="Picture 6">
+            <a:extLst>
+              <a:ext uri="{FF2B5EF4-FFF2-40B4-BE49-F238E27FC236}">
+                <a16:creationId xmlns:a16="http://schemas.microsoft.com/office/drawing/2014/main" id="{165C29D9-0D62-4B31-95FF-F9DD41393E91}"/>
+              </a:ext>
+            </a:extLst>
+          </p:cNvPr>
+          <p:cNvPicPr>
+            <a:picLocks noChangeAspect="1"/>
+          </p:cNvPicPr>
+          <p:nvPr/>
+        </p:nvPicPr>
+        <p:blipFill>
+          <a:blip r:embed="rId2"/>
+          <a:stretch>
+            <a:fillRect/>
+          </a:stretch>
+        </p:blipFill>
+        <p:spPr>
+          <a:xfrm>
+            <a:off x="2372280" y="1774863"/>
+            <a:ext cx="7447440" cy="4718011"/>
+          </a:xfrm>
+          <a:prstGeom prst="rect">
+            <a:avLst/>
+          </a:prstGeom>
+          <a:ln w="9525">
+            <a:solidFill>
+              <a:schemeClr val="accent1">
+                <a:lumMod val="75000"/>
+              </a:schemeClr>
+            </a:solidFill>
+          </a:ln>
+        </p:spPr>
+      </p:pic>
+      <p:sp>
+        <p:nvSpPr>
+          <p:cNvPr id="8" name="Rectangle 7">
+            <a:extLst>
+              <a:ext uri="{FF2B5EF4-FFF2-40B4-BE49-F238E27FC236}">
+                <a16:creationId xmlns:a16="http://schemas.microsoft.com/office/drawing/2014/main" id="{B3514EA7-735B-4519-B90D-F899A8C17048}"/>
+              </a:ext>
+            </a:extLst>
+          </p:cNvPr>
+          <p:cNvSpPr/>
+          <p:nvPr/>
+        </p:nvSpPr>
+        <p:spPr>
+          <a:xfrm>
+            <a:off x="3455159" y="1590197"/>
+            <a:ext cx="1623848" cy="338554"/>
+          </a:xfrm>
+          <a:prstGeom prst="rect">
+            <a:avLst/>
+          </a:prstGeom>
+          <a:solidFill>
+            <a:srgbClr val="FFFFFF"/>
+          </a:solidFill>
+          <a:ln w="38100">
+            <a:solidFill>
+              <a:schemeClr val="accent1">
+                <a:lumMod val="75000"/>
+              </a:schemeClr>
+            </a:solidFill>
+          </a:ln>
+        </p:spPr>
+        <p:txBody>
+          <a:bodyPr wrap="square">
+            <a:spAutoFit/>
+          </a:bodyPr>
+          <a:lstStyle/>
+          <a:p>
+            <a:pPr algn="ctr" defTabSz="685863"/>
+            <a:r>
+              <a:rPr lang="en-US" sz="1600" dirty="0">
+                <a:solidFill>
+                  <a:srgbClr val="0C9B2E"/>
+                </a:solidFill>
+                <a:latin typeface="Bernina Sans" pitchFamily="50" charset="0"/>
+                <a:cs typeface="Arial"/>
+              </a:rPr>
+              <a:t>Load Test #1</a:t>
+            </a:r>
+          </a:p>
+        </p:txBody>
+      </p:sp>
+      <p:sp>
+        <p:nvSpPr>
+          <p:cNvPr id="9" name="Rectangle 8">
+            <a:extLst>
+              <a:ext uri="{FF2B5EF4-FFF2-40B4-BE49-F238E27FC236}">
+                <a16:creationId xmlns:a16="http://schemas.microsoft.com/office/drawing/2014/main" id="{4165EE1E-529D-4797-B2B9-697E2C10D79C}"/>
+              </a:ext>
+            </a:extLst>
+          </p:cNvPr>
+          <p:cNvSpPr/>
+          <p:nvPr/>
+        </p:nvSpPr>
+        <p:spPr>
+          <a:xfrm>
+            <a:off x="7010547" y="1590197"/>
+            <a:ext cx="1623848" cy="338554"/>
+          </a:xfrm>
+          <a:prstGeom prst="rect">
+            <a:avLst/>
+          </a:prstGeom>
+          <a:solidFill>
+            <a:srgbClr val="FFFFFF"/>
+          </a:solidFill>
+          <a:ln w="38100">
+            <a:solidFill>
+              <a:schemeClr val="accent1">
+                <a:lumMod val="75000"/>
+              </a:schemeClr>
+            </a:solidFill>
+          </a:ln>
+        </p:spPr>
+        <p:txBody>
+          <a:bodyPr wrap="square">
+            <a:spAutoFit/>
+          </a:bodyPr>
+          <a:lstStyle/>
+          <a:p>
+            <a:pPr algn="ctr" defTabSz="685863"/>
+            <a:r>
+              <a:rPr lang="en-US" sz="1600" dirty="0">
+                <a:solidFill>
+                  <a:srgbClr val="C00000"/>
+                </a:solidFill>
+                <a:latin typeface="Bernina Sans" pitchFamily="50" charset="0"/>
+                <a:cs typeface="Arial"/>
+              </a:rPr>
+              <a:t>Load Test #2</a:t>
+            </a:r>
+          </a:p>
+        </p:txBody>
+      </p:sp>
+    </p:spTree>
+    <p:extLst>
+      <p:ext uri="{BB962C8B-B14F-4D97-AF65-F5344CB8AC3E}">
+        <p14:creationId xmlns:p14="http://schemas.microsoft.com/office/powerpoint/2010/main" val="429005049"/>
+      </p:ext>
+    </p:extLst>
+  </p:cSld>
+  <p:clrMapOvr>
+    <a:masterClrMapping/>
+  </p:clrMapOvr>
+</p:sld>
+</file>
+
+<file path=ppt/slides/slide11.xml><?xml version="1.0" encoding="utf-8"?>
+<p:sld xmlns:a="http://schemas.openxmlformats.org/drawingml/2006/main" xmlns:r="http://schemas.openxmlformats.org/officeDocument/2006/relationships" xmlns:p="http://schemas.openxmlformats.org/presentationml/2006/main">
+  <p:cSld>
+    <p:spTree>
+      <p:nvGrpSpPr>
+        <p:cNvPr id="1" name=""/>
+        <p:cNvGrpSpPr/>
+        <p:nvPr/>
+      </p:nvGrpSpPr>
+      <p:grpSpPr>
+        <a:xfrm>
+          <a:off x="0" y="0"/>
+          <a:ext cx="0" cy="0"/>
+          <a:chOff x="0" y="0"/>
+          <a:chExt cx="0" cy="0"/>
+        </a:xfrm>
+      </p:grpSpPr>
+      <p:sp>
+        <p:nvSpPr>
+          <p:cNvPr id="11" name="Title 10">
+            <a:extLst>
+              <a:ext uri="{FF2B5EF4-FFF2-40B4-BE49-F238E27FC236}">
+                <a16:creationId xmlns:a16="http://schemas.microsoft.com/office/drawing/2014/main" id="{0A7C911A-1DAD-E74D-8C63-964B200F480B}"/>
+              </a:ext>
+            </a:extLst>
+          </p:cNvPr>
+          <p:cNvSpPr>
+            <a:spLocks noGrp="1"/>
+          </p:cNvSpPr>
+          <p:nvPr>
+            <p:ph type="title"/>
+          </p:nvPr>
+        </p:nvSpPr>
+        <p:spPr>
+          <a:xfrm>
+            <a:off x="838199" y="365126"/>
+            <a:ext cx="9736657" cy="736844"/>
+          </a:xfrm>
+        </p:spPr>
+        <p:txBody>
+          <a:bodyPr>
+            <a:normAutofit/>
+          </a:bodyPr>
+          <a:lstStyle/>
+          <a:p>
+            <a:r>
+              <a:rPr lang="en-US" dirty="0"/>
               <a:t>Automate Analysis: Compare Hotspots</a:t>
             </a:r>
           </a:p>
@@ -19853,7 +20059,7 @@
 </p:sld>
 </file>
 
-<file path=ppt/slides/slide11.xml><?xml version="1.0" encoding="utf-8"?>
+<file path=ppt/slides/slide12.xml><?xml version="1.0" encoding="utf-8"?>
 <p:sld xmlns:a="http://schemas.openxmlformats.org/drawingml/2006/main" xmlns:r="http://schemas.openxmlformats.org/officeDocument/2006/relationships" xmlns:p="http://schemas.openxmlformats.org/presentationml/2006/main">
   <p:cSld>
     <p:spTree>
@@ -20018,7 +20224,7 @@
 </p:sld>
 </file>
 
-<file path=ppt/slides/slide12.xml><?xml version="1.0" encoding="utf-8"?>
+<file path=ppt/slides/slide13.xml><?xml version="1.0" encoding="utf-8"?>
 <p:sld xmlns:a="http://schemas.openxmlformats.org/drawingml/2006/main" xmlns:r="http://schemas.openxmlformats.org/officeDocument/2006/relationships" xmlns:p="http://schemas.openxmlformats.org/presentationml/2006/main">
   <p:cSld>
     <p:spTree>
@@ -20980,7 +21186,7 @@
 </p:sld>
 </file>
 
-<file path=ppt/slides/slide13.xml><?xml version="1.0" encoding="utf-8"?>
+<file path=ppt/slides/slide14.xml><?xml version="1.0" encoding="utf-8"?>
 <p:sld xmlns:a="http://schemas.openxmlformats.org/drawingml/2006/main" xmlns:r="http://schemas.openxmlformats.org/officeDocument/2006/relationships" xmlns:p="http://schemas.openxmlformats.org/presentationml/2006/main">
   <p:cSld>
     <p:spTree>
@@ -21418,7 +21624,7 @@
 </p:sld>
 </file>
 
-<file path=ppt/slides/slide14.xml><?xml version="1.0" encoding="utf-8"?>
+<file path=ppt/slides/slide15.xml><?xml version="1.0" encoding="utf-8"?>
 <p:sld xmlns:a="http://schemas.openxmlformats.org/drawingml/2006/main" xmlns:r="http://schemas.openxmlformats.org/officeDocument/2006/relationships" xmlns:p="http://schemas.openxmlformats.org/presentationml/2006/main">
   <p:cSld>
     <p:spTree>
@@ -21633,109 +21839,6 @@
     <p:extLst>
       <p:ext uri="{BB962C8B-B14F-4D97-AF65-F5344CB8AC3E}">
         <p14:creationId xmlns:p14="http://schemas.microsoft.com/office/powerpoint/2010/main" val="648406938"/>
-      </p:ext>
-    </p:extLst>
-  </p:cSld>
-  <p:clrMapOvr>
-    <a:masterClrMapping/>
-  </p:clrMapOvr>
-</p:sld>
-</file>
-
-<file path=ppt/slides/slide15.xml><?xml version="1.0" encoding="utf-8"?>
-<p:sld xmlns:a="http://schemas.openxmlformats.org/drawingml/2006/main" xmlns:r="http://schemas.openxmlformats.org/officeDocument/2006/relationships" xmlns:p="http://schemas.openxmlformats.org/presentationml/2006/main">
-  <p:cSld>
-    <p:spTree>
-      <p:nvGrpSpPr>
-        <p:cNvPr id="1" name=""/>
-        <p:cNvGrpSpPr/>
-        <p:nvPr/>
-      </p:nvGrpSpPr>
-      <p:grpSpPr>
-        <a:xfrm>
-          <a:off x="0" y="0"/>
-          <a:ext cx="0" cy="0"/>
-          <a:chOff x="0" y="0"/>
-          <a:chExt cx="0" cy="0"/>
-        </a:xfrm>
-      </p:grpSpPr>
-      <p:sp>
-        <p:nvSpPr>
-          <p:cNvPr id="2" name="Title 1">
-            <a:extLst>
-              <a:ext uri="{FF2B5EF4-FFF2-40B4-BE49-F238E27FC236}">
-                <a16:creationId xmlns:a16="http://schemas.microsoft.com/office/drawing/2014/main" id="{FEB7B8B5-9CB9-2744-9900-F49931A59476}"/>
-              </a:ext>
-            </a:extLst>
-          </p:cNvPr>
-          <p:cNvSpPr>
-            <a:spLocks noGrp="1"/>
-          </p:cNvSpPr>
-          <p:nvPr>
-            <p:ph type="title"/>
-          </p:nvPr>
-        </p:nvSpPr>
-        <p:spPr/>
-        <p:txBody>
-          <a:bodyPr>
-            <a:normAutofit/>
-          </a:bodyPr>
-          <a:lstStyle/>
-          <a:p>
-            <a:r>
-              <a:rPr lang="en-US" dirty="0"/>
-              <a:t>Lab: Write Load Test Script</a:t>
-            </a:r>
-          </a:p>
-        </p:txBody>
-      </p:sp>
-      <p:sp>
-        <p:nvSpPr>
-          <p:cNvPr id="3" name="Text Placeholder 2">
-            <a:extLst>
-              <a:ext uri="{FF2B5EF4-FFF2-40B4-BE49-F238E27FC236}">
-                <a16:creationId xmlns:a16="http://schemas.microsoft.com/office/drawing/2014/main" id="{426A670B-7389-8141-A935-E83B90EC8127}"/>
-              </a:ext>
-            </a:extLst>
-          </p:cNvPr>
-          <p:cNvSpPr>
-            <a:spLocks noGrp="1"/>
-          </p:cNvSpPr>
-          <p:nvPr>
-            <p:ph type="body" sz="quarter" idx="10"/>
-          </p:nvPr>
-        </p:nvSpPr>
-        <p:spPr/>
-        <p:txBody>
-          <a:bodyPr/>
-          <a:lstStyle/>
-          <a:p>
-            <a:pPr algn="l"/>
-            <a:r>
-              <a:rPr lang="en-US" dirty="0"/>
-              <a:t>07_Performance_as_a_Self_Service</a:t>
-            </a:r>
-          </a:p>
-          <a:p>
-            <a:pPr marL="342900" indent="-342900" algn="l">
-              <a:buFontTx/>
-              <a:buChar char="-"/>
-            </a:pPr>
-            <a:r>
-              <a:rPr lang="en-US" dirty="0"/>
-              <a:t>01_Write_Load_Test_Script</a:t>
-            </a:r>
-          </a:p>
-          <a:p>
-            <a:pPr algn="l"/>
-            <a:endParaRPr lang="en-US" dirty="0"/>
-          </a:p>
-        </p:txBody>
-      </p:sp>
-    </p:spTree>
-    <p:extLst>
-      <p:ext uri="{BB962C8B-B14F-4D97-AF65-F5344CB8AC3E}">
-        <p14:creationId xmlns:p14="http://schemas.microsoft.com/office/powerpoint/2010/main" val="168755537"/>
       </p:ext>
     </p:extLst>
   </p:cSld>
@@ -21787,7 +21890,7 @@
           <a:p>
             <a:r>
               <a:rPr lang="en-US" dirty="0"/>
-              <a:t>Lab: Define Request Attributes in Dynatrace</a:t>
+              <a:t>Lab: Write Load Test Script</a:t>
             </a:r>
           </a:p>
         </p:txBody>
@@ -21826,15 +21929,19 @@
             </a:pPr>
             <a:r>
               <a:rPr lang="en-US" dirty="0"/>
-              <a:t>02_Define_Request_Attributes</a:t>
-            </a:r>
+              <a:t>01_Write_Load_Test_Script</a:t>
+            </a:r>
+          </a:p>
+          <a:p>
+            <a:pPr algn="l"/>
+            <a:endParaRPr lang="en-US" dirty="0"/>
           </a:p>
         </p:txBody>
       </p:sp>
     </p:spTree>
     <p:extLst>
       <p:ext uri="{BB962C8B-B14F-4D97-AF65-F5344CB8AC3E}">
-        <p14:creationId xmlns:p14="http://schemas.microsoft.com/office/powerpoint/2010/main" val="3164885296"/>
+        <p14:creationId xmlns:p14="http://schemas.microsoft.com/office/powerpoint/2010/main" val="168755537"/>
       </p:ext>
     </p:extLst>
   </p:cSld>
@@ -21886,7 +21993,7 @@
           <a:p>
             <a:r>
               <a:rPr lang="en-US" dirty="0"/>
-              <a:t>Lab: Define Performance Signature</a:t>
+              <a:t>Lab: Define Request Attributes in Dynatrace</a:t>
             </a:r>
           </a:p>
         </p:txBody>
@@ -21925,7 +22032,7 @@
             </a:pPr>
             <a:r>
               <a:rPr lang="en-US" dirty="0"/>
-              <a:t>03_Define_Performance_Signature</a:t>
+              <a:t>02_Define_Request_Attributes</a:t>
             </a:r>
           </a:p>
         </p:txBody>
@@ -21933,7 +22040,7 @@
     </p:spTree>
     <p:extLst>
       <p:ext uri="{BB962C8B-B14F-4D97-AF65-F5344CB8AC3E}">
-        <p14:creationId xmlns:p14="http://schemas.microsoft.com/office/powerpoint/2010/main" val="2767395685"/>
+        <p14:creationId xmlns:p14="http://schemas.microsoft.com/office/powerpoint/2010/main" val="3164885296"/>
       </p:ext>
     </p:extLst>
   </p:cSld>
@@ -21962,10 +22069,10 @@
       </p:grpSpPr>
       <p:sp>
         <p:nvSpPr>
-          <p:cNvPr id="11" name="Title 10">
-            <a:extLst>
-              <a:ext uri="{FF2B5EF4-FFF2-40B4-BE49-F238E27FC236}">
-                <a16:creationId xmlns:a16="http://schemas.microsoft.com/office/drawing/2014/main" id="{0A7C911A-1DAD-E74D-8C63-964B200F480B}"/>
+          <p:cNvPr id="2" name="Title 1">
+            <a:extLst>
+              <a:ext uri="{FF2B5EF4-FFF2-40B4-BE49-F238E27FC236}">
+                <a16:creationId xmlns:a16="http://schemas.microsoft.com/office/drawing/2014/main" id="{FEB7B8B5-9CB9-2744-9900-F49931A59476}"/>
               </a:ext>
             </a:extLst>
           </p:cNvPr>
@@ -21976,12 +22083,7 @@
             <p:ph type="title"/>
           </p:nvPr>
         </p:nvSpPr>
-        <p:spPr>
-          <a:xfrm>
-            <a:off x="838199" y="365126"/>
-            <a:ext cx="9736657" cy="736844"/>
-          </a:xfrm>
-        </p:spPr>
+        <p:spPr/>
         <p:txBody>
           <a:bodyPr>
             <a:normAutofit/>
@@ -21990,246 +22092,54 @@
           <a:p>
             <a:r>
               <a:rPr lang="en-US" dirty="0"/>
-              <a:t>Performance Signature Definition</a:t>
-            </a:r>
-          </a:p>
-        </p:txBody>
-      </p:sp>
-      <p:pic>
-        <p:nvPicPr>
-          <p:cNvPr id="3" name="Picture 2">
-            <a:extLst>
-              <a:ext uri="{FF2B5EF4-FFF2-40B4-BE49-F238E27FC236}">
-                <a16:creationId xmlns:a16="http://schemas.microsoft.com/office/drawing/2014/main" id="{44C71609-68C4-4F1B-B4F8-E1185EB91FB4}"/>
-              </a:ext>
-            </a:extLst>
-          </p:cNvPr>
-          <p:cNvPicPr>
-            <a:picLocks noChangeAspect="1"/>
-          </p:cNvPicPr>
-          <p:nvPr/>
-        </p:nvPicPr>
-        <p:blipFill>
-          <a:blip r:embed="rId2"/>
-          <a:stretch>
-            <a:fillRect/>
-          </a:stretch>
-        </p:blipFill>
-        <p:spPr>
-          <a:xfrm>
-            <a:off x="838199" y="1284267"/>
-            <a:ext cx="5449711" cy="5573733"/>
-          </a:xfrm>
-          <a:prstGeom prst="rect">
-            <a:avLst/>
-          </a:prstGeom>
-        </p:spPr>
-      </p:pic>
-      <p:sp>
-        <p:nvSpPr>
-          <p:cNvPr id="4" name="Arrow: Right 3">
-            <a:extLst>
-              <a:ext uri="{FF2B5EF4-FFF2-40B4-BE49-F238E27FC236}">
-                <a16:creationId xmlns:a16="http://schemas.microsoft.com/office/drawing/2014/main" id="{6FAA7BE4-9B57-4EAC-BD62-F74F93F84CDD}"/>
-              </a:ext>
-            </a:extLst>
-          </p:cNvPr>
-          <p:cNvSpPr/>
-          <p:nvPr/>
-        </p:nvSpPr>
-        <p:spPr>
-          <a:xfrm flipH="1">
-            <a:off x="6095999" y="1670982"/>
-            <a:ext cx="3995253" cy="564160"/>
-          </a:xfrm>
-          <a:prstGeom prst="rightArrow">
-            <a:avLst/>
-          </a:prstGeom>
-        </p:spPr>
-        <p:style>
-          <a:lnRef idx="2">
-            <a:schemeClr val="accent6">
-              <a:shade val="50000"/>
-            </a:schemeClr>
-          </a:lnRef>
-          <a:fillRef idx="1">
-            <a:schemeClr val="accent6"/>
-          </a:fillRef>
-          <a:effectRef idx="0">
-            <a:schemeClr val="accent6"/>
-          </a:effectRef>
-          <a:fontRef idx="minor">
-            <a:schemeClr val="lt1"/>
-          </a:fontRef>
-        </p:style>
-        <p:txBody>
-          <a:bodyPr rtlCol="0" anchor="ctr"/>
-          <a:lstStyle/>
-          <a:p>
-            <a:pPr algn="ctr"/>
-            <a:r>
-              <a:rPr lang="en-US" dirty="0"/>
-              <a:t>#1 (optional) global default limits</a:t>
+              <a:t>Lab: Define Performance Signature</a:t>
             </a:r>
           </a:p>
         </p:txBody>
       </p:sp>
       <p:sp>
         <p:nvSpPr>
-          <p:cNvPr id="5" name="Arrow: Right 4">
-            <a:extLst>
-              <a:ext uri="{FF2B5EF4-FFF2-40B4-BE49-F238E27FC236}">
-                <a16:creationId xmlns:a16="http://schemas.microsoft.com/office/drawing/2014/main" id="{890766E8-64AF-4AF0-B21D-2FFD93CDD5D3}"/>
-              </a:ext>
-            </a:extLst>
-          </p:cNvPr>
-          <p:cNvSpPr/>
-          <p:nvPr/>
+          <p:cNvPr id="3" name="Text Placeholder 2">
+            <a:extLst>
+              <a:ext uri="{FF2B5EF4-FFF2-40B4-BE49-F238E27FC236}">
+                <a16:creationId xmlns:a16="http://schemas.microsoft.com/office/drawing/2014/main" id="{426A670B-7389-8141-A935-E83B90EC8127}"/>
+              </a:ext>
+            </a:extLst>
+          </p:cNvPr>
+          <p:cNvSpPr>
+            <a:spLocks noGrp="1"/>
+          </p:cNvSpPr>
+          <p:nvPr>
+            <p:ph type="body" sz="quarter" idx="10"/>
+          </p:nvPr>
         </p:nvSpPr>
-        <p:spPr>
-          <a:xfrm flipH="1">
-            <a:off x="6082058" y="2276684"/>
-            <a:ext cx="4009195" cy="564160"/>
-          </a:xfrm>
-          <a:prstGeom prst="rightArrow">
-            <a:avLst/>
-          </a:prstGeom>
-        </p:spPr>
-        <p:style>
-          <a:lnRef idx="2">
-            <a:schemeClr val="accent6">
-              <a:shade val="50000"/>
-            </a:schemeClr>
-          </a:lnRef>
-          <a:fillRef idx="1">
-            <a:schemeClr val="accent6"/>
-          </a:fillRef>
-          <a:effectRef idx="0">
-            <a:schemeClr val="accent6"/>
-          </a:effectRef>
-          <a:fontRef idx="minor">
-            <a:schemeClr val="lt1"/>
-          </a:fontRef>
-        </p:style>
+        <p:spPr/>
         <p:txBody>
-          <a:bodyPr rtlCol="0" anchor="ctr"/>
+          <a:bodyPr/>
           <a:lstStyle/>
           <a:p>
-            <a:pPr algn="ctr"/>
+            <a:pPr algn="l"/>
             <a:r>
               <a:rPr lang="en-US" dirty="0"/>
-              <a:t>#2 A list of timeseries to query</a:t>
-            </a:r>
-          </a:p>
-        </p:txBody>
-      </p:sp>
-      <p:sp>
-        <p:nvSpPr>
-          <p:cNvPr id="6" name="Arrow: Right 5">
-            <a:extLst>
-              <a:ext uri="{FF2B5EF4-FFF2-40B4-BE49-F238E27FC236}">
-                <a16:creationId xmlns:a16="http://schemas.microsoft.com/office/drawing/2014/main" id="{88D78E2F-6359-44DF-8466-9322BF0D1F11}"/>
-              </a:ext>
-            </a:extLst>
-          </p:cNvPr>
-          <p:cNvSpPr/>
-          <p:nvPr/>
-        </p:nvSpPr>
-        <p:spPr>
-          <a:xfrm flipH="1">
-            <a:off x="6096000" y="4499295"/>
-            <a:ext cx="3995252" cy="564160"/>
-          </a:xfrm>
-          <a:prstGeom prst="rightArrow">
-            <a:avLst/>
-          </a:prstGeom>
-        </p:spPr>
-        <p:style>
-          <a:lnRef idx="2">
-            <a:schemeClr val="accent6">
-              <a:shade val="50000"/>
-            </a:schemeClr>
-          </a:lnRef>
-          <a:fillRef idx="1">
-            <a:schemeClr val="accent6"/>
-          </a:fillRef>
-          <a:effectRef idx="0">
-            <a:schemeClr val="accent6"/>
-          </a:effectRef>
-          <a:fontRef idx="minor">
-            <a:schemeClr val="lt1"/>
-          </a:fontRef>
-        </p:style>
-        <p:txBody>
-          <a:bodyPr rtlCol="0" anchor="ctr"/>
-          <a:lstStyle/>
-          <a:p>
-            <a:pPr algn="ctr"/>
+              <a:t>07_Performance_as_a_Self_Service</a:t>
+            </a:r>
+          </a:p>
+          <a:p>
+            <a:pPr marL="342900" indent="-342900" algn="l">
+              <a:buFontTx/>
+              <a:buChar char="-"/>
+            </a:pPr>
             <a:r>
               <a:rPr lang="en-US" dirty="0"/>
-              <a:t>#4 Fails the build if limits are exceeded</a:t>
-            </a:r>
-          </a:p>
-        </p:txBody>
-      </p:sp>
-      <p:sp>
-        <p:nvSpPr>
-          <p:cNvPr id="7" name="Arrow: Right 6">
-            <a:extLst>
-              <a:ext uri="{FF2B5EF4-FFF2-40B4-BE49-F238E27FC236}">
-                <a16:creationId xmlns:a16="http://schemas.microsoft.com/office/drawing/2014/main" id="{8D6E87E3-7D49-48AA-AF82-91B97F3E456C}"/>
-              </a:ext>
-            </a:extLst>
-          </p:cNvPr>
-          <p:cNvSpPr/>
-          <p:nvPr/>
-        </p:nvSpPr>
-        <p:spPr>
-          <a:xfrm flipH="1">
-            <a:off x="6082059" y="2932519"/>
-            <a:ext cx="4009195" cy="564160"/>
-          </a:xfrm>
-          <a:prstGeom prst="rightArrow">
-            <a:avLst/>
-          </a:prstGeom>
-        </p:spPr>
-        <p:style>
-          <a:lnRef idx="2">
-            <a:schemeClr val="accent6">
-              <a:shade val="50000"/>
-            </a:schemeClr>
-          </a:lnRef>
-          <a:fillRef idx="1">
-            <a:schemeClr val="accent6"/>
-          </a:fillRef>
-          <a:effectRef idx="0">
-            <a:schemeClr val="accent6"/>
-          </a:effectRef>
-          <a:fontRef idx="minor">
-            <a:schemeClr val="lt1"/>
-          </a:fontRef>
-        </p:style>
-        <p:txBody>
-          <a:bodyPr rtlCol="0" anchor="ctr"/>
-          <a:lstStyle/>
-          <a:p>
-            <a:pPr algn="ctr"/>
-            <a:r>
-              <a:rPr lang="en-US" dirty="0"/>
-              <a:t>#3 specify entities by tags or </a:t>
-            </a:r>
-            <a:r>
-              <a:rPr lang="en-US" dirty="0" err="1"/>
-              <a:t>entityIds</a:t>
-            </a:r>
-            <a:endParaRPr lang="en-US" dirty="0"/>
+              <a:t>03_Define_Performance_Signature</a:t>
+            </a:r>
           </a:p>
         </p:txBody>
       </p:sp>
     </p:spTree>
     <p:extLst>
       <p:ext uri="{BB962C8B-B14F-4D97-AF65-F5344CB8AC3E}">
-        <p14:creationId xmlns:p14="http://schemas.microsoft.com/office/powerpoint/2010/main" val="970026191"/>
+        <p14:creationId xmlns:p14="http://schemas.microsoft.com/office/powerpoint/2010/main" val="2767395685"/>
       </p:ext>
     </p:extLst>
   </p:cSld>
@@ -22258,10 +22168,10 @@
       </p:grpSpPr>
       <p:sp>
         <p:nvSpPr>
-          <p:cNvPr id="2" name="Title 1">
-            <a:extLst>
-              <a:ext uri="{FF2B5EF4-FFF2-40B4-BE49-F238E27FC236}">
-                <a16:creationId xmlns:a16="http://schemas.microsoft.com/office/drawing/2014/main" id="{FEB7B8B5-9CB9-2744-9900-F49931A59476}"/>
+          <p:cNvPr id="11" name="Title 10">
+            <a:extLst>
+              <a:ext uri="{FF2B5EF4-FFF2-40B4-BE49-F238E27FC236}">
+                <a16:creationId xmlns:a16="http://schemas.microsoft.com/office/drawing/2014/main" id="{0A7C911A-1DAD-E74D-8C63-964B200F480B}"/>
               </a:ext>
             </a:extLst>
           </p:cNvPr>
@@ -22272,7 +22182,12 @@
             <p:ph type="title"/>
           </p:nvPr>
         </p:nvSpPr>
-        <p:spPr/>
+        <p:spPr>
+          <a:xfrm>
+            <a:off x="838199" y="365126"/>
+            <a:ext cx="9736657" cy="736844"/>
+          </a:xfrm>
+        </p:spPr>
         <p:txBody>
           <a:bodyPr>
             <a:normAutofit/>
@@ -22281,54 +22196,246 @@
           <a:p>
             <a:r>
               <a:rPr lang="en-US" dirty="0"/>
-              <a:t>Lab: Define Performance Pipeline</a:t>
+              <a:t>Performance Signature Definition</a:t>
+            </a:r>
+          </a:p>
+        </p:txBody>
+      </p:sp>
+      <p:pic>
+        <p:nvPicPr>
+          <p:cNvPr id="3" name="Picture 2">
+            <a:extLst>
+              <a:ext uri="{FF2B5EF4-FFF2-40B4-BE49-F238E27FC236}">
+                <a16:creationId xmlns:a16="http://schemas.microsoft.com/office/drawing/2014/main" id="{44C71609-68C4-4F1B-B4F8-E1185EB91FB4}"/>
+              </a:ext>
+            </a:extLst>
+          </p:cNvPr>
+          <p:cNvPicPr>
+            <a:picLocks noChangeAspect="1"/>
+          </p:cNvPicPr>
+          <p:nvPr/>
+        </p:nvPicPr>
+        <p:blipFill>
+          <a:blip r:embed="rId2"/>
+          <a:stretch>
+            <a:fillRect/>
+          </a:stretch>
+        </p:blipFill>
+        <p:spPr>
+          <a:xfrm>
+            <a:off x="838199" y="1284267"/>
+            <a:ext cx="5449711" cy="5573733"/>
+          </a:xfrm>
+          <a:prstGeom prst="rect">
+            <a:avLst/>
+          </a:prstGeom>
+        </p:spPr>
+      </p:pic>
+      <p:sp>
+        <p:nvSpPr>
+          <p:cNvPr id="4" name="Arrow: Right 3">
+            <a:extLst>
+              <a:ext uri="{FF2B5EF4-FFF2-40B4-BE49-F238E27FC236}">
+                <a16:creationId xmlns:a16="http://schemas.microsoft.com/office/drawing/2014/main" id="{6FAA7BE4-9B57-4EAC-BD62-F74F93F84CDD}"/>
+              </a:ext>
+            </a:extLst>
+          </p:cNvPr>
+          <p:cNvSpPr/>
+          <p:nvPr/>
+        </p:nvSpPr>
+        <p:spPr>
+          <a:xfrm flipH="1">
+            <a:off x="6095999" y="1670982"/>
+            <a:ext cx="3995253" cy="564160"/>
+          </a:xfrm>
+          <a:prstGeom prst="rightArrow">
+            <a:avLst/>
+          </a:prstGeom>
+        </p:spPr>
+        <p:style>
+          <a:lnRef idx="2">
+            <a:schemeClr val="accent6">
+              <a:shade val="50000"/>
+            </a:schemeClr>
+          </a:lnRef>
+          <a:fillRef idx="1">
+            <a:schemeClr val="accent6"/>
+          </a:fillRef>
+          <a:effectRef idx="0">
+            <a:schemeClr val="accent6"/>
+          </a:effectRef>
+          <a:fontRef idx="minor">
+            <a:schemeClr val="lt1"/>
+          </a:fontRef>
+        </p:style>
+        <p:txBody>
+          <a:bodyPr rtlCol="0" anchor="ctr"/>
+          <a:lstStyle/>
+          <a:p>
+            <a:pPr algn="ctr"/>
+            <a:r>
+              <a:rPr lang="en-US" dirty="0"/>
+              <a:t>#1 (optional) global default limits</a:t>
             </a:r>
           </a:p>
         </p:txBody>
       </p:sp>
       <p:sp>
         <p:nvSpPr>
-          <p:cNvPr id="3" name="Text Placeholder 2">
-            <a:extLst>
-              <a:ext uri="{FF2B5EF4-FFF2-40B4-BE49-F238E27FC236}">
-                <a16:creationId xmlns:a16="http://schemas.microsoft.com/office/drawing/2014/main" id="{426A670B-7389-8141-A935-E83B90EC8127}"/>
-              </a:ext>
-            </a:extLst>
-          </p:cNvPr>
-          <p:cNvSpPr>
-            <a:spLocks noGrp="1"/>
-          </p:cNvSpPr>
-          <p:nvPr>
-            <p:ph type="body" sz="quarter" idx="10"/>
-          </p:nvPr>
+          <p:cNvPr id="5" name="Arrow: Right 4">
+            <a:extLst>
+              <a:ext uri="{FF2B5EF4-FFF2-40B4-BE49-F238E27FC236}">
+                <a16:creationId xmlns:a16="http://schemas.microsoft.com/office/drawing/2014/main" id="{890766E8-64AF-4AF0-B21D-2FFD93CDD5D3}"/>
+              </a:ext>
+            </a:extLst>
+          </p:cNvPr>
+          <p:cNvSpPr/>
+          <p:nvPr/>
         </p:nvSpPr>
-        <p:spPr/>
+        <p:spPr>
+          <a:xfrm flipH="1">
+            <a:off x="6082058" y="2276684"/>
+            <a:ext cx="4009195" cy="564160"/>
+          </a:xfrm>
+          <a:prstGeom prst="rightArrow">
+            <a:avLst/>
+          </a:prstGeom>
+        </p:spPr>
+        <p:style>
+          <a:lnRef idx="2">
+            <a:schemeClr val="accent6">
+              <a:shade val="50000"/>
+            </a:schemeClr>
+          </a:lnRef>
+          <a:fillRef idx="1">
+            <a:schemeClr val="accent6"/>
+          </a:fillRef>
+          <a:effectRef idx="0">
+            <a:schemeClr val="accent6"/>
+          </a:effectRef>
+          <a:fontRef idx="minor">
+            <a:schemeClr val="lt1"/>
+          </a:fontRef>
+        </p:style>
         <p:txBody>
-          <a:bodyPr/>
+          <a:bodyPr rtlCol="0" anchor="ctr"/>
           <a:lstStyle/>
           <a:p>
-            <a:pPr algn="l"/>
+            <a:pPr algn="ctr"/>
             <a:r>
               <a:rPr lang="en-US" dirty="0"/>
-              <a:t>07_Performance_as_a_Self_Service</a:t>
-            </a:r>
-          </a:p>
-          <a:p>
-            <a:pPr marL="342900" indent="-342900" algn="l">
-              <a:buFontTx/>
-              <a:buChar char="-"/>
-            </a:pPr>
+              <a:t>#2 A list of timeseries to query</a:t>
+            </a:r>
+          </a:p>
+        </p:txBody>
+      </p:sp>
+      <p:sp>
+        <p:nvSpPr>
+          <p:cNvPr id="6" name="Arrow: Right 5">
+            <a:extLst>
+              <a:ext uri="{FF2B5EF4-FFF2-40B4-BE49-F238E27FC236}">
+                <a16:creationId xmlns:a16="http://schemas.microsoft.com/office/drawing/2014/main" id="{88D78E2F-6359-44DF-8466-9322BF0D1F11}"/>
+              </a:ext>
+            </a:extLst>
+          </p:cNvPr>
+          <p:cNvSpPr/>
+          <p:nvPr/>
+        </p:nvSpPr>
+        <p:spPr>
+          <a:xfrm flipH="1">
+            <a:off x="6096000" y="4499295"/>
+            <a:ext cx="3995252" cy="564160"/>
+          </a:xfrm>
+          <a:prstGeom prst="rightArrow">
+            <a:avLst/>
+          </a:prstGeom>
+        </p:spPr>
+        <p:style>
+          <a:lnRef idx="2">
+            <a:schemeClr val="accent6">
+              <a:shade val="50000"/>
+            </a:schemeClr>
+          </a:lnRef>
+          <a:fillRef idx="1">
+            <a:schemeClr val="accent6"/>
+          </a:fillRef>
+          <a:effectRef idx="0">
+            <a:schemeClr val="accent6"/>
+          </a:effectRef>
+          <a:fontRef idx="minor">
+            <a:schemeClr val="lt1"/>
+          </a:fontRef>
+        </p:style>
+        <p:txBody>
+          <a:bodyPr rtlCol="0" anchor="ctr"/>
+          <a:lstStyle/>
+          <a:p>
+            <a:pPr algn="ctr"/>
             <a:r>
               <a:rPr lang="en-US" dirty="0"/>
-              <a:t>04_Define_Performance_Pipeline</a:t>
-            </a:r>
+              <a:t>#4 Fails the build if limits are exceeded</a:t>
+            </a:r>
+          </a:p>
+        </p:txBody>
+      </p:sp>
+      <p:sp>
+        <p:nvSpPr>
+          <p:cNvPr id="7" name="Arrow: Right 6">
+            <a:extLst>
+              <a:ext uri="{FF2B5EF4-FFF2-40B4-BE49-F238E27FC236}">
+                <a16:creationId xmlns:a16="http://schemas.microsoft.com/office/drawing/2014/main" id="{8D6E87E3-7D49-48AA-AF82-91B97F3E456C}"/>
+              </a:ext>
+            </a:extLst>
+          </p:cNvPr>
+          <p:cNvSpPr/>
+          <p:nvPr/>
+        </p:nvSpPr>
+        <p:spPr>
+          <a:xfrm flipH="1">
+            <a:off x="6082059" y="2932519"/>
+            <a:ext cx="4009195" cy="564160"/>
+          </a:xfrm>
+          <a:prstGeom prst="rightArrow">
+            <a:avLst/>
+          </a:prstGeom>
+        </p:spPr>
+        <p:style>
+          <a:lnRef idx="2">
+            <a:schemeClr val="accent6">
+              <a:shade val="50000"/>
+            </a:schemeClr>
+          </a:lnRef>
+          <a:fillRef idx="1">
+            <a:schemeClr val="accent6"/>
+          </a:fillRef>
+          <a:effectRef idx="0">
+            <a:schemeClr val="accent6"/>
+          </a:effectRef>
+          <a:fontRef idx="minor">
+            <a:schemeClr val="lt1"/>
+          </a:fontRef>
+        </p:style>
+        <p:txBody>
+          <a:bodyPr rtlCol="0" anchor="ctr"/>
+          <a:lstStyle/>
+          <a:p>
+            <a:pPr algn="ctr"/>
+            <a:r>
+              <a:rPr lang="en-US" dirty="0"/>
+              <a:t>#3 specify entities by tags or </a:t>
+            </a:r>
+            <a:r>
+              <a:rPr lang="en-US" dirty="0" err="1"/>
+              <a:t>entityIds</a:t>
+            </a:r>
+            <a:endParaRPr lang="en-US" dirty="0"/>
           </a:p>
         </p:txBody>
       </p:sp>
     </p:spTree>
     <p:extLst>
       <p:ext uri="{BB962C8B-B14F-4D97-AF65-F5344CB8AC3E}">
-        <p14:creationId xmlns:p14="http://schemas.microsoft.com/office/powerpoint/2010/main" val="2150315511"/>
+        <p14:creationId xmlns:p14="http://schemas.microsoft.com/office/powerpoint/2010/main" val="970026191"/>
       </p:ext>
     </p:extLst>
   </p:cSld>
@@ -22653,42 +22760,12 @@
           <a:chExt cx="0" cy="0"/>
         </a:xfrm>
       </p:grpSpPr>
-      <p:pic>
-        <p:nvPicPr>
-          <p:cNvPr id="2" name="Picture 1">
-            <a:extLst>
-              <a:ext uri="{FF2B5EF4-FFF2-40B4-BE49-F238E27FC236}">
-                <a16:creationId xmlns:a16="http://schemas.microsoft.com/office/drawing/2014/main" id="{DA1E959E-CFB6-4301-9536-4E8D684ACE16}"/>
-              </a:ext>
-            </a:extLst>
-          </p:cNvPr>
-          <p:cNvPicPr>
-            <a:picLocks noChangeAspect="1"/>
-          </p:cNvPicPr>
-          <p:nvPr/>
-        </p:nvPicPr>
-        <p:blipFill>
-          <a:blip r:embed="rId2"/>
-          <a:stretch>
-            <a:fillRect/>
-          </a:stretch>
-        </p:blipFill>
-        <p:spPr>
-          <a:xfrm>
-            <a:off x="883178" y="1473259"/>
-            <a:ext cx="6035040" cy="5384741"/>
-          </a:xfrm>
-          <a:prstGeom prst="rect">
-            <a:avLst/>
-          </a:prstGeom>
-        </p:spPr>
-      </p:pic>
       <p:sp>
         <p:nvSpPr>
-          <p:cNvPr id="11" name="Title 10">
-            <a:extLst>
-              <a:ext uri="{FF2B5EF4-FFF2-40B4-BE49-F238E27FC236}">
-                <a16:creationId xmlns:a16="http://schemas.microsoft.com/office/drawing/2014/main" id="{0A7C911A-1DAD-E74D-8C63-964B200F480B}"/>
+          <p:cNvPr id="2" name="Title 1">
+            <a:extLst>
+              <a:ext uri="{FF2B5EF4-FFF2-40B4-BE49-F238E27FC236}">
+                <a16:creationId xmlns:a16="http://schemas.microsoft.com/office/drawing/2014/main" id="{FEB7B8B5-9CB9-2744-9900-F49931A59476}"/>
               </a:ext>
             </a:extLst>
           </p:cNvPr>
@@ -22699,12 +22776,7 @@
             <p:ph type="title"/>
           </p:nvPr>
         </p:nvSpPr>
-        <p:spPr>
-          <a:xfrm>
-            <a:off x="838199" y="365126"/>
-            <a:ext cx="9736657" cy="736844"/>
-          </a:xfrm>
-        </p:spPr>
+        <p:spPr/>
         <p:txBody>
           <a:bodyPr>
             <a:normAutofit/>
@@ -22713,211 +22785,46 @@
           <a:p>
             <a:r>
               <a:rPr lang="en-US" dirty="0"/>
-              <a:t>Wrap your Load Tests within a Performance Signature Validation</a:t>
+              <a:t>Lab: Define Performance Pipeline</a:t>
             </a:r>
           </a:p>
         </p:txBody>
       </p:sp>
       <p:sp>
         <p:nvSpPr>
-          <p:cNvPr id="4" name="Arrow: Right 3">
-            <a:extLst>
-              <a:ext uri="{FF2B5EF4-FFF2-40B4-BE49-F238E27FC236}">
-                <a16:creationId xmlns:a16="http://schemas.microsoft.com/office/drawing/2014/main" id="{9090A975-1673-4A59-A4B1-A843D7D5DB7E}"/>
-              </a:ext>
-            </a:extLst>
-          </p:cNvPr>
-          <p:cNvSpPr/>
-          <p:nvPr/>
+          <p:cNvPr id="3" name="Text Placeholder 2">
+            <a:extLst>
+              <a:ext uri="{FF2B5EF4-FFF2-40B4-BE49-F238E27FC236}">
+                <a16:creationId xmlns:a16="http://schemas.microsoft.com/office/drawing/2014/main" id="{426A670B-7389-8141-A935-E83B90EC8127}"/>
+              </a:ext>
+            </a:extLst>
+          </p:cNvPr>
+          <p:cNvSpPr>
+            <a:spLocks noGrp="1"/>
+          </p:cNvSpPr>
+          <p:nvPr>
+            <p:ph type="body" sz="quarter" idx="10"/>
+          </p:nvPr>
         </p:nvSpPr>
-        <p:spPr>
-          <a:xfrm flipH="1">
-            <a:off x="4890366" y="2143797"/>
-            <a:ext cx="6602792" cy="564160"/>
-          </a:xfrm>
-          <a:prstGeom prst="rightArrow">
-            <a:avLst/>
-          </a:prstGeom>
-        </p:spPr>
-        <p:style>
-          <a:lnRef idx="2">
-            <a:schemeClr val="accent6">
-              <a:shade val="50000"/>
-            </a:schemeClr>
-          </a:lnRef>
-          <a:fillRef idx="1">
-            <a:schemeClr val="accent6"/>
-          </a:fillRef>
-          <a:effectRef idx="0">
-            <a:schemeClr val="accent6"/>
-          </a:effectRef>
-          <a:fontRef idx="minor">
-            <a:schemeClr val="lt1"/>
-          </a:fontRef>
-        </p:style>
+        <p:spPr/>
         <p:txBody>
-          <a:bodyPr rtlCol="0" anchor="ctr"/>
+          <a:bodyPr/>
           <a:lstStyle/>
           <a:p>
-            <a:pPr algn="ctr"/>
+            <a:pPr algn="l"/>
             <a:r>
               <a:rPr lang="en-US" dirty="0"/>
-              <a:t>#1 Start Pulling Dynatrace Data back into Jenkins under “</a:t>
-            </a:r>
-            <a:r>
-              <a:rPr lang="en-US" dirty="0" err="1"/>
-              <a:t>loadtest</a:t>
-            </a:r>
+              <a:t>07_Performance_as_a_Self_Service</a:t>
+            </a:r>
+          </a:p>
+          <a:p>
+            <a:pPr marL="342900" indent="-342900" algn="l">
+              <a:buFontTx/>
+              <a:buChar char="-"/>
+            </a:pPr>
             <a:r>
               <a:rPr lang="en-US" dirty="0"/>
-              <a:t>”</a:t>
-            </a:r>
-          </a:p>
-        </p:txBody>
-      </p:sp>
-      <p:sp>
-        <p:nvSpPr>
-          <p:cNvPr id="5" name="Arrow: Right 4">
-            <a:extLst>
-              <a:ext uri="{FF2B5EF4-FFF2-40B4-BE49-F238E27FC236}">
-                <a16:creationId xmlns:a16="http://schemas.microsoft.com/office/drawing/2014/main" id="{A09C97B5-5232-4B42-A82A-562FC9B58F9C}"/>
-              </a:ext>
-            </a:extLst>
-          </p:cNvPr>
-          <p:cNvSpPr/>
-          <p:nvPr/>
-        </p:nvSpPr>
-        <p:spPr>
-          <a:xfrm flipH="1">
-            <a:off x="4890366" y="3747114"/>
-            <a:ext cx="5015875" cy="564160"/>
-          </a:xfrm>
-          <a:prstGeom prst="rightArrow">
-            <a:avLst/>
-          </a:prstGeom>
-        </p:spPr>
-        <p:style>
-          <a:lnRef idx="2">
-            <a:schemeClr val="accent6">
-              <a:shade val="50000"/>
-            </a:schemeClr>
-          </a:lnRef>
-          <a:fillRef idx="1">
-            <a:schemeClr val="accent6"/>
-          </a:fillRef>
-          <a:effectRef idx="0">
-            <a:schemeClr val="accent6"/>
-          </a:effectRef>
-          <a:fontRef idx="minor">
-            <a:schemeClr val="lt1"/>
-          </a:fontRef>
-        </p:style>
-        <p:txBody>
-          <a:bodyPr rtlCol="0" anchor="ctr"/>
-          <a:lstStyle/>
-          <a:p>
-            <a:pPr algn="ctr"/>
-            <a:r>
-              <a:rPr lang="en-US" dirty="0"/>
-              <a:t>#3 Run my load test, in this case a JMeter test</a:t>
-            </a:r>
-          </a:p>
-        </p:txBody>
-      </p:sp>
-      <p:sp>
-        <p:nvSpPr>
-          <p:cNvPr id="6" name="Arrow: Right 5">
-            <a:extLst>
-              <a:ext uri="{FF2B5EF4-FFF2-40B4-BE49-F238E27FC236}">
-                <a16:creationId xmlns:a16="http://schemas.microsoft.com/office/drawing/2014/main" id="{D059B8BA-5A6E-4B18-B2D3-ADC3D71AB599}"/>
-              </a:ext>
-            </a:extLst>
-          </p:cNvPr>
-          <p:cNvSpPr/>
-          <p:nvPr/>
-        </p:nvSpPr>
-        <p:spPr>
-          <a:xfrm flipH="1">
-            <a:off x="6964929" y="5640883"/>
-            <a:ext cx="4528227" cy="1011303"/>
-          </a:xfrm>
-          <a:prstGeom prst="rightArrow">
-            <a:avLst/>
-          </a:prstGeom>
-        </p:spPr>
-        <p:style>
-          <a:lnRef idx="2">
-            <a:schemeClr val="accent6">
-              <a:shade val="50000"/>
-            </a:schemeClr>
-          </a:lnRef>
-          <a:fillRef idx="1">
-            <a:schemeClr val="accent6"/>
-          </a:fillRef>
-          <a:effectRef idx="0">
-            <a:schemeClr val="accent6"/>
-          </a:effectRef>
-          <a:fontRef idx="minor">
-            <a:schemeClr val="lt1"/>
-          </a:fontRef>
-        </p:style>
-        <p:txBody>
-          <a:bodyPr rtlCol="0" anchor="ctr"/>
-          <a:lstStyle/>
-          <a:p>
-            <a:pPr algn="ctr"/>
-            <a:r>
-              <a:rPr lang="en-US" dirty="0"/>
-              <a:t>#4 Validate the Performance Signature Definition</a:t>
-            </a:r>
-          </a:p>
-        </p:txBody>
-      </p:sp>
-      <p:sp>
-        <p:nvSpPr>
-          <p:cNvPr id="7" name="Arrow: Right 6">
-            <a:extLst>
-              <a:ext uri="{FF2B5EF4-FFF2-40B4-BE49-F238E27FC236}">
-                <a16:creationId xmlns:a16="http://schemas.microsoft.com/office/drawing/2014/main" id="{C5A6A5D4-5442-4571-96C0-D48AF5759903}"/>
-              </a:ext>
-            </a:extLst>
-          </p:cNvPr>
-          <p:cNvSpPr/>
-          <p:nvPr/>
-        </p:nvSpPr>
-        <p:spPr>
-          <a:xfrm flipH="1">
-            <a:off x="4890365" y="2893601"/>
-            <a:ext cx="6602792" cy="564160"/>
-          </a:xfrm>
-          <a:prstGeom prst="rightArrow">
-            <a:avLst/>
-          </a:prstGeom>
-        </p:spPr>
-        <p:style>
-          <a:lnRef idx="2">
-            <a:schemeClr val="accent6">
-              <a:shade val="50000"/>
-            </a:schemeClr>
-          </a:lnRef>
-          <a:fillRef idx="1">
-            <a:schemeClr val="accent6"/>
-          </a:fillRef>
-          <a:effectRef idx="0">
-            <a:schemeClr val="accent6"/>
-          </a:effectRef>
-          <a:fontRef idx="minor">
-            <a:schemeClr val="lt1"/>
-          </a:fontRef>
-        </p:style>
-        <p:txBody>
-          <a:bodyPr rtlCol="0" anchor="ctr"/>
-          <a:lstStyle/>
-          <a:p>
-            <a:pPr algn="ctr"/>
-            <a:r>
-              <a:rPr lang="en-US" dirty="0"/>
-              <a:t>#2 Push Info Event to these Entities at the end of the test</a:t>
+              <a:t>04_Define_Performance_Pipeline</a:t>
             </a:r>
           </a:p>
         </p:txBody>
@@ -22925,7 +22832,7 @@
     </p:spTree>
     <p:extLst>
       <p:ext uri="{BB962C8B-B14F-4D97-AF65-F5344CB8AC3E}">
-        <p14:creationId xmlns:p14="http://schemas.microsoft.com/office/powerpoint/2010/main" val="3239171620"/>
+        <p14:creationId xmlns:p14="http://schemas.microsoft.com/office/powerpoint/2010/main" val="2150315511"/>
       </p:ext>
     </p:extLst>
   </p:cSld>
@@ -22952,47 +22859,12 @@
           <a:chExt cx="0" cy="0"/>
         </a:xfrm>
       </p:grpSpPr>
-      <p:sp>
-        <p:nvSpPr>
-          <p:cNvPr id="11" name="Title 10">
-            <a:extLst>
-              <a:ext uri="{FF2B5EF4-FFF2-40B4-BE49-F238E27FC236}">
-                <a16:creationId xmlns:a16="http://schemas.microsoft.com/office/drawing/2014/main" id="{0A7C911A-1DAD-E74D-8C63-964B200F480B}"/>
-              </a:ext>
-            </a:extLst>
-          </p:cNvPr>
-          <p:cNvSpPr>
-            <a:spLocks noGrp="1"/>
-          </p:cNvSpPr>
-          <p:nvPr>
-            <p:ph type="title"/>
-          </p:nvPr>
-        </p:nvSpPr>
-        <p:spPr>
-          <a:xfrm>
-            <a:off x="838199" y="365126"/>
-            <a:ext cx="9736657" cy="736844"/>
-          </a:xfrm>
-        </p:spPr>
-        <p:txBody>
-          <a:bodyPr>
-            <a:normAutofit/>
-          </a:bodyPr>
-          <a:lstStyle/>
-          <a:p>
-            <a:r>
-              <a:rPr lang="en-US" dirty="0"/>
-              <a:t>Pull Data back to Jenkins</a:t>
-            </a:r>
-          </a:p>
-        </p:txBody>
-      </p:sp>
       <p:pic>
         <p:nvPicPr>
           <p:cNvPr id="2" name="Picture 1">
             <a:extLst>
               <a:ext uri="{FF2B5EF4-FFF2-40B4-BE49-F238E27FC236}">
-                <a16:creationId xmlns:a16="http://schemas.microsoft.com/office/drawing/2014/main" id="{4A62915A-3285-4BA0-B018-DF5556C65A41}"/>
+                <a16:creationId xmlns:a16="http://schemas.microsoft.com/office/drawing/2014/main" id="{DA1E959E-CFB6-4301-9536-4E8D684ACE16}"/>
               </a:ext>
             </a:extLst>
           </p:cNvPr>
@@ -23009,8 +22881,8 @@
         </p:blipFill>
         <p:spPr>
           <a:xfrm>
-            <a:off x="921636" y="1455394"/>
-            <a:ext cx="7067097" cy="4934253"/>
+            <a:off x="883178" y="1473259"/>
+            <a:ext cx="6035040" cy="5384741"/>
           </a:xfrm>
           <a:prstGeom prst="rect">
             <a:avLst/>
@@ -23019,10 +22891,45 @@
       </p:pic>
       <p:sp>
         <p:nvSpPr>
-          <p:cNvPr id="4" name="Rectangle 3">
-            <a:extLst>
-              <a:ext uri="{FF2B5EF4-FFF2-40B4-BE49-F238E27FC236}">
-                <a16:creationId xmlns:a16="http://schemas.microsoft.com/office/drawing/2014/main" id="{FFAC7F4A-969F-41A1-BB83-DE2646B7E598}"/>
+          <p:cNvPr id="11" name="Title 10">
+            <a:extLst>
+              <a:ext uri="{FF2B5EF4-FFF2-40B4-BE49-F238E27FC236}">
+                <a16:creationId xmlns:a16="http://schemas.microsoft.com/office/drawing/2014/main" id="{0A7C911A-1DAD-E74D-8C63-964B200F480B}"/>
+              </a:ext>
+            </a:extLst>
+          </p:cNvPr>
+          <p:cNvSpPr>
+            <a:spLocks noGrp="1"/>
+          </p:cNvSpPr>
+          <p:nvPr>
+            <p:ph type="title"/>
+          </p:nvPr>
+        </p:nvSpPr>
+        <p:spPr>
+          <a:xfrm>
+            <a:off x="838199" y="365126"/>
+            <a:ext cx="9736657" cy="736844"/>
+          </a:xfrm>
+        </p:spPr>
+        <p:txBody>
+          <a:bodyPr>
+            <a:normAutofit/>
+          </a:bodyPr>
+          <a:lstStyle/>
+          <a:p>
+            <a:r>
+              <a:rPr lang="en-US" dirty="0"/>
+              <a:t>Wrap your Load Tests within a Performance Signature Validation</a:t>
+            </a:r>
+          </a:p>
+        </p:txBody>
+      </p:sp>
+      <p:sp>
+        <p:nvSpPr>
+          <p:cNvPr id="4" name="Arrow: Right 3">
+            <a:extLst>
+              <a:ext uri="{FF2B5EF4-FFF2-40B4-BE49-F238E27FC236}">
+                <a16:creationId xmlns:a16="http://schemas.microsoft.com/office/drawing/2014/main" id="{9090A975-1673-4A59-A4B1-A843D7D5DB7E}"/>
               </a:ext>
             </a:extLst>
           </p:cNvPr>
@@ -23030,96 +22937,201 @@
           <p:nvPr/>
         </p:nvSpPr>
         <p:spPr>
-          <a:xfrm>
-            <a:off x="1792921" y="4223407"/>
-            <a:ext cx="6195812" cy="705432"/>
-          </a:xfrm>
-          <a:prstGeom prst="rect">
+          <a:xfrm flipH="1">
+            <a:off x="4890366" y="2143797"/>
+            <a:ext cx="6602792" cy="564160"/>
+          </a:xfrm>
+          <a:prstGeom prst="rightArrow">
             <a:avLst/>
           </a:prstGeom>
-          <a:noFill/>
-          <a:ln w="25400">
-            <a:solidFill>
-              <a:srgbClr val="FFFF00"/>
-            </a:solidFill>
-            <a:prstDash val="sysDot"/>
-          </a:ln>
         </p:spPr>
         <p:style>
           <a:lnRef idx="2">
-            <a:schemeClr val="accent1">
+            <a:schemeClr val="accent6">
               <a:shade val="50000"/>
             </a:schemeClr>
           </a:lnRef>
           <a:fillRef idx="1">
-            <a:schemeClr val="accent1"/>
+            <a:schemeClr val="accent6"/>
           </a:fillRef>
           <a:effectRef idx="0">
-            <a:schemeClr val="accent1"/>
+            <a:schemeClr val="accent6"/>
           </a:effectRef>
           <a:fontRef idx="minor">
             <a:schemeClr val="lt1"/>
           </a:fontRef>
         </p:style>
         <p:txBody>
-          <a:bodyPr rot="0" spcFirstLastPara="0" vertOverflow="overflow" horzOverflow="overflow" vert="horz" wrap="square" lIns="121920" tIns="60960" rIns="121920" bIns="60960" numCol="1" spcCol="0" rtlCol="0" fromWordArt="0" anchor="ctr" anchorCtr="0" forceAA="0" compatLnSpc="1">
-            <a:prstTxWarp prst="textNoShape">
-              <a:avLst/>
-            </a:prstTxWarp>
-            <a:noAutofit/>
-          </a:bodyPr>
+          <a:bodyPr rtlCol="0" anchor="ctr"/>
           <a:lstStyle/>
           <a:p>
             <a:pPr algn="ctr"/>
-            <a:endParaRPr lang="en-US" sz="2400" dirty="0">
-              <a:latin typeface="Calibri Light" charset="0"/>
-              <a:ea typeface="Calibri Light" charset="0"/>
-              <a:cs typeface="Calibri Light" charset="0"/>
-            </a:endParaRPr>
+            <a:r>
+              <a:rPr lang="en-US" dirty="0"/>
+              <a:t>#1 Start Pulling Dynatrace Data back into Jenkins under “</a:t>
+            </a:r>
+            <a:r>
+              <a:rPr lang="en-US" dirty="0" err="1"/>
+              <a:t>loadtest</a:t>
+            </a:r>
+            <a:r>
+              <a:rPr lang="en-US" dirty="0"/>
+              <a:t>”</a:t>
+            </a:r>
           </a:p>
         </p:txBody>
       </p:sp>
-      <p:pic>
-        <p:nvPicPr>
-          <p:cNvPr id="3" name="Picture 2">
-            <a:extLst>
-              <a:ext uri="{FF2B5EF4-FFF2-40B4-BE49-F238E27FC236}">
-                <a16:creationId xmlns:a16="http://schemas.microsoft.com/office/drawing/2014/main" id="{016D1204-E2E2-46AA-A447-EED3DCEAFFE2}"/>
-              </a:ext>
-            </a:extLst>
-          </p:cNvPr>
-          <p:cNvPicPr>
-            <a:picLocks noChangeAspect="1"/>
-          </p:cNvPicPr>
+      <p:sp>
+        <p:nvSpPr>
+          <p:cNvPr id="5" name="Arrow: Right 4">
+            <a:extLst>
+              <a:ext uri="{FF2B5EF4-FFF2-40B4-BE49-F238E27FC236}">
+                <a16:creationId xmlns:a16="http://schemas.microsoft.com/office/drawing/2014/main" id="{A09C97B5-5232-4B42-A82A-562FC9B58F9C}"/>
+              </a:ext>
+            </a:extLst>
+          </p:cNvPr>
+          <p:cNvSpPr/>
           <p:nvPr/>
-        </p:nvPicPr>
-        <p:blipFill>
-          <a:blip r:embed="rId3"/>
-          <a:stretch>
-            <a:fillRect/>
-          </a:stretch>
-        </p:blipFill>
-        <p:spPr>
-          <a:xfrm>
-            <a:off x="6989583" y="2020696"/>
-            <a:ext cx="4966707" cy="2025999"/>
-          </a:xfrm>
-          <a:prstGeom prst="rect">
+        </p:nvSpPr>
+        <p:spPr>
+          <a:xfrm flipH="1">
+            <a:off x="4890366" y="3747114"/>
+            <a:ext cx="5015875" cy="564160"/>
+          </a:xfrm>
+          <a:prstGeom prst="rightArrow">
             <a:avLst/>
           </a:prstGeom>
-          <a:effectLst>
-            <a:outerShdw blurRad="50800" dist="38100" dir="2700000" algn="tl" rotWithShape="0">
-              <a:prstClr val="black">
-                <a:alpha val="40000"/>
-              </a:prstClr>
-            </a:outerShdw>
-          </a:effectLst>
-        </p:spPr>
-      </p:pic>
+        </p:spPr>
+        <p:style>
+          <a:lnRef idx="2">
+            <a:schemeClr val="accent6">
+              <a:shade val="50000"/>
+            </a:schemeClr>
+          </a:lnRef>
+          <a:fillRef idx="1">
+            <a:schemeClr val="accent6"/>
+          </a:fillRef>
+          <a:effectRef idx="0">
+            <a:schemeClr val="accent6"/>
+          </a:effectRef>
+          <a:fontRef idx="minor">
+            <a:schemeClr val="lt1"/>
+          </a:fontRef>
+        </p:style>
+        <p:txBody>
+          <a:bodyPr rtlCol="0" anchor="ctr"/>
+          <a:lstStyle/>
+          <a:p>
+            <a:pPr algn="ctr"/>
+            <a:r>
+              <a:rPr lang="en-US" dirty="0"/>
+              <a:t>#3 Run my load test, in this case a JMeter test</a:t>
+            </a:r>
+          </a:p>
+        </p:txBody>
+      </p:sp>
+      <p:sp>
+        <p:nvSpPr>
+          <p:cNvPr id="6" name="Arrow: Right 5">
+            <a:extLst>
+              <a:ext uri="{FF2B5EF4-FFF2-40B4-BE49-F238E27FC236}">
+                <a16:creationId xmlns:a16="http://schemas.microsoft.com/office/drawing/2014/main" id="{D059B8BA-5A6E-4B18-B2D3-ADC3D71AB599}"/>
+              </a:ext>
+            </a:extLst>
+          </p:cNvPr>
+          <p:cNvSpPr/>
+          <p:nvPr/>
+        </p:nvSpPr>
+        <p:spPr>
+          <a:xfrm flipH="1">
+            <a:off x="6964929" y="5640883"/>
+            <a:ext cx="4528227" cy="1011303"/>
+          </a:xfrm>
+          <a:prstGeom prst="rightArrow">
+            <a:avLst/>
+          </a:prstGeom>
+        </p:spPr>
+        <p:style>
+          <a:lnRef idx="2">
+            <a:schemeClr val="accent6">
+              <a:shade val="50000"/>
+            </a:schemeClr>
+          </a:lnRef>
+          <a:fillRef idx="1">
+            <a:schemeClr val="accent6"/>
+          </a:fillRef>
+          <a:effectRef idx="0">
+            <a:schemeClr val="accent6"/>
+          </a:effectRef>
+          <a:fontRef idx="minor">
+            <a:schemeClr val="lt1"/>
+          </a:fontRef>
+        </p:style>
+        <p:txBody>
+          <a:bodyPr rtlCol="0" anchor="ctr"/>
+          <a:lstStyle/>
+          <a:p>
+            <a:pPr algn="ctr"/>
+            <a:r>
+              <a:rPr lang="en-US" dirty="0"/>
+              <a:t>#4 Validate the Performance Signature Definition</a:t>
+            </a:r>
+          </a:p>
+        </p:txBody>
+      </p:sp>
+      <p:sp>
+        <p:nvSpPr>
+          <p:cNvPr id="7" name="Arrow: Right 6">
+            <a:extLst>
+              <a:ext uri="{FF2B5EF4-FFF2-40B4-BE49-F238E27FC236}">
+                <a16:creationId xmlns:a16="http://schemas.microsoft.com/office/drawing/2014/main" id="{C5A6A5D4-5442-4571-96C0-D48AF5759903}"/>
+              </a:ext>
+            </a:extLst>
+          </p:cNvPr>
+          <p:cNvSpPr/>
+          <p:nvPr/>
+        </p:nvSpPr>
+        <p:spPr>
+          <a:xfrm flipH="1">
+            <a:off x="4890365" y="2893601"/>
+            <a:ext cx="6602792" cy="564160"/>
+          </a:xfrm>
+          <a:prstGeom prst="rightArrow">
+            <a:avLst/>
+          </a:prstGeom>
+        </p:spPr>
+        <p:style>
+          <a:lnRef idx="2">
+            <a:schemeClr val="accent6">
+              <a:shade val="50000"/>
+            </a:schemeClr>
+          </a:lnRef>
+          <a:fillRef idx="1">
+            <a:schemeClr val="accent6"/>
+          </a:fillRef>
+          <a:effectRef idx="0">
+            <a:schemeClr val="accent6"/>
+          </a:effectRef>
+          <a:fontRef idx="minor">
+            <a:schemeClr val="lt1"/>
+          </a:fontRef>
+        </p:style>
+        <p:txBody>
+          <a:bodyPr rtlCol="0" anchor="ctr"/>
+          <a:lstStyle/>
+          <a:p>
+            <a:pPr algn="ctr"/>
+            <a:r>
+              <a:rPr lang="en-US" dirty="0"/>
+              <a:t>#2 Push Info Event to these Entities at the end of the test</a:t>
+            </a:r>
+          </a:p>
+        </p:txBody>
+      </p:sp>
     </p:spTree>
     <p:extLst>
       <p:ext uri="{BB962C8B-B14F-4D97-AF65-F5344CB8AC3E}">
-        <p14:creationId xmlns:p14="http://schemas.microsoft.com/office/powerpoint/2010/main" val="1544965196"/>
+        <p14:creationId xmlns:p14="http://schemas.microsoft.com/office/powerpoint/2010/main" val="3239171620"/>
       </p:ext>
     </p:extLst>
   </p:cSld>
@@ -23148,10 +23160,10 @@
       </p:grpSpPr>
       <p:sp>
         <p:nvSpPr>
-          <p:cNvPr id="2" name="Title 1">
-            <a:extLst>
-              <a:ext uri="{FF2B5EF4-FFF2-40B4-BE49-F238E27FC236}">
-                <a16:creationId xmlns:a16="http://schemas.microsoft.com/office/drawing/2014/main" id="{FEB7B8B5-9CB9-2744-9900-F49931A59476}"/>
+          <p:cNvPr id="11" name="Title 10">
+            <a:extLst>
+              <a:ext uri="{FF2B5EF4-FFF2-40B4-BE49-F238E27FC236}">
+                <a16:creationId xmlns:a16="http://schemas.microsoft.com/office/drawing/2014/main" id="{0A7C911A-1DAD-E74D-8C63-964B200F480B}"/>
               </a:ext>
             </a:extLst>
           </p:cNvPr>
@@ -23162,7 +23174,12 @@
             <p:ph type="title"/>
           </p:nvPr>
         </p:nvSpPr>
-        <p:spPr/>
+        <p:spPr>
+          <a:xfrm>
+            <a:off x="838199" y="365126"/>
+            <a:ext cx="9736657" cy="736844"/>
+          </a:xfrm>
+        </p:spPr>
         <p:txBody>
           <a:bodyPr>
             <a:normAutofit/>
@@ -23171,54 +23188,144 @@
           <a:p>
             <a:r>
               <a:rPr lang="en-US" dirty="0"/>
-              <a:t>Lab: Run Load Tests for Performance Validation</a:t>
+              <a:t>Pull Data back to Jenkins</a:t>
             </a:r>
           </a:p>
         </p:txBody>
       </p:sp>
+      <p:pic>
+        <p:nvPicPr>
+          <p:cNvPr id="2" name="Picture 1">
+            <a:extLst>
+              <a:ext uri="{FF2B5EF4-FFF2-40B4-BE49-F238E27FC236}">
+                <a16:creationId xmlns:a16="http://schemas.microsoft.com/office/drawing/2014/main" id="{4A62915A-3285-4BA0-B018-DF5556C65A41}"/>
+              </a:ext>
+            </a:extLst>
+          </p:cNvPr>
+          <p:cNvPicPr>
+            <a:picLocks noChangeAspect="1"/>
+          </p:cNvPicPr>
+          <p:nvPr/>
+        </p:nvPicPr>
+        <p:blipFill>
+          <a:blip r:embed="rId2"/>
+          <a:stretch>
+            <a:fillRect/>
+          </a:stretch>
+        </p:blipFill>
+        <p:spPr>
+          <a:xfrm>
+            <a:off x="921636" y="1455394"/>
+            <a:ext cx="7067097" cy="4934253"/>
+          </a:xfrm>
+          <a:prstGeom prst="rect">
+            <a:avLst/>
+          </a:prstGeom>
+        </p:spPr>
+      </p:pic>
       <p:sp>
         <p:nvSpPr>
-          <p:cNvPr id="3" name="Text Placeholder 2">
-            <a:extLst>
-              <a:ext uri="{FF2B5EF4-FFF2-40B4-BE49-F238E27FC236}">
-                <a16:creationId xmlns:a16="http://schemas.microsoft.com/office/drawing/2014/main" id="{426A670B-7389-8141-A935-E83B90EC8127}"/>
-              </a:ext>
-            </a:extLst>
-          </p:cNvPr>
-          <p:cNvSpPr>
-            <a:spLocks noGrp="1"/>
-          </p:cNvSpPr>
-          <p:nvPr>
-            <p:ph type="body" sz="quarter" idx="10"/>
-          </p:nvPr>
+          <p:cNvPr id="4" name="Rectangle 3">
+            <a:extLst>
+              <a:ext uri="{FF2B5EF4-FFF2-40B4-BE49-F238E27FC236}">
+                <a16:creationId xmlns:a16="http://schemas.microsoft.com/office/drawing/2014/main" id="{FFAC7F4A-969F-41A1-BB83-DE2646B7E598}"/>
+              </a:ext>
+            </a:extLst>
+          </p:cNvPr>
+          <p:cNvSpPr/>
+          <p:nvPr/>
         </p:nvSpPr>
-        <p:spPr/>
+        <p:spPr>
+          <a:xfrm>
+            <a:off x="1792921" y="4223407"/>
+            <a:ext cx="6195812" cy="705432"/>
+          </a:xfrm>
+          <a:prstGeom prst="rect">
+            <a:avLst/>
+          </a:prstGeom>
+          <a:noFill/>
+          <a:ln w="25400">
+            <a:solidFill>
+              <a:srgbClr val="FFFF00"/>
+            </a:solidFill>
+            <a:prstDash val="sysDot"/>
+          </a:ln>
+        </p:spPr>
+        <p:style>
+          <a:lnRef idx="2">
+            <a:schemeClr val="accent1">
+              <a:shade val="50000"/>
+            </a:schemeClr>
+          </a:lnRef>
+          <a:fillRef idx="1">
+            <a:schemeClr val="accent1"/>
+          </a:fillRef>
+          <a:effectRef idx="0">
+            <a:schemeClr val="accent1"/>
+          </a:effectRef>
+          <a:fontRef idx="minor">
+            <a:schemeClr val="lt1"/>
+          </a:fontRef>
+        </p:style>
         <p:txBody>
-          <a:bodyPr/>
+          <a:bodyPr rot="0" spcFirstLastPara="0" vertOverflow="overflow" horzOverflow="overflow" vert="horz" wrap="square" lIns="121920" tIns="60960" rIns="121920" bIns="60960" numCol="1" spcCol="0" rtlCol="0" fromWordArt="0" anchor="ctr" anchorCtr="0" forceAA="0" compatLnSpc="1">
+            <a:prstTxWarp prst="textNoShape">
+              <a:avLst/>
+            </a:prstTxWarp>
+            <a:noAutofit/>
+          </a:bodyPr>
           <a:lstStyle/>
           <a:p>
-            <a:pPr algn="l"/>
-            <a:r>
-              <a:rPr lang="en-US" dirty="0"/>
-              <a:t>07_Performance_as_a_Self_Service</a:t>
-            </a:r>
-          </a:p>
-          <a:p>
-            <a:pPr marL="342900" indent="-342900" algn="l">
-              <a:buFontTx/>
-              <a:buChar char="-"/>
-            </a:pPr>
-            <a:r>
-              <a:rPr lang="en-US" dirty="0"/>
-              <a:t>05_Run_Performance_Tests</a:t>
-            </a:r>
+            <a:pPr algn="ctr"/>
+            <a:endParaRPr lang="en-US" sz="2400" dirty="0">
+              <a:latin typeface="Calibri Light" charset="0"/>
+              <a:ea typeface="Calibri Light" charset="0"/>
+              <a:cs typeface="Calibri Light" charset="0"/>
+            </a:endParaRPr>
           </a:p>
         </p:txBody>
       </p:sp>
+      <p:pic>
+        <p:nvPicPr>
+          <p:cNvPr id="3" name="Picture 2">
+            <a:extLst>
+              <a:ext uri="{FF2B5EF4-FFF2-40B4-BE49-F238E27FC236}">
+                <a16:creationId xmlns:a16="http://schemas.microsoft.com/office/drawing/2014/main" id="{016D1204-E2E2-46AA-A447-EED3DCEAFFE2}"/>
+              </a:ext>
+            </a:extLst>
+          </p:cNvPr>
+          <p:cNvPicPr>
+            <a:picLocks noChangeAspect="1"/>
+          </p:cNvPicPr>
+          <p:nvPr/>
+        </p:nvPicPr>
+        <p:blipFill>
+          <a:blip r:embed="rId3"/>
+          <a:stretch>
+            <a:fillRect/>
+          </a:stretch>
+        </p:blipFill>
+        <p:spPr>
+          <a:xfrm>
+            <a:off x="6989583" y="2020696"/>
+            <a:ext cx="4966707" cy="2025999"/>
+          </a:xfrm>
+          <a:prstGeom prst="rect">
+            <a:avLst/>
+          </a:prstGeom>
+          <a:effectLst>
+            <a:outerShdw blurRad="50800" dist="38100" dir="2700000" algn="tl" rotWithShape="0">
+              <a:prstClr val="black">
+                <a:alpha val="40000"/>
+              </a:prstClr>
+            </a:outerShdw>
+          </a:effectLst>
+        </p:spPr>
+      </p:pic>
     </p:spTree>
     <p:extLst>
       <p:ext uri="{BB962C8B-B14F-4D97-AF65-F5344CB8AC3E}">
-        <p14:creationId xmlns:p14="http://schemas.microsoft.com/office/powerpoint/2010/main" val="768504778"/>
+        <p14:creationId xmlns:p14="http://schemas.microsoft.com/office/powerpoint/2010/main" val="1544965196"/>
       </p:ext>
     </p:extLst>
   </p:cSld>
@@ -23247,10 +23354,10 @@
       </p:grpSpPr>
       <p:sp>
         <p:nvSpPr>
-          <p:cNvPr id="11" name="Title 10">
-            <a:extLst>
-              <a:ext uri="{FF2B5EF4-FFF2-40B4-BE49-F238E27FC236}">
-                <a16:creationId xmlns:a16="http://schemas.microsoft.com/office/drawing/2014/main" id="{0A7C911A-1DAD-E74D-8C63-964B200F480B}"/>
+          <p:cNvPr id="2" name="Title 1">
+            <a:extLst>
+              <a:ext uri="{FF2B5EF4-FFF2-40B4-BE49-F238E27FC236}">
+                <a16:creationId xmlns:a16="http://schemas.microsoft.com/office/drawing/2014/main" id="{FEB7B8B5-9CB9-2744-9900-F49931A59476}"/>
               </a:ext>
             </a:extLst>
           </p:cNvPr>
@@ -23261,12 +23368,7 @@
             <p:ph type="title"/>
           </p:nvPr>
         </p:nvSpPr>
-        <p:spPr>
-          <a:xfrm>
-            <a:off x="838199" y="365126"/>
-            <a:ext cx="9736657" cy="736844"/>
-          </a:xfrm>
-        </p:spPr>
+        <p:spPr/>
         <p:txBody>
           <a:bodyPr>
             <a:normAutofit/>
@@ -23275,282 +23377,46 @@
           <a:p>
             <a:r>
               <a:rPr lang="en-US" dirty="0"/>
-              <a:t>Explore Results in Jenkins</a:t>
-            </a:r>
-          </a:p>
-        </p:txBody>
-      </p:sp>
-      <p:pic>
-        <p:nvPicPr>
-          <p:cNvPr id="8" name="Picture 7">
-            <a:extLst>
-              <a:ext uri="{FF2B5EF4-FFF2-40B4-BE49-F238E27FC236}">
-                <a16:creationId xmlns:a16="http://schemas.microsoft.com/office/drawing/2014/main" id="{BDC3C70F-6462-4289-9A82-80EDEE40EB41}"/>
-              </a:ext>
-            </a:extLst>
-          </p:cNvPr>
-          <p:cNvPicPr>
-            <a:picLocks noChangeAspect="1"/>
-          </p:cNvPicPr>
-          <p:nvPr/>
-        </p:nvPicPr>
-        <p:blipFill>
-          <a:blip r:embed="rId2"/>
-          <a:stretch>
-            <a:fillRect/>
-          </a:stretch>
-        </p:blipFill>
-        <p:spPr>
-          <a:xfrm>
-            <a:off x="838199" y="1522805"/>
-            <a:ext cx="10202333" cy="5114654"/>
-          </a:xfrm>
-          <a:prstGeom prst="rect">
-            <a:avLst/>
-          </a:prstGeom>
-        </p:spPr>
-      </p:pic>
-      <p:sp>
-        <p:nvSpPr>
-          <p:cNvPr id="9" name="Arrow: Right 8">
-            <a:extLst>
-              <a:ext uri="{FF2B5EF4-FFF2-40B4-BE49-F238E27FC236}">
-                <a16:creationId xmlns:a16="http://schemas.microsoft.com/office/drawing/2014/main" id="{7701F45E-C3D8-470C-B34D-85B5D5D4DECE}"/>
-              </a:ext>
-            </a:extLst>
-          </p:cNvPr>
-          <p:cNvSpPr/>
-          <p:nvPr/>
-        </p:nvSpPr>
-        <p:spPr>
-          <a:xfrm flipH="1">
-            <a:off x="5518565" y="1832214"/>
-            <a:ext cx="3758924" cy="564160"/>
-          </a:xfrm>
-          <a:prstGeom prst="rightArrow">
-            <a:avLst/>
-          </a:prstGeom>
-        </p:spPr>
-        <p:style>
-          <a:lnRef idx="2">
-            <a:schemeClr val="accent6">
-              <a:shade val="50000"/>
-            </a:schemeClr>
-          </a:lnRef>
-          <a:fillRef idx="1">
-            <a:schemeClr val="accent6"/>
-          </a:fillRef>
-          <a:effectRef idx="0">
-            <a:schemeClr val="accent6"/>
-          </a:effectRef>
-          <a:fontRef idx="minor">
-            <a:schemeClr val="lt1"/>
-          </a:fontRef>
-        </p:style>
-        <p:txBody>
-          <a:bodyPr rtlCol="0" anchor="ctr"/>
-          <a:lstStyle/>
-          <a:p>
-            <a:pPr algn="ctr"/>
-            <a:r>
-              <a:rPr lang="en-US" dirty="0"/>
-              <a:t>Performance Signature View</a:t>
+              <a:t>Lab: Run Load Tests for Performance Validation</a:t>
             </a:r>
           </a:p>
         </p:txBody>
       </p:sp>
       <p:sp>
         <p:nvSpPr>
-          <p:cNvPr id="10" name="Arrow: Right 9">
-            <a:extLst>
-              <a:ext uri="{FF2B5EF4-FFF2-40B4-BE49-F238E27FC236}">
-                <a16:creationId xmlns:a16="http://schemas.microsoft.com/office/drawing/2014/main" id="{D75F4E48-D9E1-4AE9-8517-4A5225D14EE1}"/>
-              </a:ext>
-            </a:extLst>
-          </p:cNvPr>
-          <p:cNvSpPr/>
-          <p:nvPr/>
+          <p:cNvPr id="3" name="Text Placeholder 2">
+            <a:extLst>
+              <a:ext uri="{FF2B5EF4-FFF2-40B4-BE49-F238E27FC236}">
+                <a16:creationId xmlns:a16="http://schemas.microsoft.com/office/drawing/2014/main" id="{426A670B-7389-8141-A935-E83B90EC8127}"/>
+              </a:ext>
+            </a:extLst>
+          </p:cNvPr>
+          <p:cNvSpPr>
+            <a:spLocks noGrp="1"/>
+          </p:cNvSpPr>
+          <p:nvPr>
+            <p:ph type="body" sz="quarter" idx="10"/>
+          </p:nvPr>
         </p:nvSpPr>
-        <p:spPr>
-          <a:xfrm flipH="1">
-            <a:off x="2096437" y="2766812"/>
-            <a:ext cx="670377" cy="564160"/>
-          </a:xfrm>
-          <a:prstGeom prst="rightArrow">
-            <a:avLst/>
-          </a:prstGeom>
-        </p:spPr>
-        <p:style>
-          <a:lnRef idx="2">
-            <a:schemeClr val="accent6">
-              <a:shade val="50000"/>
-            </a:schemeClr>
-          </a:lnRef>
-          <a:fillRef idx="1">
-            <a:schemeClr val="accent6"/>
-          </a:fillRef>
-          <a:effectRef idx="0">
-            <a:schemeClr val="accent6"/>
-          </a:effectRef>
-          <a:fontRef idx="minor">
-            <a:schemeClr val="lt1"/>
-          </a:fontRef>
-        </p:style>
+        <p:spPr/>
         <p:txBody>
-          <a:bodyPr rtlCol="0" anchor="ctr"/>
+          <a:bodyPr/>
           <a:lstStyle/>
           <a:p>
-            <a:pPr algn="ctr"/>
+            <a:pPr algn="l"/>
             <a:r>
               <a:rPr lang="en-US" dirty="0"/>
-              <a:t>#1</a:t>
-            </a:r>
-          </a:p>
-        </p:txBody>
-      </p:sp>
-      <p:sp>
-        <p:nvSpPr>
-          <p:cNvPr id="12" name="Arrow: Right 11">
-            <a:extLst>
-              <a:ext uri="{FF2B5EF4-FFF2-40B4-BE49-F238E27FC236}">
-                <a16:creationId xmlns:a16="http://schemas.microsoft.com/office/drawing/2014/main" id="{120DE76B-80E6-498F-988A-2D46B9C4D656}"/>
-              </a:ext>
-            </a:extLst>
-          </p:cNvPr>
-          <p:cNvSpPr/>
-          <p:nvPr/>
-        </p:nvSpPr>
-        <p:spPr>
-          <a:xfrm flipH="1">
-            <a:off x="3583868" y="2300680"/>
-            <a:ext cx="5024264" cy="564160"/>
-          </a:xfrm>
-          <a:prstGeom prst="rightArrow">
-            <a:avLst/>
-          </a:prstGeom>
-        </p:spPr>
-        <p:style>
-          <a:lnRef idx="2">
-            <a:schemeClr val="accent6">
-              <a:shade val="50000"/>
-            </a:schemeClr>
-          </a:lnRef>
-          <a:fillRef idx="1">
-            <a:schemeClr val="accent6"/>
-          </a:fillRef>
-          <a:effectRef idx="0">
-            <a:schemeClr val="accent6"/>
-          </a:effectRef>
-          <a:fontRef idx="minor">
-            <a:schemeClr val="lt1"/>
-          </a:fontRef>
-        </p:style>
-        <p:txBody>
-          <a:bodyPr rtlCol="0" anchor="ctr"/>
-          <a:lstStyle/>
-          <a:p>
-            <a:pPr algn="ctr"/>
+              <a:t>07_Performance_as_a_Self_Service</a:t>
+            </a:r>
+          </a:p>
+          <a:p>
+            <a:pPr marL="342900" indent="-342900" algn="l">
+              <a:buFontTx/>
+              <a:buChar char="-"/>
+            </a:pPr>
             <a:r>
               <a:rPr lang="en-US" dirty="0"/>
-              <a:t>#2 Reflects the testcase name from the Pipeline</a:t>
-            </a:r>
-          </a:p>
-        </p:txBody>
-      </p:sp>
-      <p:sp>
-        <p:nvSpPr>
-          <p:cNvPr id="13" name="Arrow: Right 12">
-            <a:extLst>
-              <a:ext uri="{FF2B5EF4-FFF2-40B4-BE49-F238E27FC236}">
-                <a16:creationId xmlns:a16="http://schemas.microsoft.com/office/drawing/2014/main" id="{A00D375E-6D30-4453-8E1E-DE5259409410}"/>
-              </a:ext>
-            </a:extLst>
-          </p:cNvPr>
-          <p:cNvSpPr/>
-          <p:nvPr/>
-        </p:nvSpPr>
-        <p:spPr>
-          <a:xfrm flipH="1">
-            <a:off x="7655309" y="4210805"/>
-            <a:ext cx="3758924" cy="564160"/>
-          </a:xfrm>
-          <a:prstGeom prst="rightArrow">
-            <a:avLst/>
-          </a:prstGeom>
-        </p:spPr>
-        <p:style>
-          <a:lnRef idx="2">
-            <a:schemeClr val="accent6">
-              <a:shade val="50000"/>
-            </a:schemeClr>
-          </a:lnRef>
-          <a:fillRef idx="1">
-            <a:schemeClr val="accent6"/>
-          </a:fillRef>
-          <a:effectRef idx="0">
-            <a:schemeClr val="accent6"/>
-          </a:effectRef>
-          <a:fontRef idx="minor">
-            <a:schemeClr val="lt1"/>
-          </a:fontRef>
-        </p:style>
-        <p:txBody>
-          <a:bodyPr rtlCol="0" anchor="ctr"/>
-          <a:lstStyle/>
-          <a:p>
-            <a:pPr algn="ctr"/>
-            <a:r>
-              <a:rPr lang="en-US" dirty="0"/>
-              <a:t>#3 All metrics across builds</a:t>
-            </a:r>
-          </a:p>
-        </p:txBody>
-      </p:sp>
-      <p:sp>
-        <p:nvSpPr>
-          <p:cNvPr id="14" name="Arrow: Right 13">
-            <a:extLst>
-              <a:ext uri="{FF2B5EF4-FFF2-40B4-BE49-F238E27FC236}">
-                <a16:creationId xmlns:a16="http://schemas.microsoft.com/office/drawing/2014/main" id="{BE971EA6-D344-4596-9C33-E17B16F85F7B}"/>
-              </a:ext>
-            </a:extLst>
-          </p:cNvPr>
-          <p:cNvSpPr/>
-          <p:nvPr/>
-        </p:nvSpPr>
-        <p:spPr>
-          <a:xfrm>
-            <a:off x="7811954" y="2809231"/>
-            <a:ext cx="2676088" cy="564160"/>
-          </a:xfrm>
-          <a:prstGeom prst="rightArrow">
-            <a:avLst/>
-          </a:prstGeom>
-        </p:spPr>
-        <p:style>
-          <a:lnRef idx="2">
-            <a:schemeClr val="accent6">
-              <a:shade val="50000"/>
-            </a:schemeClr>
-          </a:lnRef>
-          <a:fillRef idx="1">
-            <a:schemeClr val="accent6"/>
-          </a:fillRef>
-          <a:effectRef idx="0">
-            <a:schemeClr val="accent6"/>
-          </a:effectRef>
-          <a:fontRef idx="minor">
-            <a:schemeClr val="lt1"/>
-          </a:fontRef>
-        </p:style>
-        <p:txBody>
-          <a:bodyPr rtlCol="0" anchor="ctr"/>
-          <a:lstStyle/>
-          <a:p>
-            <a:pPr algn="ctr"/>
-            <a:r>
-              <a:rPr lang="en-US" dirty="0"/>
-              <a:t>#4 Add/Remove charts</a:t>
+              <a:t>05_Run_Performance_Tests</a:t>
             </a:r>
           </a:p>
         </p:txBody>
@@ -23558,7 +23424,7 @@
     </p:spTree>
     <p:extLst>
       <p:ext uri="{BB962C8B-B14F-4D97-AF65-F5344CB8AC3E}">
-        <p14:creationId xmlns:p14="http://schemas.microsoft.com/office/powerpoint/2010/main" val="445155018"/>
+        <p14:creationId xmlns:p14="http://schemas.microsoft.com/office/powerpoint/2010/main" val="768504778"/>
       </p:ext>
     </p:extLst>
   </p:cSld>
@@ -23622,10 +23488,10 @@
       </p:sp>
       <p:pic>
         <p:nvPicPr>
-          <p:cNvPr id="15" name="Picture 14">
-            <a:extLst>
-              <a:ext uri="{FF2B5EF4-FFF2-40B4-BE49-F238E27FC236}">
-                <a16:creationId xmlns:a16="http://schemas.microsoft.com/office/drawing/2014/main" id="{181772DA-10E7-4F82-8C5E-263CD6BC7DE8}"/>
+          <p:cNvPr id="8" name="Picture 7">
+            <a:extLst>
+              <a:ext uri="{FF2B5EF4-FFF2-40B4-BE49-F238E27FC236}">
+                <a16:creationId xmlns:a16="http://schemas.microsoft.com/office/drawing/2014/main" id="{BDC3C70F-6462-4289-9A82-80EDEE40EB41}"/>
               </a:ext>
             </a:extLst>
           </p:cNvPr>
@@ -23642,8 +23508,8 @@
         </p:blipFill>
         <p:spPr>
           <a:xfrm>
-            <a:off x="838199" y="1458508"/>
-            <a:ext cx="10188000" cy="5175197"/>
+            <a:off x="838199" y="1522805"/>
+            <a:ext cx="10202333" cy="5114654"/>
           </a:xfrm>
           <a:prstGeom prst="rect">
             <a:avLst/>
@@ -23652,10 +23518,10 @@
       </p:pic>
       <p:sp>
         <p:nvSpPr>
-          <p:cNvPr id="16" name="Arrow: Right 15">
-            <a:extLst>
-              <a:ext uri="{FF2B5EF4-FFF2-40B4-BE49-F238E27FC236}">
-                <a16:creationId xmlns:a16="http://schemas.microsoft.com/office/drawing/2014/main" id="{3EE39A9B-770C-4772-9341-545D4DE3E6E3}"/>
+          <p:cNvPr id="9" name="Arrow: Right 8">
+            <a:extLst>
+              <a:ext uri="{FF2B5EF4-FFF2-40B4-BE49-F238E27FC236}">
+                <a16:creationId xmlns:a16="http://schemas.microsoft.com/office/drawing/2014/main" id="{7701F45E-C3D8-470C-B34D-85B5D5D4DECE}"/>
               </a:ext>
             </a:extLst>
           </p:cNvPr>
@@ -23664,8 +23530,8 @@
         </p:nvSpPr>
         <p:spPr>
           <a:xfrm flipH="1">
-            <a:off x="4554566" y="1267338"/>
-            <a:ext cx="4765603" cy="564160"/>
+            <a:off x="5518565" y="1832214"/>
+            <a:ext cx="3758924" cy="564160"/>
           </a:xfrm>
           <a:prstGeom prst="rightArrow">
             <a:avLst/>
@@ -23694,17 +23560,17 @@
             <a:pPr algn="ctr"/>
             <a:r>
               <a:rPr lang="en-US" dirty="0"/>
-              <a:t>#1 Performance Signature for a specific build</a:t>
+              <a:t>Performance Signature View</a:t>
             </a:r>
           </a:p>
         </p:txBody>
       </p:sp>
       <p:sp>
         <p:nvSpPr>
-          <p:cNvPr id="17" name="Arrow: Right 16">
-            <a:extLst>
-              <a:ext uri="{FF2B5EF4-FFF2-40B4-BE49-F238E27FC236}">
-                <a16:creationId xmlns:a16="http://schemas.microsoft.com/office/drawing/2014/main" id="{29F41A9D-602A-47A4-9BD4-3D78C93E4274}"/>
+          <p:cNvPr id="10" name="Arrow: Right 9">
+            <a:extLst>
+              <a:ext uri="{FF2B5EF4-FFF2-40B4-BE49-F238E27FC236}">
+                <a16:creationId xmlns:a16="http://schemas.microsoft.com/office/drawing/2014/main" id="{D75F4E48-D9E1-4AE9-8517-4A5225D14EE1}"/>
               </a:ext>
             </a:extLst>
           </p:cNvPr>
@@ -23713,8 +23579,8 @@
         </p:nvSpPr>
         <p:spPr>
           <a:xfrm flipH="1">
-            <a:off x="7287436" y="2910323"/>
-            <a:ext cx="3758924" cy="564160"/>
+            <a:off x="2096437" y="2766812"/>
+            <a:ext cx="670377" cy="564160"/>
           </a:xfrm>
           <a:prstGeom prst="rightArrow">
             <a:avLst/>
@@ -23743,17 +23609,17 @@
             <a:pPr algn="ctr"/>
             <a:r>
               <a:rPr lang="en-US" dirty="0"/>
-              <a:t>#2 Details on Threshold Violations</a:t>
+              <a:t>#1</a:t>
             </a:r>
           </a:p>
         </p:txBody>
       </p:sp>
       <p:sp>
         <p:nvSpPr>
-          <p:cNvPr id="18" name="Arrow: Right 17">
-            <a:extLst>
-              <a:ext uri="{FF2B5EF4-FFF2-40B4-BE49-F238E27FC236}">
-                <a16:creationId xmlns:a16="http://schemas.microsoft.com/office/drawing/2014/main" id="{C16F489F-F490-448A-8CE1-AC555AF099F1}"/>
+          <p:cNvPr id="12" name="Arrow: Right 11">
+            <a:extLst>
+              <a:ext uri="{FF2B5EF4-FFF2-40B4-BE49-F238E27FC236}">
+                <a16:creationId xmlns:a16="http://schemas.microsoft.com/office/drawing/2014/main" id="{120DE76B-80E6-498F-988A-2D46B9C4D656}"/>
               </a:ext>
             </a:extLst>
           </p:cNvPr>
@@ -23762,14 +23628,11 @@
         </p:nvSpPr>
         <p:spPr>
           <a:xfrm flipH="1">
-            <a:off x="7594877" y="3552154"/>
-            <a:ext cx="3758924" cy="1047549"/>
+            <a:off x="3583868" y="2300680"/>
+            <a:ext cx="5024264" cy="564160"/>
           </a:xfrm>
           <a:prstGeom prst="rightArrow">
-            <a:avLst>
-              <a:gd name="adj1" fmla="val 50000"/>
-              <a:gd name="adj2" fmla="val 31581"/>
-            </a:avLst>
+            <a:avLst/>
           </a:prstGeom>
         </p:spPr>
         <p:style>
@@ -23795,17 +23658,17 @@
             <a:pPr algn="ctr"/>
             <a:r>
               <a:rPr lang="en-US" dirty="0"/>
-              <a:t>#3 Timeseries data for each metric for the duration of the load test</a:t>
+              <a:t>#2 Reflects the testcase name from the Pipeline</a:t>
             </a:r>
           </a:p>
         </p:txBody>
       </p:sp>
       <p:sp>
         <p:nvSpPr>
-          <p:cNvPr id="19" name="Arrow: Right 18">
-            <a:extLst>
-              <a:ext uri="{FF2B5EF4-FFF2-40B4-BE49-F238E27FC236}">
-                <a16:creationId xmlns:a16="http://schemas.microsoft.com/office/drawing/2014/main" id="{4473C029-C7A3-4988-B7B0-652462265814}"/>
+          <p:cNvPr id="13" name="Arrow: Right 12">
+            <a:extLst>
+              <a:ext uri="{FF2B5EF4-FFF2-40B4-BE49-F238E27FC236}">
+                <a16:creationId xmlns:a16="http://schemas.microsoft.com/office/drawing/2014/main" id="{A00D375E-6D30-4453-8E1E-DE5259409410}"/>
               </a:ext>
             </a:extLst>
           </p:cNvPr>
@@ -23813,9 +23676,9 @@
           <p:nvPr/>
         </p:nvSpPr>
         <p:spPr>
-          <a:xfrm>
-            <a:off x="5552485" y="2088830"/>
-            <a:ext cx="4084783" cy="564160"/>
+          <a:xfrm flipH="1">
+            <a:off x="7655309" y="4210805"/>
+            <a:ext cx="3758924" cy="564160"/>
           </a:xfrm>
           <a:prstGeom prst="rightArrow">
             <a:avLst/>
@@ -23844,17 +23707,17 @@
             <a:pPr algn="ctr"/>
             <a:r>
               <a:rPr lang="en-US" dirty="0"/>
-              <a:t>#5 Open Dynatrace for this timeframe</a:t>
+              <a:t>#3 All metrics across builds</a:t>
             </a:r>
           </a:p>
         </p:txBody>
       </p:sp>
       <p:sp>
         <p:nvSpPr>
-          <p:cNvPr id="20" name="Arrow: Right 19">
-            <a:extLst>
-              <a:ext uri="{FF2B5EF4-FFF2-40B4-BE49-F238E27FC236}">
-                <a16:creationId xmlns:a16="http://schemas.microsoft.com/office/drawing/2014/main" id="{7C3DA601-F3D5-4706-A07A-C096A8D25D31}"/>
+          <p:cNvPr id="14" name="Arrow: Right 13">
+            <a:extLst>
+              <a:ext uri="{FF2B5EF4-FFF2-40B4-BE49-F238E27FC236}">
+                <a16:creationId xmlns:a16="http://schemas.microsoft.com/office/drawing/2014/main" id="{BE971EA6-D344-4596-9C33-E17B16F85F7B}"/>
               </a:ext>
             </a:extLst>
           </p:cNvPr>
@@ -23863,8 +23726,8 @@
         </p:nvSpPr>
         <p:spPr>
           <a:xfrm>
-            <a:off x="1165801" y="5363710"/>
-            <a:ext cx="3993160" cy="564160"/>
+            <a:off x="7811954" y="2809231"/>
+            <a:ext cx="2676088" cy="564160"/>
           </a:xfrm>
           <a:prstGeom prst="rightArrow">
             <a:avLst/>
@@ -23893,7 +23756,7 @@
             <a:pPr algn="ctr"/>
             <a:r>
               <a:rPr lang="en-US" dirty="0"/>
-              <a:t>#4 Compare with previous build</a:t>
+              <a:t>#4 Add/Remove charts</a:t>
             </a:r>
           </a:p>
         </p:txBody>
@@ -23901,7 +23764,7 @@
     </p:spTree>
     <p:extLst>
       <p:ext uri="{BB962C8B-B14F-4D97-AF65-F5344CB8AC3E}">
-        <p14:creationId xmlns:p14="http://schemas.microsoft.com/office/powerpoint/2010/main" val="1936741742"/>
+        <p14:creationId xmlns:p14="http://schemas.microsoft.com/office/powerpoint/2010/main" val="445155018"/>
       </p:ext>
     </p:extLst>
   </p:cSld>
@@ -23930,10 +23793,10 @@
       </p:grpSpPr>
       <p:sp>
         <p:nvSpPr>
-          <p:cNvPr id="2" name="Title 1">
-            <a:extLst>
-              <a:ext uri="{FF2B5EF4-FFF2-40B4-BE49-F238E27FC236}">
-                <a16:creationId xmlns:a16="http://schemas.microsoft.com/office/drawing/2014/main" id="{FEB7B8B5-9CB9-2744-9900-F49931A59476}"/>
+          <p:cNvPr id="11" name="Title 10">
+            <a:extLst>
+              <a:ext uri="{FF2B5EF4-FFF2-40B4-BE49-F238E27FC236}">
+                <a16:creationId xmlns:a16="http://schemas.microsoft.com/office/drawing/2014/main" id="{0A7C911A-1DAD-E74D-8C63-964B200F480B}"/>
               </a:ext>
             </a:extLst>
           </p:cNvPr>
@@ -23944,7 +23807,12 @@
             <p:ph type="title"/>
           </p:nvPr>
         </p:nvSpPr>
-        <p:spPr/>
+        <p:spPr>
+          <a:xfrm>
+            <a:off x="838199" y="365126"/>
+            <a:ext cx="9736657" cy="736844"/>
+          </a:xfrm>
+        </p:spPr>
         <p:txBody>
           <a:bodyPr>
             <a:normAutofit/>
@@ -23953,46 +23821,285 @@
           <a:p>
             <a:r>
               <a:rPr lang="en-US" dirty="0"/>
-              <a:t>Lab: Analyze the Results in Dynatrace</a:t>
+              <a:t>Explore Results in Jenkins</a:t>
+            </a:r>
+          </a:p>
+        </p:txBody>
+      </p:sp>
+      <p:pic>
+        <p:nvPicPr>
+          <p:cNvPr id="15" name="Picture 14">
+            <a:extLst>
+              <a:ext uri="{FF2B5EF4-FFF2-40B4-BE49-F238E27FC236}">
+                <a16:creationId xmlns:a16="http://schemas.microsoft.com/office/drawing/2014/main" id="{181772DA-10E7-4F82-8C5E-263CD6BC7DE8}"/>
+              </a:ext>
+            </a:extLst>
+          </p:cNvPr>
+          <p:cNvPicPr>
+            <a:picLocks noChangeAspect="1"/>
+          </p:cNvPicPr>
+          <p:nvPr/>
+        </p:nvPicPr>
+        <p:blipFill>
+          <a:blip r:embed="rId2"/>
+          <a:stretch>
+            <a:fillRect/>
+          </a:stretch>
+        </p:blipFill>
+        <p:spPr>
+          <a:xfrm>
+            <a:off x="838199" y="1458508"/>
+            <a:ext cx="10188000" cy="5175197"/>
+          </a:xfrm>
+          <a:prstGeom prst="rect">
+            <a:avLst/>
+          </a:prstGeom>
+        </p:spPr>
+      </p:pic>
+      <p:sp>
+        <p:nvSpPr>
+          <p:cNvPr id="16" name="Arrow: Right 15">
+            <a:extLst>
+              <a:ext uri="{FF2B5EF4-FFF2-40B4-BE49-F238E27FC236}">
+                <a16:creationId xmlns:a16="http://schemas.microsoft.com/office/drawing/2014/main" id="{3EE39A9B-770C-4772-9341-545D4DE3E6E3}"/>
+              </a:ext>
+            </a:extLst>
+          </p:cNvPr>
+          <p:cNvSpPr/>
+          <p:nvPr/>
+        </p:nvSpPr>
+        <p:spPr>
+          <a:xfrm flipH="1">
+            <a:off x="4554566" y="1267338"/>
+            <a:ext cx="4765603" cy="564160"/>
+          </a:xfrm>
+          <a:prstGeom prst="rightArrow">
+            <a:avLst/>
+          </a:prstGeom>
+        </p:spPr>
+        <p:style>
+          <a:lnRef idx="2">
+            <a:schemeClr val="accent6">
+              <a:shade val="50000"/>
+            </a:schemeClr>
+          </a:lnRef>
+          <a:fillRef idx="1">
+            <a:schemeClr val="accent6"/>
+          </a:fillRef>
+          <a:effectRef idx="0">
+            <a:schemeClr val="accent6"/>
+          </a:effectRef>
+          <a:fontRef idx="minor">
+            <a:schemeClr val="lt1"/>
+          </a:fontRef>
+        </p:style>
+        <p:txBody>
+          <a:bodyPr rtlCol="0" anchor="ctr"/>
+          <a:lstStyle/>
+          <a:p>
+            <a:pPr algn="ctr"/>
+            <a:r>
+              <a:rPr lang="en-US" dirty="0"/>
+              <a:t>#1 Performance Signature for a specific build</a:t>
             </a:r>
           </a:p>
         </p:txBody>
       </p:sp>
       <p:sp>
         <p:nvSpPr>
-          <p:cNvPr id="3" name="Text Placeholder 2">
-            <a:extLst>
-              <a:ext uri="{FF2B5EF4-FFF2-40B4-BE49-F238E27FC236}">
-                <a16:creationId xmlns:a16="http://schemas.microsoft.com/office/drawing/2014/main" id="{426A670B-7389-8141-A935-E83B90EC8127}"/>
-              </a:ext>
-            </a:extLst>
-          </p:cNvPr>
-          <p:cNvSpPr>
-            <a:spLocks noGrp="1"/>
-          </p:cNvSpPr>
-          <p:nvPr>
-            <p:ph type="body" sz="quarter" idx="10"/>
-          </p:nvPr>
+          <p:cNvPr id="17" name="Arrow: Right 16">
+            <a:extLst>
+              <a:ext uri="{FF2B5EF4-FFF2-40B4-BE49-F238E27FC236}">
+                <a16:creationId xmlns:a16="http://schemas.microsoft.com/office/drawing/2014/main" id="{29F41A9D-602A-47A4-9BD4-3D78C93E4274}"/>
+              </a:ext>
+            </a:extLst>
+          </p:cNvPr>
+          <p:cNvSpPr/>
+          <p:nvPr/>
         </p:nvSpPr>
-        <p:spPr/>
+        <p:spPr>
+          <a:xfrm flipH="1">
+            <a:off x="7287436" y="2910323"/>
+            <a:ext cx="3758924" cy="564160"/>
+          </a:xfrm>
+          <a:prstGeom prst="rightArrow">
+            <a:avLst/>
+          </a:prstGeom>
+        </p:spPr>
+        <p:style>
+          <a:lnRef idx="2">
+            <a:schemeClr val="accent6">
+              <a:shade val="50000"/>
+            </a:schemeClr>
+          </a:lnRef>
+          <a:fillRef idx="1">
+            <a:schemeClr val="accent6"/>
+          </a:fillRef>
+          <a:effectRef idx="0">
+            <a:schemeClr val="accent6"/>
+          </a:effectRef>
+          <a:fontRef idx="minor">
+            <a:schemeClr val="lt1"/>
+          </a:fontRef>
+        </p:style>
         <p:txBody>
-          <a:bodyPr/>
+          <a:bodyPr rtlCol="0" anchor="ctr"/>
           <a:lstStyle/>
           <a:p>
-            <a:pPr algn="l"/>
+            <a:pPr algn="ctr"/>
             <a:r>
               <a:rPr lang="en-US" dirty="0"/>
-              <a:t>07_Performance_as_a_Self_Service</a:t>
-            </a:r>
-          </a:p>
-          <a:p>
-            <a:pPr marL="342900" indent="-342900" algn="l">
-              <a:buFontTx/>
-              <a:buChar char="-"/>
-            </a:pPr>
+              <a:t>#2 Details on Threshold Violations</a:t>
+            </a:r>
+          </a:p>
+        </p:txBody>
+      </p:sp>
+      <p:sp>
+        <p:nvSpPr>
+          <p:cNvPr id="18" name="Arrow: Right 17">
+            <a:extLst>
+              <a:ext uri="{FF2B5EF4-FFF2-40B4-BE49-F238E27FC236}">
+                <a16:creationId xmlns:a16="http://schemas.microsoft.com/office/drawing/2014/main" id="{C16F489F-F490-448A-8CE1-AC555AF099F1}"/>
+              </a:ext>
+            </a:extLst>
+          </p:cNvPr>
+          <p:cNvSpPr/>
+          <p:nvPr/>
+        </p:nvSpPr>
+        <p:spPr>
+          <a:xfrm flipH="1">
+            <a:off x="7594877" y="3552154"/>
+            <a:ext cx="3758924" cy="1047549"/>
+          </a:xfrm>
+          <a:prstGeom prst="rightArrow">
+            <a:avLst>
+              <a:gd name="adj1" fmla="val 50000"/>
+              <a:gd name="adj2" fmla="val 31581"/>
+            </a:avLst>
+          </a:prstGeom>
+        </p:spPr>
+        <p:style>
+          <a:lnRef idx="2">
+            <a:schemeClr val="accent6">
+              <a:shade val="50000"/>
+            </a:schemeClr>
+          </a:lnRef>
+          <a:fillRef idx="1">
+            <a:schemeClr val="accent6"/>
+          </a:fillRef>
+          <a:effectRef idx="0">
+            <a:schemeClr val="accent6"/>
+          </a:effectRef>
+          <a:fontRef idx="minor">
+            <a:schemeClr val="lt1"/>
+          </a:fontRef>
+        </p:style>
+        <p:txBody>
+          <a:bodyPr rtlCol="0" anchor="ctr"/>
+          <a:lstStyle/>
+          <a:p>
+            <a:pPr algn="ctr"/>
             <a:r>
               <a:rPr lang="en-US" dirty="0"/>
-              <a:t>06_Compare_Tests_in_Dynatrace</a:t>
+              <a:t>#3 Timeseries data for each metric for the duration of the load test</a:t>
+            </a:r>
+          </a:p>
+        </p:txBody>
+      </p:sp>
+      <p:sp>
+        <p:nvSpPr>
+          <p:cNvPr id="19" name="Arrow: Right 18">
+            <a:extLst>
+              <a:ext uri="{FF2B5EF4-FFF2-40B4-BE49-F238E27FC236}">
+                <a16:creationId xmlns:a16="http://schemas.microsoft.com/office/drawing/2014/main" id="{4473C029-C7A3-4988-B7B0-652462265814}"/>
+              </a:ext>
+            </a:extLst>
+          </p:cNvPr>
+          <p:cNvSpPr/>
+          <p:nvPr/>
+        </p:nvSpPr>
+        <p:spPr>
+          <a:xfrm>
+            <a:off x="5552485" y="2088830"/>
+            <a:ext cx="4084783" cy="564160"/>
+          </a:xfrm>
+          <a:prstGeom prst="rightArrow">
+            <a:avLst/>
+          </a:prstGeom>
+        </p:spPr>
+        <p:style>
+          <a:lnRef idx="2">
+            <a:schemeClr val="accent6">
+              <a:shade val="50000"/>
+            </a:schemeClr>
+          </a:lnRef>
+          <a:fillRef idx="1">
+            <a:schemeClr val="accent6"/>
+          </a:fillRef>
+          <a:effectRef idx="0">
+            <a:schemeClr val="accent6"/>
+          </a:effectRef>
+          <a:fontRef idx="minor">
+            <a:schemeClr val="lt1"/>
+          </a:fontRef>
+        </p:style>
+        <p:txBody>
+          <a:bodyPr rtlCol="0" anchor="ctr"/>
+          <a:lstStyle/>
+          <a:p>
+            <a:pPr algn="ctr"/>
+            <a:r>
+              <a:rPr lang="en-US" dirty="0"/>
+              <a:t>#5 Open Dynatrace for this timeframe</a:t>
+            </a:r>
+          </a:p>
+        </p:txBody>
+      </p:sp>
+      <p:sp>
+        <p:nvSpPr>
+          <p:cNvPr id="20" name="Arrow: Right 19">
+            <a:extLst>
+              <a:ext uri="{FF2B5EF4-FFF2-40B4-BE49-F238E27FC236}">
+                <a16:creationId xmlns:a16="http://schemas.microsoft.com/office/drawing/2014/main" id="{7C3DA601-F3D5-4706-A07A-C096A8D25D31}"/>
+              </a:ext>
+            </a:extLst>
+          </p:cNvPr>
+          <p:cNvSpPr/>
+          <p:nvPr/>
+        </p:nvSpPr>
+        <p:spPr>
+          <a:xfrm>
+            <a:off x="1165801" y="5363710"/>
+            <a:ext cx="3993160" cy="564160"/>
+          </a:xfrm>
+          <a:prstGeom prst="rightArrow">
+            <a:avLst/>
+          </a:prstGeom>
+        </p:spPr>
+        <p:style>
+          <a:lnRef idx="2">
+            <a:schemeClr val="accent6">
+              <a:shade val="50000"/>
+            </a:schemeClr>
+          </a:lnRef>
+          <a:fillRef idx="1">
+            <a:schemeClr val="accent6"/>
+          </a:fillRef>
+          <a:effectRef idx="0">
+            <a:schemeClr val="accent6"/>
+          </a:effectRef>
+          <a:fontRef idx="minor">
+            <a:schemeClr val="lt1"/>
+          </a:fontRef>
+        </p:style>
+        <p:txBody>
+          <a:bodyPr rtlCol="0" anchor="ctr"/>
+          <a:lstStyle/>
+          <a:p>
+            <a:pPr algn="ctr"/>
+            <a:r>
+              <a:rPr lang="en-US" dirty="0"/>
+              <a:t>#4 Compare with previous build</a:t>
             </a:r>
           </a:p>
         </p:txBody>
@@ -24000,7 +24107,7 @@
     </p:spTree>
     <p:extLst>
       <p:ext uri="{BB962C8B-B14F-4D97-AF65-F5344CB8AC3E}">
-        <p14:creationId xmlns:p14="http://schemas.microsoft.com/office/powerpoint/2010/main" val="3881182108"/>
+        <p14:creationId xmlns:p14="http://schemas.microsoft.com/office/powerpoint/2010/main" val="1936741742"/>
       </p:ext>
     </p:extLst>
   </p:cSld>
@@ -24029,10 +24136,10 @@
       </p:grpSpPr>
       <p:sp>
         <p:nvSpPr>
-          <p:cNvPr id="11" name="Title 10">
-            <a:extLst>
-              <a:ext uri="{FF2B5EF4-FFF2-40B4-BE49-F238E27FC236}">
-                <a16:creationId xmlns:a16="http://schemas.microsoft.com/office/drawing/2014/main" id="{0A7C911A-1DAD-E74D-8C63-964B200F480B}"/>
+          <p:cNvPr id="2" name="Title 1">
+            <a:extLst>
+              <a:ext uri="{FF2B5EF4-FFF2-40B4-BE49-F238E27FC236}">
+                <a16:creationId xmlns:a16="http://schemas.microsoft.com/office/drawing/2014/main" id="{FEB7B8B5-9CB9-2744-9900-F49931A59476}"/>
               </a:ext>
             </a:extLst>
           </p:cNvPr>
@@ -24043,12 +24150,7 @@
             <p:ph type="title"/>
           </p:nvPr>
         </p:nvSpPr>
-        <p:spPr>
-          <a:xfrm>
-            <a:off x="838199" y="365126"/>
-            <a:ext cx="9736657" cy="736844"/>
-          </a:xfrm>
-        </p:spPr>
+        <p:spPr/>
         <p:txBody>
           <a:bodyPr>
             <a:normAutofit/>
@@ -24057,140 +24159,46 @@
           <a:p>
             <a:r>
               <a:rPr lang="en-US" dirty="0"/>
-              <a:t>What is the difference between these builds?</a:t>
-            </a:r>
-          </a:p>
-        </p:txBody>
-      </p:sp>
-      <p:pic>
-        <p:nvPicPr>
-          <p:cNvPr id="9" name="Picture 8">
-            <a:extLst>
-              <a:ext uri="{FF2B5EF4-FFF2-40B4-BE49-F238E27FC236}">
-                <a16:creationId xmlns:a16="http://schemas.microsoft.com/office/drawing/2014/main" id="{8E03E2C4-BF8F-4C4E-94B9-A8EFFF5923DD}"/>
-              </a:ext>
-            </a:extLst>
-          </p:cNvPr>
-          <p:cNvPicPr>
-            <a:picLocks noChangeAspect="1"/>
-          </p:cNvPicPr>
-          <p:nvPr/>
-        </p:nvPicPr>
-        <p:blipFill rotWithShape="1">
-          <a:blip r:embed="rId2">
-            <a:extLst>
-              <a:ext uri="{28A0092B-C50C-407E-A947-70E740481C1C}">
-                <a14:useLocalDpi xmlns:a14="http://schemas.microsoft.com/office/drawing/2010/main" val="0"/>
-              </a:ext>
-            </a:extLst>
-          </a:blip>
-          <a:srcRect b="13403"/>
-          <a:stretch/>
-        </p:blipFill>
-        <p:spPr>
-          <a:xfrm>
-            <a:off x="966000" y="1610555"/>
-            <a:ext cx="10260000" cy="5247445"/>
-          </a:xfrm>
-          <a:prstGeom prst="rect">
-            <a:avLst/>
-          </a:prstGeom>
-        </p:spPr>
-      </p:pic>
-      <p:sp>
-        <p:nvSpPr>
-          <p:cNvPr id="10" name="Arrow: Right 9">
-            <a:extLst>
-              <a:ext uri="{FF2B5EF4-FFF2-40B4-BE49-F238E27FC236}">
-                <a16:creationId xmlns:a16="http://schemas.microsoft.com/office/drawing/2014/main" id="{7643CA5E-98D7-4DD3-9F11-83A4A265C77B}"/>
-              </a:ext>
-            </a:extLst>
-          </p:cNvPr>
-          <p:cNvSpPr/>
-          <p:nvPr/>
-        </p:nvSpPr>
-        <p:spPr>
-          <a:xfrm>
-            <a:off x="5094524" y="1335970"/>
-            <a:ext cx="4051227" cy="663299"/>
-          </a:xfrm>
-          <a:prstGeom prst="rightArrow">
-            <a:avLst/>
-          </a:prstGeom>
-        </p:spPr>
-        <p:style>
-          <a:lnRef idx="2">
-            <a:schemeClr val="accent6">
-              <a:shade val="50000"/>
-            </a:schemeClr>
-          </a:lnRef>
-          <a:fillRef idx="1">
-            <a:schemeClr val="accent6"/>
-          </a:fillRef>
-          <a:effectRef idx="0">
-            <a:schemeClr val="accent6"/>
-          </a:effectRef>
-          <a:fontRef idx="minor">
-            <a:schemeClr val="lt1"/>
-          </a:fontRef>
-        </p:style>
-        <p:txBody>
-          <a:bodyPr rtlCol="0" anchor="ctr"/>
-          <a:lstStyle/>
-          <a:p>
-            <a:pPr algn="ctr"/>
-            <a:r>
-              <a:rPr lang="en-US" dirty="0"/>
-              <a:t>#1 Opened up the correct timeframe</a:t>
+              <a:t>Lab: Analyze the Results in Dynatrace</a:t>
             </a:r>
           </a:p>
         </p:txBody>
       </p:sp>
       <p:sp>
         <p:nvSpPr>
-          <p:cNvPr id="12" name="Arrow: Right 11">
-            <a:extLst>
-              <a:ext uri="{FF2B5EF4-FFF2-40B4-BE49-F238E27FC236}">
-                <a16:creationId xmlns:a16="http://schemas.microsoft.com/office/drawing/2014/main" id="{DC4C2DC2-EB63-48F9-A2AB-1D34DDFC1EB6}"/>
-              </a:ext>
-            </a:extLst>
-          </p:cNvPr>
-          <p:cNvSpPr/>
-          <p:nvPr/>
+          <p:cNvPr id="3" name="Text Placeholder 2">
+            <a:extLst>
+              <a:ext uri="{FF2B5EF4-FFF2-40B4-BE49-F238E27FC236}">
+                <a16:creationId xmlns:a16="http://schemas.microsoft.com/office/drawing/2014/main" id="{426A670B-7389-8141-A935-E83B90EC8127}"/>
+              </a:ext>
+            </a:extLst>
+          </p:cNvPr>
+          <p:cNvSpPr>
+            <a:spLocks noGrp="1"/>
+          </p:cNvSpPr>
+          <p:nvPr>
+            <p:ph type="body" sz="quarter" idx="10"/>
+          </p:nvPr>
         </p:nvSpPr>
-        <p:spPr>
-          <a:xfrm flipH="1">
-            <a:off x="6746264" y="3276806"/>
-            <a:ext cx="3716323" cy="1123296"/>
-          </a:xfrm>
-          <a:prstGeom prst="rightArrow">
-            <a:avLst/>
-          </a:prstGeom>
-        </p:spPr>
-        <p:style>
-          <a:lnRef idx="2">
-            <a:schemeClr val="accent6">
-              <a:shade val="50000"/>
-            </a:schemeClr>
-          </a:lnRef>
-          <a:fillRef idx="1">
-            <a:schemeClr val="accent6"/>
-          </a:fillRef>
-          <a:effectRef idx="0">
-            <a:schemeClr val="accent6"/>
-          </a:effectRef>
-          <a:fontRef idx="minor">
-            <a:schemeClr val="lt1"/>
-          </a:fontRef>
-        </p:style>
+        <p:spPr/>
         <p:txBody>
-          <a:bodyPr rtlCol="0" anchor="ctr"/>
+          <a:bodyPr/>
           <a:lstStyle/>
           <a:p>
-            <a:pPr algn="ctr"/>
+            <a:pPr algn="l"/>
             <a:r>
               <a:rPr lang="en-US" dirty="0"/>
-              <a:t>#2 Showing all requests in the complete environment by default</a:t>
+              <a:t>07_Performance_as_a_Self_Service</a:t>
+            </a:r>
+          </a:p>
+          <a:p>
+            <a:pPr marL="342900" indent="-342900" algn="l">
+              <a:buFontTx/>
+              <a:buChar char="-"/>
+            </a:pPr>
+            <a:r>
+              <a:rPr lang="en-US" dirty="0"/>
+              <a:t>06_Compare_Tests_in_Dynatrace</a:t>
             </a:r>
           </a:p>
         </p:txBody>
@@ -24198,7 +24206,7 @@
     </p:spTree>
     <p:extLst>
       <p:ext uri="{BB962C8B-B14F-4D97-AF65-F5344CB8AC3E}">
-        <p14:creationId xmlns:p14="http://schemas.microsoft.com/office/powerpoint/2010/main" val="1913853431"/>
+        <p14:creationId xmlns:p14="http://schemas.microsoft.com/office/powerpoint/2010/main" val="3881182108"/>
       </p:ext>
     </p:extLst>
   </p:cSld>
@@ -24225,36 +24233,6 @@
           <a:chExt cx="0" cy="0"/>
         </a:xfrm>
       </p:grpSpPr>
-      <p:pic>
-        <p:nvPicPr>
-          <p:cNvPr id="6" name="Picture 5">
-            <a:extLst>
-              <a:ext uri="{FF2B5EF4-FFF2-40B4-BE49-F238E27FC236}">
-                <a16:creationId xmlns:a16="http://schemas.microsoft.com/office/drawing/2014/main" id="{A5651006-8AFC-4BAC-B498-A1B8D601188E}"/>
-              </a:ext>
-            </a:extLst>
-          </p:cNvPr>
-          <p:cNvPicPr>
-            <a:picLocks noChangeAspect="1"/>
-          </p:cNvPicPr>
-          <p:nvPr/>
-        </p:nvPicPr>
-        <p:blipFill>
-          <a:blip r:embed="rId2"/>
-          <a:stretch>
-            <a:fillRect/>
-          </a:stretch>
-        </p:blipFill>
-        <p:spPr>
-          <a:xfrm>
-            <a:off x="966000" y="1702230"/>
-            <a:ext cx="10260000" cy="5163977"/>
-          </a:xfrm>
-          <a:prstGeom prst="rect">
-            <a:avLst/>
-          </a:prstGeom>
-        </p:spPr>
-      </p:pic>
       <p:sp>
         <p:nvSpPr>
           <p:cNvPr id="11" name="Title 10">
@@ -24290,12 +24268,47 @@
           </a:p>
         </p:txBody>
       </p:sp>
+      <p:pic>
+        <p:nvPicPr>
+          <p:cNvPr id="9" name="Picture 8">
+            <a:extLst>
+              <a:ext uri="{FF2B5EF4-FFF2-40B4-BE49-F238E27FC236}">
+                <a16:creationId xmlns:a16="http://schemas.microsoft.com/office/drawing/2014/main" id="{8E03E2C4-BF8F-4C4E-94B9-A8EFFF5923DD}"/>
+              </a:ext>
+            </a:extLst>
+          </p:cNvPr>
+          <p:cNvPicPr>
+            <a:picLocks noChangeAspect="1"/>
+          </p:cNvPicPr>
+          <p:nvPr/>
+        </p:nvPicPr>
+        <p:blipFill rotWithShape="1">
+          <a:blip r:embed="rId2">
+            <a:extLst>
+              <a:ext uri="{28A0092B-C50C-407E-A947-70E740481C1C}">
+                <a14:useLocalDpi xmlns:a14="http://schemas.microsoft.com/office/drawing/2010/main" val="0"/>
+              </a:ext>
+            </a:extLst>
+          </a:blip>
+          <a:srcRect b="13403"/>
+          <a:stretch/>
+        </p:blipFill>
+        <p:spPr>
+          <a:xfrm>
+            <a:off x="966000" y="1610555"/>
+            <a:ext cx="10260000" cy="5247445"/>
+          </a:xfrm>
+          <a:prstGeom prst="rect">
+            <a:avLst/>
+          </a:prstGeom>
+        </p:spPr>
+      </p:pic>
       <p:sp>
         <p:nvSpPr>
-          <p:cNvPr id="7" name="Arrow: Right 6">
-            <a:extLst>
-              <a:ext uri="{FF2B5EF4-FFF2-40B4-BE49-F238E27FC236}">
-                <a16:creationId xmlns:a16="http://schemas.microsoft.com/office/drawing/2014/main" id="{A1D9A819-3C9B-4455-B4E0-2BBF3992A3DF}"/>
+          <p:cNvPr id="10" name="Arrow: Right 9">
+            <a:extLst>
+              <a:ext uri="{FF2B5EF4-FFF2-40B4-BE49-F238E27FC236}">
+                <a16:creationId xmlns:a16="http://schemas.microsoft.com/office/drawing/2014/main" id="{7643CA5E-98D7-4DD3-9F11-83A4A265C77B}"/>
               </a:ext>
             </a:extLst>
           </p:cNvPr>
@@ -24303,9 +24316,9 @@
           <p:nvPr/>
         </p:nvSpPr>
         <p:spPr>
-          <a:xfrm flipH="1">
-            <a:off x="3265330" y="2426265"/>
-            <a:ext cx="4882394" cy="780176"/>
+          <a:xfrm>
+            <a:off x="5094524" y="1335970"/>
+            <a:ext cx="4051227" cy="663299"/>
           </a:xfrm>
           <a:prstGeom prst="rightArrow">
             <a:avLst/>
@@ -24334,17 +24347,17 @@
             <a:pPr algn="ctr"/>
             <a:r>
               <a:rPr lang="en-US" dirty="0"/>
-              <a:t>#1 filter on Load Testing requests</a:t>
+              <a:t>#1 Opened up the correct timeframe</a:t>
             </a:r>
           </a:p>
         </p:txBody>
       </p:sp>
       <p:sp>
         <p:nvSpPr>
-          <p:cNvPr id="8" name="Arrow: Right 7">
-            <a:extLst>
-              <a:ext uri="{FF2B5EF4-FFF2-40B4-BE49-F238E27FC236}">
-                <a16:creationId xmlns:a16="http://schemas.microsoft.com/office/drawing/2014/main" id="{BF419F60-0580-4D73-B4B9-A773AEE67CC2}"/>
+          <p:cNvPr id="12" name="Arrow: Right 11">
+            <a:extLst>
+              <a:ext uri="{FF2B5EF4-FFF2-40B4-BE49-F238E27FC236}">
+                <a16:creationId xmlns:a16="http://schemas.microsoft.com/office/drawing/2014/main" id="{DC4C2DC2-EB63-48F9-A2AB-1D34DDFC1EB6}"/>
               </a:ext>
             </a:extLst>
           </p:cNvPr>
@@ -24352,9 +24365,9 @@
           <p:nvPr/>
         </p:nvSpPr>
         <p:spPr>
-          <a:xfrm>
-            <a:off x="481124" y="4131346"/>
-            <a:ext cx="4469934" cy="780176"/>
+          <a:xfrm flipH="1">
+            <a:off x="6746264" y="3276806"/>
+            <a:ext cx="3716323" cy="1123296"/>
           </a:xfrm>
           <a:prstGeom prst="rightArrow">
             <a:avLst/>
@@ -24383,56 +24396,7 @@
             <a:pPr algn="ctr"/>
             <a:r>
               <a:rPr lang="en-US" dirty="0"/>
-              <a:t>#2 Select the timeframe of a “good build”</a:t>
-            </a:r>
-          </a:p>
-        </p:txBody>
-      </p:sp>
-      <p:sp>
-        <p:nvSpPr>
-          <p:cNvPr id="13" name="Arrow: Right 12">
-            <a:extLst>
-              <a:ext uri="{FF2B5EF4-FFF2-40B4-BE49-F238E27FC236}">
-                <a16:creationId xmlns:a16="http://schemas.microsoft.com/office/drawing/2014/main" id="{FD707F77-1C8C-4A7E-A15D-A98550D74C7A}"/>
-              </a:ext>
-            </a:extLst>
-          </p:cNvPr>
-          <p:cNvSpPr/>
-          <p:nvPr/>
-        </p:nvSpPr>
-        <p:spPr>
-          <a:xfrm>
-            <a:off x="5313494" y="3755888"/>
-            <a:ext cx="4436378" cy="780176"/>
-          </a:xfrm>
-          <a:prstGeom prst="rightArrow">
-            <a:avLst/>
-          </a:prstGeom>
-        </p:spPr>
-        <p:style>
-          <a:lnRef idx="2">
-            <a:schemeClr val="accent6">
-              <a:shade val="50000"/>
-            </a:schemeClr>
-          </a:lnRef>
-          <a:fillRef idx="1">
-            <a:schemeClr val="accent6"/>
-          </a:fillRef>
-          <a:effectRef idx="0">
-            <a:schemeClr val="accent6"/>
-          </a:effectRef>
-          <a:fontRef idx="minor">
-            <a:schemeClr val="lt1"/>
-          </a:fontRef>
-        </p:style>
-        <p:txBody>
-          <a:bodyPr rtlCol="0" anchor="ctr"/>
-          <a:lstStyle/>
-          <a:p>
-            <a:pPr algn="ctr"/>
-            <a:r>
-              <a:rPr lang="en-US" dirty="0"/>
-              <a:t>#3 now lets compare it with a “bad build”</a:t>
+              <a:t>#2 Showing all requests in the complete environment by default</a:t>
             </a:r>
           </a:p>
         </p:txBody>
@@ -24440,7 +24404,7 @@
     </p:spTree>
     <p:extLst>
       <p:ext uri="{BB962C8B-B14F-4D97-AF65-F5344CB8AC3E}">
-        <p14:creationId xmlns:p14="http://schemas.microsoft.com/office/powerpoint/2010/main" val="297735751"/>
+        <p14:creationId xmlns:p14="http://schemas.microsoft.com/office/powerpoint/2010/main" val="1913853431"/>
       </p:ext>
     </p:extLst>
   </p:cSld>
@@ -24469,10 +24433,10 @@
       </p:grpSpPr>
       <p:pic>
         <p:nvPicPr>
-          <p:cNvPr id="9" name="Picture 8">
-            <a:extLst>
-              <a:ext uri="{FF2B5EF4-FFF2-40B4-BE49-F238E27FC236}">
-                <a16:creationId xmlns:a16="http://schemas.microsoft.com/office/drawing/2014/main" id="{F4939A54-D51D-4BA2-872E-13FE20C2C9B8}"/>
+          <p:cNvPr id="6" name="Picture 5">
+            <a:extLst>
+              <a:ext uri="{FF2B5EF4-FFF2-40B4-BE49-F238E27FC236}">
+                <a16:creationId xmlns:a16="http://schemas.microsoft.com/office/drawing/2014/main" id="{A5651006-8AFC-4BAC-B498-A1B8D601188E}"/>
               </a:ext>
             </a:extLst>
           </p:cNvPr>
@@ -24489,8 +24453,8 @@
         </p:blipFill>
         <p:spPr>
           <a:xfrm>
-            <a:off x="966000" y="1526797"/>
-            <a:ext cx="10260000" cy="5358675"/>
+            <a:off x="966000" y="1702230"/>
+            <a:ext cx="10260000" cy="5163977"/>
           </a:xfrm>
           <a:prstGeom prst="rect">
             <a:avLst/>
@@ -24534,10 +24498,10 @@
       </p:sp>
       <p:sp>
         <p:nvSpPr>
-          <p:cNvPr id="10" name="Arrow: Right 9">
-            <a:extLst>
-              <a:ext uri="{FF2B5EF4-FFF2-40B4-BE49-F238E27FC236}">
-                <a16:creationId xmlns:a16="http://schemas.microsoft.com/office/drawing/2014/main" id="{B2D37623-55ED-40B2-A375-44DB18A83B94}"/>
+          <p:cNvPr id="7" name="Arrow: Right 6">
+            <a:extLst>
+              <a:ext uri="{FF2B5EF4-FFF2-40B4-BE49-F238E27FC236}">
+                <a16:creationId xmlns:a16="http://schemas.microsoft.com/office/drawing/2014/main" id="{A1D9A819-3C9B-4455-B4E0-2BBF3992A3DF}"/>
               </a:ext>
             </a:extLst>
           </p:cNvPr>
@@ -24546,8 +24510,8 @@
         </p:nvSpPr>
         <p:spPr>
           <a:xfrm flipH="1">
-            <a:off x="6367445" y="2056041"/>
-            <a:ext cx="4538445" cy="780176"/>
+            <a:off x="3265330" y="2426265"/>
+            <a:ext cx="4882394" cy="780176"/>
           </a:xfrm>
           <a:prstGeom prst="rightArrow">
             <a:avLst/>
@@ -24576,17 +24540,17 @@
             <a:pPr algn="ctr"/>
             <a:r>
               <a:rPr lang="en-US" dirty="0"/>
-              <a:t>#1 Select the timeframe of the “bad build”</a:t>
+              <a:t>#1 filter on Load Testing requests</a:t>
             </a:r>
           </a:p>
         </p:txBody>
       </p:sp>
       <p:sp>
         <p:nvSpPr>
-          <p:cNvPr id="12" name="Arrow: Right 11">
-            <a:extLst>
-              <a:ext uri="{FF2B5EF4-FFF2-40B4-BE49-F238E27FC236}">
-                <a16:creationId xmlns:a16="http://schemas.microsoft.com/office/drawing/2014/main" id="{6BA133B2-ED4F-4C09-B1B3-25FEC5FAE310}"/>
+          <p:cNvPr id="8" name="Arrow: Right 7">
+            <a:extLst>
+              <a:ext uri="{FF2B5EF4-FFF2-40B4-BE49-F238E27FC236}">
+                <a16:creationId xmlns:a16="http://schemas.microsoft.com/office/drawing/2014/main" id="{BF419F60-0580-4D73-B4B9-A773AEE67CC2}"/>
               </a:ext>
             </a:extLst>
           </p:cNvPr>
@@ -24594,9 +24558,9 @@
           <p:nvPr/>
         </p:nvSpPr>
         <p:spPr>
-          <a:xfrm flipH="1">
-            <a:off x="7304516" y="5992145"/>
-            <a:ext cx="4050485" cy="780176"/>
+          <a:xfrm>
+            <a:off x="481124" y="4131346"/>
+            <a:ext cx="4469934" cy="780176"/>
           </a:xfrm>
           <a:prstGeom prst="rightArrow">
             <a:avLst/>
@@ -24625,7 +24589,56 @@
             <a:pPr algn="ctr"/>
             <a:r>
               <a:rPr lang="en-US" dirty="0"/>
-              <a:t>#2 Compare response time hotspots</a:t>
+              <a:t>#2 Select the timeframe of a “good build”</a:t>
+            </a:r>
+          </a:p>
+        </p:txBody>
+      </p:sp>
+      <p:sp>
+        <p:nvSpPr>
+          <p:cNvPr id="13" name="Arrow: Right 12">
+            <a:extLst>
+              <a:ext uri="{FF2B5EF4-FFF2-40B4-BE49-F238E27FC236}">
+                <a16:creationId xmlns:a16="http://schemas.microsoft.com/office/drawing/2014/main" id="{FD707F77-1C8C-4A7E-A15D-A98550D74C7A}"/>
+              </a:ext>
+            </a:extLst>
+          </p:cNvPr>
+          <p:cNvSpPr/>
+          <p:nvPr/>
+        </p:nvSpPr>
+        <p:spPr>
+          <a:xfrm>
+            <a:off x="5313494" y="3755888"/>
+            <a:ext cx="4436378" cy="780176"/>
+          </a:xfrm>
+          <a:prstGeom prst="rightArrow">
+            <a:avLst/>
+          </a:prstGeom>
+        </p:spPr>
+        <p:style>
+          <a:lnRef idx="2">
+            <a:schemeClr val="accent6">
+              <a:shade val="50000"/>
+            </a:schemeClr>
+          </a:lnRef>
+          <a:fillRef idx="1">
+            <a:schemeClr val="accent6"/>
+          </a:fillRef>
+          <a:effectRef idx="0">
+            <a:schemeClr val="accent6"/>
+          </a:effectRef>
+          <a:fontRef idx="minor">
+            <a:schemeClr val="lt1"/>
+          </a:fontRef>
+        </p:style>
+        <p:txBody>
+          <a:bodyPr rtlCol="0" anchor="ctr"/>
+          <a:lstStyle/>
+          <a:p>
+            <a:pPr algn="ctr"/>
+            <a:r>
+              <a:rPr lang="en-US" dirty="0"/>
+              <a:t>#3 now lets compare it with a “bad build”</a:t>
             </a:r>
           </a:p>
         </p:txBody>
@@ -24633,7 +24646,7 @@
     </p:spTree>
     <p:extLst>
       <p:ext uri="{BB962C8B-B14F-4D97-AF65-F5344CB8AC3E}">
-        <p14:creationId xmlns:p14="http://schemas.microsoft.com/office/powerpoint/2010/main" val="3634913114"/>
+        <p14:creationId xmlns:p14="http://schemas.microsoft.com/office/powerpoint/2010/main" val="297735751"/>
       </p:ext>
     </p:extLst>
   </p:cSld>
@@ -24662,10 +24675,10 @@
       </p:grpSpPr>
       <p:pic>
         <p:nvPicPr>
-          <p:cNvPr id="6" name="Picture 5">
-            <a:extLst>
-              <a:ext uri="{FF2B5EF4-FFF2-40B4-BE49-F238E27FC236}">
-                <a16:creationId xmlns:a16="http://schemas.microsoft.com/office/drawing/2014/main" id="{B91B7F13-FF19-4F83-9EB2-A009908E93F2}"/>
+          <p:cNvPr id="9" name="Picture 8">
+            <a:extLst>
+              <a:ext uri="{FF2B5EF4-FFF2-40B4-BE49-F238E27FC236}">
+                <a16:creationId xmlns:a16="http://schemas.microsoft.com/office/drawing/2014/main" id="{F4939A54-D51D-4BA2-872E-13FE20C2C9B8}"/>
               </a:ext>
             </a:extLst>
           </p:cNvPr>
@@ -24682,8 +24695,8 @@
         </p:blipFill>
         <p:spPr>
           <a:xfrm>
-            <a:off x="966000" y="1192096"/>
-            <a:ext cx="10260000" cy="5671139"/>
+            <a:off x="966000" y="1526797"/>
+            <a:ext cx="10260000" cy="5358675"/>
           </a:xfrm>
           <a:prstGeom prst="rect">
             <a:avLst/>
@@ -24727,10 +24740,10 @@
       </p:sp>
       <p:sp>
         <p:nvSpPr>
-          <p:cNvPr id="7" name="Arrow: Right 6">
-            <a:extLst>
-              <a:ext uri="{FF2B5EF4-FFF2-40B4-BE49-F238E27FC236}">
-                <a16:creationId xmlns:a16="http://schemas.microsoft.com/office/drawing/2014/main" id="{B93CAA9C-3CEF-4D11-B12E-4EEABFB96DFC}"/>
+          <p:cNvPr id="10" name="Arrow: Right 9">
+            <a:extLst>
+              <a:ext uri="{FF2B5EF4-FFF2-40B4-BE49-F238E27FC236}">
+                <a16:creationId xmlns:a16="http://schemas.microsoft.com/office/drawing/2014/main" id="{B2D37623-55ED-40B2-A375-44DB18A83B94}"/>
               </a:ext>
             </a:extLst>
           </p:cNvPr>
@@ -24738,9 +24751,9 @@
           <p:nvPr/>
         </p:nvSpPr>
         <p:spPr>
-          <a:xfrm rot="21058534" flipH="1">
-            <a:off x="7541702" y="1926495"/>
-            <a:ext cx="4194496" cy="780176"/>
+          <a:xfrm flipH="1">
+            <a:off x="6367445" y="2056041"/>
+            <a:ext cx="4538445" cy="780176"/>
           </a:xfrm>
           <a:prstGeom prst="rightArrow">
             <a:avLst/>
@@ -24769,17 +24782,17 @@
             <a:pPr algn="ctr"/>
             <a:r>
               <a:rPr lang="en-US" dirty="0"/>
-              <a:t>#1 Top Differences between these Builds</a:t>
+              <a:t>#1 Select the timeframe of the “bad build”</a:t>
             </a:r>
           </a:p>
         </p:txBody>
       </p:sp>
       <p:sp>
         <p:nvSpPr>
-          <p:cNvPr id="8" name="Arrow: Right 7">
-            <a:extLst>
-              <a:ext uri="{FF2B5EF4-FFF2-40B4-BE49-F238E27FC236}">
-                <a16:creationId xmlns:a16="http://schemas.microsoft.com/office/drawing/2014/main" id="{2C659E46-CB94-4A3B-9935-850FE40628C9}"/>
+          <p:cNvPr id="12" name="Arrow: Right 11">
+            <a:extLst>
+              <a:ext uri="{FF2B5EF4-FFF2-40B4-BE49-F238E27FC236}">
+                <a16:creationId xmlns:a16="http://schemas.microsoft.com/office/drawing/2014/main" id="{6BA133B2-ED4F-4C09-B1B3-25FEC5FAE310}"/>
               </a:ext>
             </a:extLst>
           </p:cNvPr>
@@ -24788,8 +24801,8 @@
         </p:nvSpPr>
         <p:spPr>
           <a:xfrm flipH="1">
-            <a:off x="6409187" y="4755196"/>
-            <a:ext cx="3808603" cy="780176"/>
+            <a:off x="7304516" y="5992145"/>
+            <a:ext cx="4050485" cy="780176"/>
           </a:xfrm>
           <a:prstGeom prst="rightArrow">
             <a:avLst/>
@@ -24818,56 +24831,7 @@
             <a:pPr algn="ctr"/>
             <a:r>
               <a:rPr lang="en-US" dirty="0"/>
-              <a:t>#2 Execution Time Breakdown</a:t>
-            </a:r>
-          </a:p>
-        </p:txBody>
-      </p:sp>
-      <p:sp>
-        <p:nvSpPr>
-          <p:cNvPr id="13" name="Arrow: Right 12">
-            <a:extLst>
-              <a:ext uri="{FF2B5EF4-FFF2-40B4-BE49-F238E27FC236}">
-                <a16:creationId xmlns:a16="http://schemas.microsoft.com/office/drawing/2014/main" id="{A75D867D-ACC4-48B4-87D4-E352F17B7ECA}"/>
-              </a:ext>
-            </a:extLst>
-          </p:cNvPr>
-          <p:cNvSpPr/>
-          <p:nvPr/>
-        </p:nvSpPr>
-        <p:spPr>
-          <a:xfrm flipH="1">
-            <a:off x="2377909" y="6227297"/>
-            <a:ext cx="4538445" cy="780176"/>
-          </a:xfrm>
-          <a:prstGeom prst="rightArrow">
-            <a:avLst/>
-          </a:prstGeom>
-        </p:spPr>
-        <p:style>
-          <a:lnRef idx="2">
-            <a:schemeClr val="accent6">
-              <a:shade val="50000"/>
-            </a:schemeClr>
-          </a:lnRef>
-          <a:fillRef idx="1">
-            <a:schemeClr val="accent6"/>
-          </a:fillRef>
-          <a:effectRef idx="0">
-            <a:schemeClr val="accent6"/>
-          </a:effectRef>
-          <a:fontRef idx="minor">
-            <a:schemeClr val="lt1"/>
-          </a:fontRef>
-        </p:style>
-        <p:txBody>
-          <a:bodyPr rtlCol="0" anchor="ctr"/>
-          <a:lstStyle/>
-          <a:p>
-            <a:pPr algn="ctr"/>
-            <a:r>
-              <a:rPr lang="en-US" dirty="0"/>
-              <a:t>#3 Lets see the methods that contribute</a:t>
+              <a:t>#2 Compare response time hotspots</a:t>
             </a:r>
           </a:p>
         </p:txBody>
@@ -24875,7 +24839,7 @@
     </p:spTree>
     <p:extLst>
       <p:ext uri="{BB962C8B-B14F-4D97-AF65-F5344CB8AC3E}">
-        <p14:creationId xmlns:p14="http://schemas.microsoft.com/office/powerpoint/2010/main" val="316912335"/>
+        <p14:creationId xmlns:p14="http://schemas.microsoft.com/office/powerpoint/2010/main" val="3634913114"/>
       </p:ext>
     </p:extLst>
   </p:cSld>
@@ -25057,47 +25021,12 @@
           <a:chExt cx="0" cy="0"/>
         </a:xfrm>
       </p:grpSpPr>
-      <p:sp>
-        <p:nvSpPr>
-          <p:cNvPr id="11" name="Title 10">
-            <a:extLst>
-              <a:ext uri="{FF2B5EF4-FFF2-40B4-BE49-F238E27FC236}">
-                <a16:creationId xmlns:a16="http://schemas.microsoft.com/office/drawing/2014/main" id="{0A7C911A-1DAD-E74D-8C63-964B200F480B}"/>
-              </a:ext>
-            </a:extLst>
-          </p:cNvPr>
-          <p:cNvSpPr>
-            <a:spLocks noGrp="1"/>
-          </p:cNvSpPr>
-          <p:nvPr>
-            <p:ph type="title"/>
-          </p:nvPr>
-        </p:nvSpPr>
-        <p:spPr>
-          <a:xfrm>
-            <a:off x="838199" y="365126"/>
-            <a:ext cx="9736657" cy="736844"/>
-          </a:xfrm>
-        </p:spPr>
-        <p:txBody>
-          <a:bodyPr>
-            <a:normAutofit/>
-          </a:bodyPr>
-          <a:lstStyle/>
-          <a:p>
-            <a:r>
-              <a:rPr lang="en-US" dirty="0"/>
-              <a:t>What is the difference between these builds?</a:t>
-            </a:r>
-          </a:p>
-        </p:txBody>
-      </p:sp>
       <p:pic>
         <p:nvPicPr>
-          <p:cNvPr id="9" name="Picture 8">
-            <a:extLst>
-              <a:ext uri="{FF2B5EF4-FFF2-40B4-BE49-F238E27FC236}">
-                <a16:creationId xmlns:a16="http://schemas.microsoft.com/office/drawing/2014/main" id="{D7B85E1B-71D2-4C14-8DDA-E96BC9FF0030}"/>
+          <p:cNvPr id="6" name="Picture 5">
+            <a:extLst>
+              <a:ext uri="{FF2B5EF4-FFF2-40B4-BE49-F238E27FC236}">
+                <a16:creationId xmlns:a16="http://schemas.microsoft.com/office/drawing/2014/main" id="{B91B7F13-FF19-4F83-9EB2-A009908E93F2}"/>
               </a:ext>
             </a:extLst>
           </p:cNvPr>
@@ -25114,8 +25043,8 @@
         </p:blipFill>
         <p:spPr>
           <a:xfrm>
-            <a:off x="856363" y="-1034716"/>
-            <a:ext cx="10479273" cy="9229626"/>
+            <a:off x="966000" y="1192096"/>
+            <a:ext cx="10260000" cy="5671139"/>
           </a:xfrm>
           <a:prstGeom prst="rect">
             <a:avLst/>
@@ -25124,10 +25053,45 @@
       </p:pic>
       <p:sp>
         <p:nvSpPr>
-          <p:cNvPr id="10" name="Arrow: Right 9">
-            <a:extLst>
-              <a:ext uri="{FF2B5EF4-FFF2-40B4-BE49-F238E27FC236}">
-                <a16:creationId xmlns:a16="http://schemas.microsoft.com/office/drawing/2014/main" id="{A9CACD58-7E3D-41CC-A2E2-9387D72C139E}"/>
+          <p:cNvPr id="11" name="Title 10">
+            <a:extLst>
+              <a:ext uri="{FF2B5EF4-FFF2-40B4-BE49-F238E27FC236}">
+                <a16:creationId xmlns:a16="http://schemas.microsoft.com/office/drawing/2014/main" id="{0A7C911A-1DAD-E74D-8C63-964B200F480B}"/>
+              </a:ext>
+            </a:extLst>
+          </p:cNvPr>
+          <p:cNvSpPr>
+            <a:spLocks noGrp="1"/>
+          </p:cNvSpPr>
+          <p:nvPr>
+            <p:ph type="title"/>
+          </p:nvPr>
+        </p:nvSpPr>
+        <p:spPr>
+          <a:xfrm>
+            <a:off x="838199" y="365126"/>
+            <a:ext cx="9736657" cy="736844"/>
+          </a:xfrm>
+        </p:spPr>
+        <p:txBody>
+          <a:bodyPr>
+            <a:normAutofit/>
+          </a:bodyPr>
+          <a:lstStyle/>
+          <a:p>
+            <a:r>
+              <a:rPr lang="en-US" dirty="0"/>
+              <a:t>What is the difference between these builds?</a:t>
+            </a:r>
+          </a:p>
+        </p:txBody>
+      </p:sp>
+      <p:sp>
+        <p:nvSpPr>
+          <p:cNvPr id="7" name="Arrow: Right 6">
+            <a:extLst>
+              <a:ext uri="{FF2B5EF4-FFF2-40B4-BE49-F238E27FC236}">
+                <a16:creationId xmlns:a16="http://schemas.microsoft.com/office/drawing/2014/main" id="{B93CAA9C-3CEF-4D11-B12E-4EEABFB96DFC}"/>
               </a:ext>
             </a:extLst>
           </p:cNvPr>
@@ -25135,9 +25099,9 @@
           <p:nvPr/>
         </p:nvSpPr>
         <p:spPr>
-          <a:xfrm flipH="1">
-            <a:off x="2787681" y="3501189"/>
-            <a:ext cx="3011539" cy="780176"/>
+          <a:xfrm rot="21058534" flipH="1">
+            <a:off x="7541702" y="1926495"/>
+            <a:ext cx="4194496" cy="780176"/>
           </a:xfrm>
           <a:prstGeom prst="rightArrow">
             <a:avLst/>
@@ -25166,17 +25130,17 @@
             <a:pPr algn="ctr"/>
             <a:r>
               <a:rPr lang="en-US" dirty="0"/>
-              <a:t>#1 Top Method is sleep</a:t>
+              <a:t>#1 Top Differences between these Builds</a:t>
             </a:r>
           </a:p>
         </p:txBody>
       </p:sp>
       <p:sp>
         <p:nvSpPr>
-          <p:cNvPr id="12" name="Arrow: Right 11">
-            <a:extLst>
-              <a:ext uri="{FF2B5EF4-FFF2-40B4-BE49-F238E27FC236}">
-                <a16:creationId xmlns:a16="http://schemas.microsoft.com/office/drawing/2014/main" id="{06542EC7-B3CD-4EE9-895E-ED4FBBA4D8B8}"/>
+          <p:cNvPr id="8" name="Arrow: Right 7">
+            <a:extLst>
+              <a:ext uri="{FF2B5EF4-FFF2-40B4-BE49-F238E27FC236}">
+                <a16:creationId xmlns:a16="http://schemas.microsoft.com/office/drawing/2014/main" id="{2C659E46-CB94-4A3B-9935-850FE40628C9}"/>
               </a:ext>
             </a:extLst>
           </p:cNvPr>
@@ -25185,8 +25149,8 @@
         </p:nvSpPr>
         <p:spPr>
           <a:xfrm flipH="1">
-            <a:off x="3842449" y="6077824"/>
-            <a:ext cx="3011539" cy="780176"/>
+            <a:off x="6409187" y="4755196"/>
+            <a:ext cx="3808603" cy="780176"/>
           </a:xfrm>
           <a:prstGeom prst="rightArrow">
             <a:avLst/>
@@ -25215,6 +25179,248 @@
             <a:pPr algn="ctr"/>
             <a:r>
               <a:rPr lang="en-US" dirty="0"/>
+              <a:t>#2 Execution Time Breakdown</a:t>
+            </a:r>
+          </a:p>
+        </p:txBody>
+      </p:sp>
+      <p:sp>
+        <p:nvSpPr>
+          <p:cNvPr id="13" name="Arrow: Right 12">
+            <a:extLst>
+              <a:ext uri="{FF2B5EF4-FFF2-40B4-BE49-F238E27FC236}">
+                <a16:creationId xmlns:a16="http://schemas.microsoft.com/office/drawing/2014/main" id="{A75D867D-ACC4-48B4-87D4-E352F17B7ECA}"/>
+              </a:ext>
+            </a:extLst>
+          </p:cNvPr>
+          <p:cNvSpPr/>
+          <p:nvPr/>
+        </p:nvSpPr>
+        <p:spPr>
+          <a:xfrm flipH="1">
+            <a:off x="2377909" y="6227297"/>
+            <a:ext cx="4538445" cy="780176"/>
+          </a:xfrm>
+          <a:prstGeom prst="rightArrow">
+            <a:avLst/>
+          </a:prstGeom>
+        </p:spPr>
+        <p:style>
+          <a:lnRef idx="2">
+            <a:schemeClr val="accent6">
+              <a:shade val="50000"/>
+            </a:schemeClr>
+          </a:lnRef>
+          <a:fillRef idx="1">
+            <a:schemeClr val="accent6"/>
+          </a:fillRef>
+          <a:effectRef idx="0">
+            <a:schemeClr val="accent6"/>
+          </a:effectRef>
+          <a:fontRef idx="minor">
+            <a:schemeClr val="lt1"/>
+          </a:fontRef>
+        </p:style>
+        <p:txBody>
+          <a:bodyPr rtlCol="0" anchor="ctr"/>
+          <a:lstStyle/>
+          <a:p>
+            <a:pPr algn="ctr"/>
+            <a:r>
+              <a:rPr lang="en-US" dirty="0"/>
+              <a:t>#3 Lets see the methods that contribute</a:t>
+            </a:r>
+          </a:p>
+        </p:txBody>
+      </p:sp>
+    </p:spTree>
+    <p:extLst>
+      <p:ext uri="{BB962C8B-B14F-4D97-AF65-F5344CB8AC3E}">
+        <p14:creationId xmlns:p14="http://schemas.microsoft.com/office/powerpoint/2010/main" val="316912335"/>
+      </p:ext>
+    </p:extLst>
+  </p:cSld>
+  <p:clrMapOvr>
+    <a:masterClrMapping/>
+  </p:clrMapOvr>
+</p:sld>
+</file>
+
+<file path=ppt/slides/slide31.xml><?xml version="1.0" encoding="utf-8"?>
+<p:sld xmlns:a="http://schemas.openxmlformats.org/drawingml/2006/main" xmlns:r="http://schemas.openxmlformats.org/officeDocument/2006/relationships" xmlns:p="http://schemas.openxmlformats.org/presentationml/2006/main">
+  <p:cSld>
+    <p:spTree>
+      <p:nvGrpSpPr>
+        <p:cNvPr id="1" name=""/>
+        <p:cNvGrpSpPr/>
+        <p:nvPr/>
+      </p:nvGrpSpPr>
+      <p:grpSpPr>
+        <a:xfrm>
+          <a:off x="0" y="0"/>
+          <a:ext cx="0" cy="0"/>
+          <a:chOff x="0" y="0"/>
+          <a:chExt cx="0" cy="0"/>
+        </a:xfrm>
+      </p:grpSpPr>
+      <p:sp>
+        <p:nvSpPr>
+          <p:cNvPr id="11" name="Title 10">
+            <a:extLst>
+              <a:ext uri="{FF2B5EF4-FFF2-40B4-BE49-F238E27FC236}">
+                <a16:creationId xmlns:a16="http://schemas.microsoft.com/office/drawing/2014/main" id="{0A7C911A-1DAD-E74D-8C63-964B200F480B}"/>
+              </a:ext>
+            </a:extLst>
+          </p:cNvPr>
+          <p:cNvSpPr>
+            <a:spLocks noGrp="1"/>
+          </p:cNvSpPr>
+          <p:nvPr>
+            <p:ph type="title"/>
+          </p:nvPr>
+        </p:nvSpPr>
+        <p:spPr>
+          <a:xfrm>
+            <a:off x="838199" y="365126"/>
+            <a:ext cx="9736657" cy="736844"/>
+          </a:xfrm>
+        </p:spPr>
+        <p:txBody>
+          <a:bodyPr>
+            <a:normAutofit/>
+          </a:bodyPr>
+          <a:lstStyle/>
+          <a:p>
+            <a:r>
+              <a:rPr lang="en-US" dirty="0"/>
+              <a:t>What is the difference between these builds?</a:t>
+            </a:r>
+          </a:p>
+        </p:txBody>
+      </p:sp>
+      <p:pic>
+        <p:nvPicPr>
+          <p:cNvPr id="9" name="Picture 8">
+            <a:extLst>
+              <a:ext uri="{FF2B5EF4-FFF2-40B4-BE49-F238E27FC236}">
+                <a16:creationId xmlns:a16="http://schemas.microsoft.com/office/drawing/2014/main" id="{D7B85E1B-71D2-4C14-8DDA-E96BC9FF0030}"/>
+              </a:ext>
+            </a:extLst>
+          </p:cNvPr>
+          <p:cNvPicPr>
+            <a:picLocks noChangeAspect="1"/>
+          </p:cNvPicPr>
+          <p:nvPr/>
+        </p:nvPicPr>
+        <p:blipFill>
+          <a:blip r:embed="rId2"/>
+          <a:stretch>
+            <a:fillRect/>
+          </a:stretch>
+        </p:blipFill>
+        <p:spPr>
+          <a:xfrm>
+            <a:off x="856363" y="-1034716"/>
+            <a:ext cx="10479273" cy="9229626"/>
+          </a:xfrm>
+          <a:prstGeom prst="rect">
+            <a:avLst/>
+          </a:prstGeom>
+        </p:spPr>
+      </p:pic>
+      <p:sp>
+        <p:nvSpPr>
+          <p:cNvPr id="10" name="Arrow: Right 9">
+            <a:extLst>
+              <a:ext uri="{FF2B5EF4-FFF2-40B4-BE49-F238E27FC236}">
+                <a16:creationId xmlns:a16="http://schemas.microsoft.com/office/drawing/2014/main" id="{A9CACD58-7E3D-41CC-A2E2-9387D72C139E}"/>
+              </a:ext>
+            </a:extLst>
+          </p:cNvPr>
+          <p:cNvSpPr/>
+          <p:nvPr/>
+        </p:nvSpPr>
+        <p:spPr>
+          <a:xfrm flipH="1">
+            <a:off x="2787681" y="3501189"/>
+            <a:ext cx="3011539" cy="780176"/>
+          </a:xfrm>
+          <a:prstGeom prst="rightArrow">
+            <a:avLst/>
+          </a:prstGeom>
+        </p:spPr>
+        <p:style>
+          <a:lnRef idx="2">
+            <a:schemeClr val="accent6">
+              <a:shade val="50000"/>
+            </a:schemeClr>
+          </a:lnRef>
+          <a:fillRef idx="1">
+            <a:schemeClr val="accent6"/>
+          </a:fillRef>
+          <a:effectRef idx="0">
+            <a:schemeClr val="accent6"/>
+          </a:effectRef>
+          <a:fontRef idx="minor">
+            <a:schemeClr val="lt1"/>
+          </a:fontRef>
+        </p:style>
+        <p:txBody>
+          <a:bodyPr rtlCol="0" anchor="ctr"/>
+          <a:lstStyle/>
+          <a:p>
+            <a:pPr algn="ctr"/>
+            <a:r>
+              <a:rPr lang="en-US" dirty="0"/>
+              <a:t>#1 Top Method is sleep</a:t>
+            </a:r>
+          </a:p>
+        </p:txBody>
+      </p:sp>
+      <p:sp>
+        <p:nvSpPr>
+          <p:cNvPr id="12" name="Arrow: Right 11">
+            <a:extLst>
+              <a:ext uri="{FF2B5EF4-FFF2-40B4-BE49-F238E27FC236}">
+                <a16:creationId xmlns:a16="http://schemas.microsoft.com/office/drawing/2014/main" id="{06542EC7-B3CD-4EE9-895E-ED4FBBA4D8B8}"/>
+              </a:ext>
+            </a:extLst>
+          </p:cNvPr>
+          <p:cNvSpPr/>
+          <p:nvPr/>
+        </p:nvSpPr>
+        <p:spPr>
+          <a:xfrm flipH="1">
+            <a:off x="3842449" y="6077824"/>
+            <a:ext cx="3011539" cy="780176"/>
+          </a:xfrm>
+          <a:prstGeom prst="rightArrow">
+            <a:avLst/>
+          </a:prstGeom>
+        </p:spPr>
+        <p:style>
+          <a:lnRef idx="2">
+            <a:schemeClr val="accent6">
+              <a:shade val="50000"/>
+            </a:schemeClr>
+          </a:lnRef>
+          <a:fillRef idx="1">
+            <a:schemeClr val="accent6"/>
+          </a:fillRef>
+          <a:effectRef idx="0">
+            <a:schemeClr val="accent6"/>
+          </a:effectRef>
+          <a:fontRef idx="minor">
+            <a:schemeClr val="lt1"/>
+          </a:fontRef>
+        </p:style>
+        <p:txBody>
+          <a:bodyPr rtlCol="0" anchor="ctr"/>
+          <a:lstStyle/>
+          <a:p>
+            <a:pPr algn="ctr"/>
+            <a:r>
+              <a:rPr lang="en-US" dirty="0"/>
               <a:t>#2 Executed by </a:t>
             </a:r>
             <a:r>
@@ -25238,7 +25444,7 @@
 </p:sld>
 </file>
 
-<file path=ppt/slides/slide31.xml><?xml version="1.0" encoding="utf-8"?>
+<file path=ppt/slides/slide32.xml><?xml version="1.0" encoding="utf-8"?>
 <p:sld xmlns:a="http://schemas.openxmlformats.org/drawingml/2006/main" xmlns:r="http://schemas.openxmlformats.org/officeDocument/2006/relationships" xmlns:p="http://schemas.openxmlformats.org/presentationml/2006/main">
   <p:cSld>
     <p:spTree>
@@ -25356,10 +25562,10 @@
       </p:grpSpPr>
       <p:sp>
         <p:nvSpPr>
-          <p:cNvPr id="4" name="Title 3">
-            <a:extLst>
-              <a:ext uri="{FF2B5EF4-FFF2-40B4-BE49-F238E27FC236}">
-                <a16:creationId xmlns:a16="http://schemas.microsoft.com/office/drawing/2014/main" id="{1C98BDF7-6D56-CD40-80EC-41868BA3B03E}"/>
+          <p:cNvPr id="2" name="Title 1">
+            <a:extLst>
+              <a:ext uri="{FF2B5EF4-FFF2-40B4-BE49-F238E27FC236}">
+                <a16:creationId xmlns:a16="http://schemas.microsoft.com/office/drawing/2014/main" id="{07457DF9-7E1C-4F9B-91D4-8D2FB0E12FF4}"/>
               </a:ext>
             </a:extLst>
           </p:cNvPr>
@@ -25376,18 +25582,27 @@
           <a:lstStyle/>
           <a:p>
             <a:r>
-              <a:rPr lang="en-US" dirty="0"/>
-              <a:t>Pre-Requisites</a:t>
-            </a:r>
+              <a:rPr lang="de-DE" dirty="0"/>
+              <a:t>Monolith </a:t>
+            </a:r>
+            <a:r>
+              <a:rPr lang="de-DE" dirty="0" err="1"/>
+              <a:t>to</a:t>
+            </a:r>
+            <a:r>
+              <a:rPr lang="de-DE" dirty="0"/>
+              <a:t> Microservices</a:t>
+            </a:r>
+            <a:endParaRPr lang="de-AT" dirty="0"/>
           </a:p>
         </p:txBody>
       </p:sp>
       <p:sp>
         <p:nvSpPr>
-          <p:cNvPr id="5" name="Content Placeholder 4">
-            <a:extLst>
-              <a:ext uri="{FF2B5EF4-FFF2-40B4-BE49-F238E27FC236}">
-                <a16:creationId xmlns:a16="http://schemas.microsoft.com/office/drawing/2014/main" id="{6F9EA27E-8208-DA48-AE6D-4E23D85EB056}"/>
+          <p:cNvPr id="3" name="Content Placeholder 2">
+            <a:extLst>
+              <a:ext uri="{FF2B5EF4-FFF2-40B4-BE49-F238E27FC236}">
+                <a16:creationId xmlns:a16="http://schemas.microsoft.com/office/drawing/2014/main" id="{FE78CD13-9F46-4783-8DB6-E3A4AEEC70AE}"/>
               </a:ext>
             </a:extLst>
           </p:cNvPr>
@@ -25395,88 +25610,47 @@
             <a:spLocks noGrp="1"/>
           </p:cNvSpPr>
           <p:nvPr>
-            <p:ph type="body" sz="quarter" idx="10"/>
+            <p:ph sz="half" idx="1"/>
           </p:nvPr>
         </p:nvSpPr>
         <p:spPr/>
         <p:txBody>
-          <a:bodyPr>
-            <a:normAutofit/>
-          </a:bodyPr>
+          <a:bodyPr/>
           <a:lstStyle/>
           <a:p>
-            <a:r>
-              <a:rPr lang="en-US" dirty="0"/>
-              <a:t>Run through all of the labs in </a:t>
-            </a:r>
-            <a:r>
-              <a:rPr lang="en-US" b="1" dirty="0"/>
-              <a:t>Dynatrace Monitoring as a Service</a:t>
-            </a:r>
-          </a:p>
-          <a:p>
-            <a:r>
-              <a:rPr lang="en-US" dirty="0"/>
-              <a:t>JMeter scripts are already using Dynatrace </a:t>
-            </a:r>
-            <a:r>
-              <a:rPr lang="en-US" b="1" dirty="0"/>
-              <a:t>X-Dynatrace-Test </a:t>
-            </a:r>
-            <a:r>
-              <a:rPr lang="en-US" dirty="0"/>
-              <a:t>tags</a:t>
-            </a:r>
-          </a:p>
-          <a:p>
-            <a:endParaRPr lang="en-US" dirty="0"/>
-          </a:p>
-          <a:p>
-            <a:endParaRPr lang="en-US" dirty="0"/>
-          </a:p>
-          <a:p>
-            <a:pPr marL="0" indent="0">
-              <a:buNone/>
-            </a:pPr>
-            <a:r>
-              <a:rPr lang="en-US" b="1" dirty="0"/>
-              <a:t>Useful Links:</a:t>
-            </a:r>
-            <a:r>
-              <a:rPr lang="en-US" dirty="0"/>
-              <a:t> </a:t>
-            </a:r>
-          </a:p>
-          <a:p>
-            <a:r>
-              <a:rPr lang="en-US" dirty="0">
-                <a:solidFill>
-                  <a:schemeClr val="tx1"/>
-                </a:solidFill>
-              </a:rPr>
-              <a:t>Follow</a:t>
-            </a:r>
-            <a:r>
-              <a:rPr lang="en-US" dirty="0"/>
-              <a:t> the steps to configure the Request Attributes as described here </a:t>
-            </a:r>
-            <a:r>
-              <a:rPr lang="en-US" dirty="0">
-                <a:hlinkClick r:id="rId2"/>
-              </a:rPr>
-              <a:t>https://www.dynatrace.com/support/help/integrations/test-automation-frameworks/how-do-i-integrate-dynatrace-into-my-load-testing-process/</a:t>
-            </a:r>
-            <a:r>
-              <a:rPr lang="en-US" dirty="0"/>
-              <a:t> </a:t>
-            </a:r>
+            <a:endParaRPr lang="de-AT"/>
+          </a:p>
+        </p:txBody>
+      </p:sp>
+      <p:sp>
+        <p:nvSpPr>
+          <p:cNvPr id="4" name="Content Placeholder 3">
+            <a:extLst>
+              <a:ext uri="{FF2B5EF4-FFF2-40B4-BE49-F238E27FC236}">
+                <a16:creationId xmlns:a16="http://schemas.microsoft.com/office/drawing/2014/main" id="{FB050717-CE7D-43FE-BE49-AFE50060664C}"/>
+              </a:ext>
+            </a:extLst>
+          </p:cNvPr>
+          <p:cNvSpPr>
+            <a:spLocks noGrp="1"/>
+          </p:cNvSpPr>
+          <p:nvPr>
+            <p:ph sz="half" idx="2"/>
+          </p:nvPr>
+        </p:nvSpPr>
+        <p:spPr/>
+        <p:txBody>
+          <a:bodyPr/>
+          <a:lstStyle/>
+          <a:p>
+            <a:endParaRPr lang="de-AT"/>
           </a:p>
         </p:txBody>
       </p:sp>
     </p:spTree>
     <p:extLst>
       <p:ext uri="{BB962C8B-B14F-4D97-AF65-F5344CB8AC3E}">
-        <p14:creationId xmlns:p14="http://schemas.microsoft.com/office/powerpoint/2010/main" val="1593859043"/>
+        <p14:creationId xmlns:p14="http://schemas.microsoft.com/office/powerpoint/2010/main" val="2048630076"/>
       </p:ext>
     </p:extLst>
   </p:cSld>
@@ -25526,139 +25700,98 @@
           <a:p>
             <a:r>
               <a:rPr lang="en-US" dirty="0"/>
-              <a:t>Pre-Requisites – Jenkins Plugins to be Installed</a:t>
-            </a:r>
-          </a:p>
-        </p:txBody>
-      </p:sp>
-      <p:pic>
-        <p:nvPicPr>
-          <p:cNvPr id="6" name="Picture 5">
-            <a:extLst>
-              <a:ext uri="{FF2B5EF4-FFF2-40B4-BE49-F238E27FC236}">
-                <a16:creationId xmlns:a16="http://schemas.microsoft.com/office/drawing/2014/main" id="{FFE92F9A-03F1-4754-AF34-ACA91570B8AF}"/>
-              </a:ext>
-            </a:extLst>
-          </p:cNvPr>
-          <p:cNvPicPr>
-            <a:picLocks noChangeAspect="1"/>
-          </p:cNvPicPr>
-          <p:nvPr/>
-        </p:nvPicPr>
-        <p:blipFill>
-          <a:blip r:embed="rId2"/>
-          <a:stretch>
-            <a:fillRect/>
-          </a:stretch>
-        </p:blipFill>
-        <p:spPr>
-          <a:xfrm>
-            <a:off x="314325" y="1814512"/>
-            <a:ext cx="11563350" cy="3228975"/>
-          </a:xfrm>
-          <a:prstGeom prst="rect">
-            <a:avLst/>
-          </a:prstGeom>
-        </p:spPr>
-      </p:pic>
-      <p:sp>
-        <p:nvSpPr>
-          <p:cNvPr id="7" name="Arrow: Right 6">
-            <a:extLst>
-              <a:ext uri="{FF2B5EF4-FFF2-40B4-BE49-F238E27FC236}">
-                <a16:creationId xmlns:a16="http://schemas.microsoft.com/office/drawing/2014/main" id="{7EF8AE46-38F6-4D64-ACDD-930472D56538}"/>
-              </a:ext>
-            </a:extLst>
-          </p:cNvPr>
-          <p:cNvSpPr/>
-          <p:nvPr/>
-        </p:nvSpPr>
-        <p:spPr>
-          <a:xfrm flipH="1">
-            <a:off x="5276019" y="2959216"/>
-            <a:ext cx="4488768" cy="564160"/>
-          </a:xfrm>
-          <a:prstGeom prst="rightArrow">
-            <a:avLst/>
-          </a:prstGeom>
-        </p:spPr>
-        <p:style>
-          <a:lnRef idx="2">
-            <a:schemeClr val="accent6">
-              <a:shade val="50000"/>
-            </a:schemeClr>
-          </a:lnRef>
-          <a:fillRef idx="1">
-            <a:schemeClr val="accent6"/>
-          </a:fillRef>
-          <a:effectRef idx="0">
-            <a:schemeClr val="accent6"/>
-          </a:effectRef>
-          <a:fontRef idx="minor">
-            <a:schemeClr val="lt1"/>
-          </a:fontRef>
-        </p:style>
-        <p:txBody>
-          <a:bodyPr rtlCol="0" anchor="ctr"/>
-          <a:lstStyle/>
-          <a:p>
-            <a:pPr algn="ctr"/>
-            <a:r>
-              <a:rPr lang="en-US" sz="1600" dirty="0">
-                <a:latin typeface="Bernina Sans Light" pitchFamily="50" charset="0"/>
-              </a:rPr>
-              <a:t>#1 Performance Signature: Dynatrace</a:t>
+              <a:t>Pre-Requisites</a:t>
             </a:r>
           </a:p>
         </p:txBody>
       </p:sp>
       <p:sp>
         <p:nvSpPr>
-          <p:cNvPr id="8" name="Arrow: Right 7">
-            <a:extLst>
-              <a:ext uri="{FF2B5EF4-FFF2-40B4-BE49-F238E27FC236}">
-                <a16:creationId xmlns:a16="http://schemas.microsoft.com/office/drawing/2014/main" id="{060FB486-1DC2-4762-BDDD-A8F760FBB949}"/>
-              </a:ext>
-            </a:extLst>
-          </p:cNvPr>
-          <p:cNvSpPr/>
-          <p:nvPr/>
+          <p:cNvPr id="5" name="Content Placeholder 4">
+            <a:extLst>
+              <a:ext uri="{FF2B5EF4-FFF2-40B4-BE49-F238E27FC236}">
+                <a16:creationId xmlns:a16="http://schemas.microsoft.com/office/drawing/2014/main" id="{6F9EA27E-8208-DA48-AE6D-4E23D85EB056}"/>
+              </a:ext>
+            </a:extLst>
+          </p:cNvPr>
+          <p:cNvSpPr>
+            <a:spLocks noGrp="1"/>
+          </p:cNvSpPr>
+          <p:nvPr>
+            <p:ph type="body" sz="quarter" idx="10"/>
+          </p:nvPr>
         </p:nvSpPr>
-        <p:spPr>
-          <a:xfrm flipH="1">
-            <a:off x="5276019" y="3900181"/>
-            <a:ext cx="4488768" cy="564160"/>
-          </a:xfrm>
-          <a:prstGeom prst="rightArrow">
-            <a:avLst/>
-          </a:prstGeom>
-        </p:spPr>
-        <p:style>
-          <a:lnRef idx="2">
-            <a:schemeClr val="accent6">
-              <a:shade val="50000"/>
-            </a:schemeClr>
-          </a:lnRef>
-          <a:fillRef idx="1">
-            <a:schemeClr val="accent6"/>
-          </a:fillRef>
-          <a:effectRef idx="0">
-            <a:schemeClr val="accent6"/>
-          </a:effectRef>
-          <a:fontRef idx="minor">
-            <a:schemeClr val="lt1"/>
-          </a:fontRef>
-        </p:style>
+        <p:spPr/>
         <p:txBody>
-          <a:bodyPr rtlCol="0" anchor="ctr"/>
+          <a:bodyPr>
+            <a:normAutofit/>
+          </a:bodyPr>
           <a:lstStyle/>
           <a:p>
-            <a:pPr algn="ctr"/>
-            <a:r>
-              <a:rPr lang="en-US" sz="1600" dirty="0">
-                <a:latin typeface="Bernina Sans Light" pitchFamily="50" charset="0"/>
+            <a:r>
+              <a:rPr lang="en-US" dirty="0"/>
+              <a:t>Run through all of the labs in </a:t>
+            </a:r>
+            <a:r>
+              <a:rPr lang="en-US" b="1" dirty="0"/>
+              <a:t>Dynatrace Monitoring as a Service</a:t>
+            </a:r>
+          </a:p>
+          <a:p>
+            <a:r>
+              <a:rPr lang="en-US" dirty="0"/>
+              <a:t>JMeter scripts are already using Dynatrace </a:t>
+            </a:r>
+            <a:r>
+              <a:rPr lang="en-US" b="1" dirty="0"/>
+              <a:t>X-Dynatrace-Test </a:t>
+            </a:r>
+            <a:r>
+              <a:rPr lang="en-US" dirty="0"/>
+              <a:t>tags</a:t>
+            </a:r>
+          </a:p>
+          <a:p>
+            <a:endParaRPr lang="en-US" dirty="0"/>
+          </a:p>
+          <a:p>
+            <a:endParaRPr lang="en-US" dirty="0"/>
+          </a:p>
+          <a:p>
+            <a:pPr marL="0" indent="0">
+              <a:buNone/>
+            </a:pPr>
+            <a:r>
+              <a:rPr lang="en-US" b="1" dirty="0"/>
+              <a:t>Useful Links:</a:t>
+            </a:r>
+            <a:r>
+              <a:rPr lang="en-US" dirty="0"/>
+              <a:t> </a:t>
+            </a:r>
+          </a:p>
+          <a:p>
+            <a:r>
+              <a:rPr lang="en-US" dirty="0">
+                <a:solidFill>
+                  <a:schemeClr val="tx1"/>
+                </a:solidFill>
               </a:rPr>
-              <a:t>#2 Performance Signature: Viewer</a:t>
+              <a:t>Follow</a:t>
+            </a:r>
+            <a:r>
+              <a:rPr lang="en-US" dirty="0"/>
+              <a:t> the steps to configure the Request Attributes as described here </a:t>
+            </a:r>
+            <a:r>
+              <a:rPr lang="en-US" dirty="0">
+                <a:hlinkClick r:id="rId2"/>
+              </a:rPr>
+              <a:t>https://www.dynatrace.com/support/help/integrations/test-automation-frameworks/how-do-i-integrate-dynatrace-into-my-load-testing-process/</a:t>
+            </a:r>
+            <a:r>
+              <a:rPr lang="en-US" dirty="0"/>
+              <a:t> </a:t>
             </a:r>
           </a:p>
         </p:txBody>
@@ -25666,7 +25799,7 @@
     </p:spTree>
     <p:extLst>
       <p:ext uri="{BB962C8B-B14F-4D97-AF65-F5344CB8AC3E}">
-        <p14:creationId xmlns:p14="http://schemas.microsoft.com/office/powerpoint/2010/main" val="3274630758"/>
+        <p14:creationId xmlns:p14="http://schemas.microsoft.com/office/powerpoint/2010/main" val="1593859043"/>
       </p:ext>
     </p:extLst>
   </p:cSld>
@@ -25695,6 +25828,196 @@
       </p:grpSpPr>
       <p:sp>
         <p:nvSpPr>
+          <p:cNvPr id="4" name="Title 3">
+            <a:extLst>
+              <a:ext uri="{FF2B5EF4-FFF2-40B4-BE49-F238E27FC236}">
+                <a16:creationId xmlns:a16="http://schemas.microsoft.com/office/drawing/2014/main" id="{1C98BDF7-6D56-CD40-80EC-41868BA3B03E}"/>
+              </a:ext>
+            </a:extLst>
+          </p:cNvPr>
+          <p:cNvSpPr>
+            <a:spLocks noGrp="1"/>
+          </p:cNvSpPr>
+          <p:nvPr>
+            <p:ph type="title"/>
+          </p:nvPr>
+        </p:nvSpPr>
+        <p:spPr/>
+        <p:txBody>
+          <a:bodyPr/>
+          <a:lstStyle/>
+          <a:p>
+            <a:r>
+              <a:rPr lang="en-US" dirty="0"/>
+              <a:t>Pre-Requisites – Jenkins Plugins to be Installed</a:t>
+            </a:r>
+          </a:p>
+        </p:txBody>
+      </p:sp>
+      <p:pic>
+        <p:nvPicPr>
+          <p:cNvPr id="6" name="Picture 5">
+            <a:extLst>
+              <a:ext uri="{FF2B5EF4-FFF2-40B4-BE49-F238E27FC236}">
+                <a16:creationId xmlns:a16="http://schemas.microsoft.com/office/drawing/2014/main" id="{FFE92F9A-03F1-4754-AF34-ACA91570B8AF}"/>
+              </a:ext>
+            </a:extLst>
+          </p:cNvPr>
+          <p:cNvPicPr>
+            <a:picLocks noChangeAspect="1"/>
+          </p:cNvPicPr>
+          <p:nvPr/>
+        </p:nvPicPr>
+        <p:blipFill>
+          <a:blip r:embed="rId2"/>
+          <a:stretch>
+            <a:fillRect/>
+          </a:stretch>
+        </p:blipFill>
+        <p:spPr>
+          <a:xfrm>
+            <a:off x="314325" y="1814512"/>
+            <a:ext cx="11563350" cy="3228975"/>
+          </a:xfrm>
+          <a:prstGeom prst="rect">
+            <a:avLst/>
+          </a:prstGeom>
+        </p:spPr>
+      </p:pic>
+      <p:sp>
+        <p:nvSpPr>
+          <p:cNvPr id="7" name="Arrow: Right 6">
+            <a:extLst>
+              <a:ext uri="{FF2B5EF4-FFF2-40B4-BE49-F238E27FC236}">
+                <a16:creationId xmlns:a16="http://schemas.microsoft.com/office/drawing/2014/main" id="{7EF8AE46-38F6-4D64-ACDD-930472D56538}"/>
+              </a:ext>
+            </a:extLst>
+          </p:cNvPr>
+          <p:cNvSpPr/>
+          <p:nvPr/>
+        </p:nvSpPr>
+        <p:spPr>
+          <a:xfrm flipH="1">
+            <a:off x="5276019" y="2959216"/>
+            <a:ext cx="4488768" cy="564160"/>
+          </a:xfrm>
+          <a:prstGeom prst="rightArrow">
+            <a:avLst/>
+          </a:prstGeom>
+        </p:spPr>
+        <p:style>
+          <a:lnRef idx="2">
+            <a:schemeClr val="accent6">
+              <a:shade val="50000"/>
+            </a:schemeClr>
+          </a:lnRef>
+          <a:fillRef idx="1">
+            <a:schemeClr val="accent6"/>
+          </a:fillRef>
+          <a:effectRef idx="0">
+            <a:schemeClr val="accent6"/>
+          </a:effectRef>
+          <a:fontRef idx="minor">
+            <a:schemeClr val="lt1"/>
+          </a:fontRef>
+        </p:style>
+        <p:txBody>
+          <a:bodyPr rtlCol="0" anchor="ctr"/>
+          <a:lstStyle/>
+          <a:p>
+            <a:pPr algn="ctr"/>
+            <a:r>
+              <a:rPr lang="en-US" sz="1600" dirty="0">
+                <a:latin typeface="Bernina Sans Light" pitchFamily="50" charset="0"/>
+              </a:rPr>
+              <a:t>#1 Performance Signature: Dynatrace</a:t>
+            </a:r>
+          </a:p>
+        </p:txBody>
+      </p:sp>
+      <p:sp>
+        <p:nvSpPr>
+          <p:cNvPr id="8" name="Arrow: Right 7">
+            <a:extLst>
+              <a:ext uri="{FF2B5EF4-FFF2-40B4-BE49-F238E27FC236}">
+                <a16:creationId xmlns:a16="http://schemas.microsoft.com/office/drawing/2014/main" id="{060FB486-1DC2-4762-BDDD-A8F760FBB949}"/>
+              </a:ext>
+            </a:extLst>
+          </p:cNvPr>
+          <p:cNvSpPr/>
+          <p:nvPr/>
+        </p:nvSpPr>
+        <p:spPr>
+          <a:xfrm flipH="1">
+            <a:off x="5276019" y="3900181"/>
+            <a:ext cx="4488768" cy="564160"/>
+          </a:xfrm>
+          <a:prstGeom prst="rightArrow">
+            <a:avLst/>
+          </a:prstGeom>
+        </p:spPr>
+        <p:style>
+          <a:lnRef idx="2">
+            <a:schemeClr val="accent6">
+              <a:shade val="50000"/>
+            </a:schemeClr>
+          </a:lnRef>
+          <a:fillRef idx="1">
+            <a:schemeClr val="accent6"/>
+          </a:fillRef>
+          <a:effectRef idx="0">
+            <a:schemeClr val="accent6"/>
+          </a:effectRef>
+          <a:fontRef idx="minor">
+            <a:schemeClr val="lt1"/>
+          </a:fontRef>
+        </p:style>
+        <p:txBody>
+          <a:bodyPr rtlCol="0" anchor="ctr"/>
+          <a:lstStyle/>
+          <a:p>
+            <a:pPr algn="ctr"/>
+            <a:r>
+              <a:rPr lang="en-US" sz="1600" dirty="0">
+                <a:latin typeface="Bernina Sans Light" pitchFamily="50" charset="0"/>
+              </a:rPr>
+              <a:t>#2 Performance Signature: Viewer</a:t>
+            </a:r>
+          </a:p>
+        </p:txBody>
+      </p:sp>
+    </p:spTree>
+    <p:extLst>
+      <p:ext uri="{BB962C8B-B14F-4D97-AF65-F5344CB8AC3E}">
+        <p14:creationId xmlns:p14="http://schemas.microsoft.com/office/powerpoint/2010/main" val="3274630758"/>
+      </p:ext>
+    </p:extLst>
+  </p:cSld>
+  <p:clrMapOvr>
+    <a:masterClrMapping/>
+  </p:clrMapOvr>
+</p:sld>
+</file>
+
+<file path=ppt/slides/slide7.xml><?xml version="1.0" encoding="utf-8"?>
+<p:sld xmlns:a="http://schemas.openxmlformats.org/drawingml/2006/main" xmlns:r="http://schemas.openxmlformats.org/officeDocument/2006/relationships" xmlns:p="http://schemas.openxmlformats.org/presentationml/2006/main">
+  <p:cSld>
+    <p:spTree>
+      <p:nvGrpSpPr>
+        <p:cNvPr id="1" name=""/>
+        <p:cNvGrpSpPr/>
+        <p:nvPr/>
+      </p:nvGrpSpPr>
+      <p:grpSpPr>
+        <a:xfrm>
+          <a:off x="0" y="0"/>
+          <a:ext cx="0" cy="0"/>
+          <a:chOff x="0" y="0"/>
+          <a:chExt cx="0" cy="0"/>
+        </a:xfrm>
+      </p:grpSpPr>
+      <p:sp>
+        <p:nvSpPr>
           <p:cNvPr id="2" name="Title 1">
             <a:extLst>
               <a:ext uri="{FF2B5EF4-FFF2-40B4-BE49-F238E27FC236}">
@@ -25782,7 +26105,7 @@
 </p:sld>
 </file>
 
-<file path=ppt/slides/slide7.xml><?xml version="1.0" encoding="utf-8"?>
+<file path=ppt/slides/slide8.xml><?xml version="1.0" encoding="utf-8"?>
 <p:sld xmlns:a="http://schemas.openxmlformats.org/drawingml/2006/main" xmlns:r="http://schemas.openxmlformats.org/officeDocument/2006/relationships" xmlns:p="http://schemas.openxmlformats.org/presentationml/2006/main">
   <p:cSld>
     <p:spTree>
@@ -26401,7 +26724,7 @@
 </p:sld>
 </file>
 
-<file path=ppt/slides/slide8.xml><?xml version="1.0" encoding="utf-8"?>
+<file path=ppt/slides/slide9.xml><?xml version="1.0" encoding="utf-8"?>
 <p:sld xmlns:a="http://schemas.openxmlformats.org/drawingml/2006/main" xmlns:r="http://schemas.openxmlformats.org/officeDocument/2006/relationships" xmlns:p="http://schemas.openxmlformats.org/presentationml/2006/main">
   <p:cSld>
     <p:spTree>
@@ -26889,210 +27212,6 @@
       <p:bldP spid="18" grpId="0" animBg="1"/>
     </p:bldLst>
   </p:timing>
-</p:sld>
-</file>
-
-<file path=ppt/slides/slide9.xml><?xml version="1.0" encoding="utf-8"?>
-<p:sld xmlns:a="http://schemas.openxmlformats.org/drawingml/2006/main" xmlns:r="http://schemas.openxmlformats.org/officeDocument/2006/relationships" xmlns:p="http://schemas.openxmlformats.org/presentationml/2006/main">
-  <p:cSld>
-    <p:spTree>
-      <p:nvGrpSpPr>
-        <p:cNvPr id="1" name=""/>
-        <p:cNvGrpSpPr/>
-        <p:nvPr/>
-      </p:nvGrpSpPr>
-      <p:grpSpPr>
-        <a:xfrm>
-          <a:off x="0" y="0"/>
-          <a:ext cx="0" cy="0"/>
-          <a:chOff x="0" y="0"/>
-          <a:chExt cx="0" cy="0"/>
-        </a:xfrm>
-      </p:grpSpPr>
-      <p:sp>
-        <p:nvSpPr>
-          <p:cNvPr id="11" name="Title 10">
-            <a:extLst>
-              <a:ext uri="{FF2B5EF4-FFF2-40B4-BE49-F238E27FC236}">
-                <a16:creationId xmlns:a16="http://schemas.microsoft.com/office/drawing/2014/main" id="{0A7C911A-1DAD-E74D-8C63-964B200F480B}"/>
-              </a:ext>
-            </a:extLst>
-          </p:cNvPr>
-          <p:cNvSpPr>
-            <a:spLocks noGrp="1"/>
-          </p:cNvSpPr>
-          <p:nvPr>
-            <p:ph type="title"/>
-          </p:nvPr>
-        </p:nvSpPr>
-        <p:spPr>
-          <a:xfrm>
-            <a:off x="838199" y="365126"/>
-            <a:ext cx="9736657" cy="736844"/>
-          </a:xfrm>
-        </p:spPr>
-        <p:txBody>
-          <a:bodyPr>
-            <a:normAutofit/>
-          </a:bodyPr>
-          <a:lstStyle/>
-          <a:p>
-            <a:r>
-              <a:rPr lang="en-US" dirty="0"/>
-              <a:t>Automate Analysis: Compare Builds</a:t>
-            </a:r>
-          </a:p>
-        </p:txBody>
-      </p:sp>
-      <p:pic>
-        <p:nvPicPr>
-          <p:cNvPr id="7" name="Picture 6">
-            <a:extLst>
-              <a:ext uri="{FF2B5EF4-FFF2-40B4-BE49-F238E27FC236}">
-                <a16:creationId xmlns:a16="http://schemas.microsoft.com/office/drawing/2014/main" id="{165C29D9-0D62-4B31-95FF-F9DD41393E91}"/>
-              </a:ext>
-            </a:extLst>
-          </p:cNvPr>
-          <p:cNvPicPr>
-            <a:picLocks noChangeAspect="1"/>
-          </p:cNvPicPr>
-          <p:nvPr/>
-        </p:nvPicPr>
-        <p:blipFill>
-          <a:blip r:embed="rId2"/>
-          <a:stretch>
-            <a:fillRect/>
-          </a:stretch>
-        </p:blipFill>
-        <p:spPr>
-          <a:xfrm>
-            <a:off x="2372280" y="1774863"/>
-            <a:ext cx="7447440" cy="4718011"/>
-          </a:xfrm>
-          <a:prstGeom prst="rect">
-            <a:avLst/>
-          </a:prstGeom>
-          <a:ln w="9525">
-            <a:solidFill>
-              <a:schemeClr val="accent1">
-                <a:lumMod val="75000"/>
-              </a:schemeClr>
-            </a:solidFill>
-          </a:ln>
-        </p:spPr>
-      </p:pic>
-      <p:sp>
-        <p:nvSpPr>
-          <p:cNvPr id="8" name="Rectangle 7">
-            <a:extLst>
-              <a:ext uri="{FF2B5EF4-FFF2-40B4-BE49-F238E27FC236}">
-                <a16:creationId xmlns:a16="http://schemas.microsoft.com/office/drawing/2014/main" id="{B3514EA7-735B-4519-B90D-F899A8C17048}"/>
-              </a:ext>
-            </a:extLst>
-          </p:cNvPr>
-          <p:cNvSpPr/>
-          <p:nvPr/>
-        </p:nvSpPr>
-        <p:spPr>
-          <a:xfrm>
-            <a:off x="3455159" y="1590197"/>
-            <a:ext cx="1623848" cy="338554"/>
-          </a:xfrm>
-          <a:prstGeom prst="rect">
-            <a:avLst/>
-          </a:prstGeom>
-          <a:solidFill>
-            <a:srgbClr val="FFFFFF"/>
-          </a:solidFill>
-          <a:ln w="38100">
-            <a:solidFill>
-              <a:schemeClr val="accent1">
-                <a:lumMod val="75000"/>
-              </a:schemeClr>
-            </a:solidFill>
-          </a:ln>
-        </p:spPr>
-        <p:txBody>
-          <a:bodyPr wrap="square">
-            <a:spAutoFit/>
-          </a:bodyPr>
-          <a:lstStyle/>
-          <a:p>
-            <a:pPr algn="ctr" defTabSz="685863"/>
-            <a:r>
-              <a:rPr lang="en-US" sz="1600" dirty="0">
-                <a:solidFill>
-                  <a:srgbClr val="0C9B2E"/>
-                </a:solidFill>
-                <a:latin typeface="Bernina Sans" pitchFamily="50" charset="0"/>
-                <a:cs typeface="Arial"/>
-              </a:rPr>
-              <a:t>Load Test #1</a:t>
-            </a:r>
-          </a:p>
-        </p:txBody>
-      </p:sp>
-      <p:sp>
-        <p:nvSpPr>
-          <p:cNvPr id="9" name="Rectangle 8">
-            <a:extLst>
-              <a:ext uri="{FF2B5EF4-FFF2-40B4-BE49-F238E27FC236}">
-                <a16:creationId xmlns:a16="http://schemas.microsoft.com/office/drawing/2014/main" id="{4165EE1E-529D-4797-B2B9-697E2C10D79C}"/>
-              </a:ext>
-            </a:extLst>
-          </p:cNvPr>
-          <p:cNvSpPr/>
-          <p:nvPr/>
-        </p:nvSpPr>
-        <p:spPr>
-          <a:xfrm>
-            <a:off x="7010547" y="1590197"/>
-            <a:ext cx="1623848" cy="338554"/>
-          </a:xfrm>
-          <a:prstGeom prst="rect">
-            <a:avLst/>
-          </a:prstGeom>
-          <a:solidFill>
-            <a:srgbClr val="FFFFFF"/>
-          </a:solidFill>
-          <a:ln w="38100">
-            <a:solidFill>
-              <a:schemeClr val="accent1">
-                <a:lumMod val="75000"/>
-              </a:schemeClr>
-            </a:solidFill>
-          </a:ln>
-        </p:spPr>
-        <p:txBody>
-          <a:bodyPr wrap="square">
-            <a:spAutoFit/>
-          </a:bodyPr>
-          <a:lstStyle/>
-          <a:p>
-            <a:pPr algn="ctr" defTabSz="685863"/>
-            <a:r>
-              <a:rPr lang="en-US" sz="1600" dirty="0">
-                <a:solidFill>
-                  <a:srgbClr val="C00000"/>
-                </a:solidFill>
-                <a:latin typeface="Bernina Sans" pitchFamily="50" charset="0"/>
-                <a:cs typeface="Arial"/>
-              </a:rPr>
-              <a:t>Load Test #2</a:t>
-            </a:r>
-          </a:p>
-        </p:txBody>
-      </p:sp>
-    </p:spTree>
-    <p:extLst>
-      <p:ext uri="{BB962C8B-B14F-4D97-AF65-F5344CB8AC3E}">
-        <p14:creationId xmlns:p14="http://schemas.microsoft.com/office/powerpoint/2010/main" val="429005049"/>
-      </p:ext>
-    </p:extLst>
-  </p:cSld>
-  <p:clrMapOvr>
-    <a:masterClrMapping/>
-  </p:clrMapOvr>
 </p:sld>
 </file>
 
@@ -28867,30 +28986,6 @@
 </file>
 
 <file path=customXml/item1.xml><?xml version="1.0" encoding="utf-8"?>
-<p:properties xmlns:p="http://schemas.microsoft.com/office/2006/metadata/properties" xmlns:xsi="http://www.w3.org/2001/XMLSchema-instance" xmlns:pc="http://schemas.microsoft.com/office/infopath/2007/PartnerControls">
-  <documentManagement>
-    <SharedWithUsers xmlns="fb8203b4-fe31-4bd3-bf6e-7d3582ff5478">
-      <UserInfo>
-        <DisplayName>Anderson, Dave (Marketing)</DisplayName>
-        <AccountId>14</AccountId>
-        <AccountType/>
-      </UserInfo>
-      <UserInfo>
-        <DisplayName>Sims, Josh</DisplayName>
-        <AccountId>473</AccountId>
-        <AccountType/>
-      </UserInfo>
-      <UserInfo>
-        <DisplayName>Ward, Frances</DisplayName>
-        <AccountId>6</AccountId>
-        <AccountType/>
-      </UserInfo>
-    </SharedWithUsers>
-  </documentManagement>
-</p:properties>
-</file>
-
-<file path=customXml/item2.xml><?xml version="1.0" encoding="utf-8"?>
 <ct:contentTypeSchema xmlns:ct="http://schemas.microsoft.com/office/2006/metadata/contentType" xmlns:ma="http://schemas.microsoft.com/office/2006/metadata/properties/metaAttributes" ct:_="" ma:_="" ma:contentTypeName="Document" ma:contentTypeID="0x01010052F8FE65E80A8C4791DDD83E290982FE" ma:contentTypeVersion="7" ma:contentTypeDescription="Create a new document." ma:contentTypeScope="" ma:versionID="b30853a293787791d003978af993c376">
   <xsd:schema xmlns:xsd="http://www.w3.org/2001/XMLSchema" xmlns:xs="http://www.w3.org/2001/XMLSchema" xmlns:p="http://schemas.microsoft.com/office/2006/metadata/properties" xmlns:ns2="975ecbaa-750d-4684-9d6f-dde56c91f74c" xmlns:ns3="fb8203b4-fe31-4bd3-bf6e-7d3582ff5478" targetNamespace="http://schemas.microsoft.com/office/2006/metadata/properties" ma:root="true" ma:fieldsID="5e40e46a27d0028b3013f1b95e4bf97f" ns2:_="" ns3:_="">
     <xsd:import namespace="975ecbaa-750d-4684-9d6f-dde56c91f74c"/>
@@ -29073,6 +29168,30 @@
 </ct:contentTypeSchema>
 </file>
 
+<file path=customXml/item2.xml><?xml version="1.0" encoding="utf-8"?>
+<p:properties xmlns:p="http://schemas.microsoft.com/office/2006/metadata/properties" xmlns:xsi="http://www.w3.org/2001/XMLSchema-instance" xmlns:pc="http://schemas.microsoft.com/office/infopath/2007/PartnerControls">
+  <documentManagement>
+    <SharedWithUsers xmlns="fb8203b4-fe31-4bd3-bf6e-7d3582ff5478">
+      <UserInfo>
+        <DisplayName>Anderson, Dave (Marketing)</DisplayName>
+        <AccountId>14</AccountId>
+        <AccountType/>
+      </UserInfo>
+      <UserInfo>
+        <DisplayName>Sims, Josh</DisplayName>
+        <AccountId>473</AccountId>
+        <AccountType/>
+      </UserInfo>
+      <UserInfo>
+        <DisplayName>Ward, Frances</DisplayName>
+        <AccountId>6</AccountId>
+        <AccountType/>
+      </UserInfo>
+    </SharedWithUsers>
+  </documentManagement>
+</p:properties>
+</file>
+
 <file path=customXml/item3.xml><?xml version="1.0" encoding="utf-8"?>
 <?mso-contentType ?>
 <FormTemplates xmlns="http://schemas.microsoft.com/sharepoint/v3/contenttype/forms">
@@ -29083,24 +29202,6 @@
 </file>
 
 <file path=customXml/itemProps1.xml><?xml version="1.0" encoding="utf-8"?>
-<ds:datastoreItem xmlns:ds="http://schemas.openxmlformats.org/officeDocument/2006/customXml" ds:itemID="{363305D2-0ECB-44A0-862C-949F259D46BE}">
-  <ds:schemaRefs>
-    <ds:schemaRef ds:uri="http://schemas.openxmlformats.org/package/2006/metadata/core-properties"/>
-    <ds:schemaRef ds:uri="http://schemas.microsoft.com/office/2006/documentManagement/types"/>
-    <ds:schemaRef ds:uri="http://purl.org/dc/elements/1.1/"/>
-    <ds:schemaRef ds:uri="3e98d6c4-0a6a-4101-aaef-7401c2c41272"/>
-    <ds:schemaRef ds:uri="http://purl.org/dc/terms/"/>
-    <ds:schemaRef ds:uri="http://schemas.microsoft.com/office/infopath/2007/PartnerControls"/>
-    <ds:schemaRef ds:uri="http://www.w3.org/XML/1998/namespace"/>
-    <ds:schemaRef ds:uri="http://purl.org/dc/dcmitype/"/>
-    <ds:schemaRef ds:uri="dd1d8f26-fb76-4973-95d8-1c00742ea3ca"/>
-    <ds:schemaRef ds:uri="http://schemas.microsoft.com/office/2006/metadata/properties"/>
-    <ds:schemaRef ds:uri="fb8203b4-fe31-4bd3-bf6e-7d3582ff5478"/>
-  </ds:schemaRefs>
-</ds:datastoreItem>
-</file>
-
-<file path=customXml/itemProps2.xml><?xml version="1.0" encoding="utf-8"?>
 <ds:datastoreItem xmlns:ds="http://schemas.openxmlformats.org/officeDocument/2006/customXml" ds:itemID="{1EE47AD0-FCDF-4085-9910-14F462509153}">
   <ds:schemaRefs>
     <ds:schemaRef ds:uri="http://schemas.microsoft.com/office/2006/metadata/contentType"/>
@@ -29119,6 +29220,24 @@
 </ds:datastoreItem>
 </file>
 
+<file path=customXml/itemProps2.xml><?xml version="1.0" encoding="utf-8"?>
+<ds:datastoreItem xmlns:ds="http://schemas.openxmlformats.org/officeDocument/2006/customXml" ds:itemID="{363305D2-0ECB-44A0-862C-949F259D46BE}">
+  <ds:schemaRefs>
+    <ds:schemaRef ds:uri="http://schemas.openxmlformats.org/package/2006/metadata/core-properties"/>
+    <ds:schemaRef ds:uri="http://schemas.microsoft.com/office/2006/documentManagement/types"/>
+    <ds:schemaRef ds:uri="http://purl.org/dc/elements/1.1/"/>
+    <ds:schemaRef ds:uri="3e98d6c4-0a6a-4101-aaef-7401c2c41272"/>
+    <ds:schemaRef ds:uri="http://purl.org/dc/terms/"/>
+    <ds:schemaRef ds:uri="http://schemas.microsoft.com/office/infopath/2007/PartnerControls"/>
+    <ds:schemaRef ds:uri="http://www.w3.org/XML/1998/namespace"/>
+    <ds:schemaRef ds:uri="http://purl.org/dc/dcmitype/"/>
+    <ds:schemaRef ds:uri="dd1d8f26-fb76-4973-95d8-1c00742ea3ca"/>
+    <ds:schemaRef ds:uri="http://schemas.microsoft.com/office/2006/metadata/properties"/>
+    <ds:schemaRef ds:uri="fb8203b4-fe31-4bd3-bf6e-7d3582ff5478"/>
+  </ds:schemaRefs>
+</ds:datastoreItem>
+</file>
+
 <file path=customXml/itemProps3.xml><?xml version="1.0" encoding="utf-8"?>
 <ds:datastoreItem xmlns:ds="http://schemas.openxmlformats.org/officeDocument/2006/customXml" ds:itemID="{6075389F-D212-4F19-AFAD-C1BB4FFFE93B}">
   <ds:schemaRefs>
